--- a/Presentations/Presentatie 6 vrijdag 24 mei (eindpresentatie).pptx
+++ b/Presentations/Presentatie 6 vrijdag 24 mei (eindpresentatie).pptx
@@ -2,289 +2,161 @@
 <file path=ppt/presentation.xml><?xml version="1.0" encoding="utf-8"?>
 <p:presentation xmlns:a="http://schemas.openxmlformats.org/drawingml/2006/main" xmlns:r="http://schemas.openxmlformats.org/officeDocument/2006/relationships" xmlns:p="http://schemas.openxmlformats.org/presentationml/2006/main" strictFirstAndLastChars="0" embedTrueTypeFonts="1" saveSubsetFonts="1" autoCompressPictures="0">
   <p:sldMasterIdLst>
-    <p:sldMasterId id="2147483670" r:id="rId1"/>
-    <p:sldMasterId id="2147483672" r:id="rId2"/>
+    <p:sldMasterId id="2147483916" r:id="rId1"/>
   </p:sldMasterIdLst>
   <p:notesMasterIdLst>
-    <p:notesMasterId r:id="rId22"/>
+    <p:notesMasterId r:id="rId21"/>
   </p:notesMasterIdLst>
   <p:sldIdLst>
-    <p:sldId id="256" r:id="rId3"/>
-    <p:sldId id="257" r:id="rId4"/>
-    <p:sldId id="258" r:id="rId5"/>
-    <p:sldId id="259" r:id="rId6"/>
-    <p:sldId id="260" r:id="rId7"/>
-    <p:sldId id="261" r:id="rId8"/>
-    <p:sldId id="262" r:id="rId9"/>
-    <p:sldId id="263" r:id="rId10"/>
-    <p:sldId id="264" r:id="rId11"/>
-    <p:sldId id="265" r:id="rId12"/>
-    <p:sldId id="266" r:id="rId13"/>
-    <p:sldId id="267" r:id="rId14"/>
-    <p:sldId id="268" r:id="rId15"/>
-    <p:sldId id="269" r:id="rId16"/>
-    <p:sldId id="270" r:id="rId17"/>
-    <p:sldId id="271" r:id="rId18"/>
-    <p:sldId id="272" r:id="rId19"/>
-    <p:sldId id="273" r:id="rId20"/>
-    <p:sldId id="274" r:id="rId21"/>
+    <p:sldId id="256" r:id="rId2"/>
+    <p:sldId id="280" r:id="rId3"/>
+    <p:sldId id="279" r:id="rId4"/>
+    <p:sldId id="259" r:id="rId5"/>
+    <p:sldId id="260" r:id="rId6"/>
+    <p:sldId id="261" r:id="rId7"/>
+    <p:sldId id="262" r:id="rId8"/>
+    <p:sldId id="263" r:id="rId9"/>
+    <p:sldId id="264" r:id="rId10"/>
+    <p:sldId id="265" r:id="rId11"/>
+    <p:sldId id="266" r:id="rId12"/>
+    <p:sldId id="267" r:id="rId13"/>
+    <p:sldId id="268" r:id="rId14"/>
+    <p:sldId id="269" r:id="rId15"/>
+    <p:sldId id="270" r:id="rId16"/>
+    <p:sldId id="271" r:id="rId17"/>
+    <p:sldId id="272" r:id="rId18"/>
+    <p:sldId id="273" r:id="rId19"/>
+    <p:sldId id="274" r:id="rId20"/>
   </p:sldIdLst>
   <p:sldSz cx="9144000" cy="5143500" type="screen16x9"/>
   <p:notesSz cx="6858000" cy="9144000"/>
   <p:embeddedFontLst>
     <p:embeddedFont>
       <p:font typeface="Calibri" panose="020F0502020204030204" pitchFamily="34" charset="0"/>
-      <p:regular r:id="rId23"/>
-      <p:bold r:id="rId24"/>
-      <p:italic r:id="rId25"/>
-      <p:boldItalic r:id="rId26"/>
+      <p:regular r:id="rId22"/>
+      <p:bold r:id="rId23"/>
+      <p:italic r:id="rId24"/>
+      <p:boldItalic r:id="rId25"/>
     </p:embeddedFont>
     <p:embeddedFont>
       <p:font typeface="Calibri Light" panose="020F0302020204030204" pitchFamily="34" charset="0"/>
-      <p:regular r:id="rId27"/>
-      <p:italic r:id="rId28"/>
+      <p:regular r:id="rId26"/>
+      <p:italic r:id="rId27"/>
     </p:embeddedFont>
     <p:embeddedFont>
       <p:font typeface="Lato" panose="020B0604020202020204" charset="0"/>
-      <p:regular r:id="rId29"/>
-      <p:bold r:id="rId30"/>
-      <p:italic r:id="rId31"/>
-      <p:boldItalic r:id="rId32"/>
+      <p:regular r:id="rId28"/>
+      <p:bold r:id="rId29"/>
+      <p:italic r:id="rId30"/>
+      <p:boldItalic r:id="rId31"/>
     </p:embeddedFont>
     <p:embeddedFont>
       <p:font typeface="Raleway" panose="020B0604020202020204" charset="0"/>
-      <p:regular r:id="rId33"/>
-      <p:bold r:id="rId34"/>
-      <p:italic r:id="rId35"/>
-      <p:boldItalic r:id="rId36"/>
+      <p:regular r:id="rId32"/>
+      <p:bold r:id="rId33"/>
+      <p:italic r:id="rId34"/>
+      <p:boldItalic r:id="rId35"/>
+    </p:embeddedFont>
+    <p:embeddedFont>
+      <p:font typeface="Verdana" panose="020B0604030504040204" pitchFamily="34" charset="0"/>
+      <p:regular r:id="rId36"/>
+      <p:bold r:id="rId37"/>
+      <p:italic r:id="rId38"/>
+      <p:boldItalic r:id="rId39"/>
     </p:embeddedFont>
   </p:embeddedFontLst>
   <p:defaultTextStyle>
-    <a:defPPr marR="0" lvl="0" algn="l" rtl="0">
-      <a:lnSpc>
-        <a:spcPct val="100000"/>
-      </a:lnSpc>
-      <a:spcBef>
-        <a:spcPts val="0"/>
-      </a:spcBef>
-      <a:spcAft>
-        <a:spcPts val="0"/>
-      </a:spcAft>
+    <a:defPPr>
+      <a:defRPr lang="nl-NL"/>
     </a:defPPr>
-    <a:lvl1pPr marR="0" lvl="0" algn="l" rtl="0">
-      <a:lnSpc>
-        <a:spcPct val="100000"/>
-      </a:lnSpc>
-      <a:spcBef>
-        <a:spcPts val="0"/>
-      </a:spcBef>
-      <a:spcAft>
-        <a:spcPts val="0"/>
-      </a:spcAft>
-      <a:buClr>
-        <a:srgbClr val="000000"/>
-      </a:buClr>
-      <a:buFont typeface="Arial"/>
-      <a:defRPr sz="1400" b="0" i="0" u="none" strike="noStrike" cap="none">
+    <a:lvl1pPr marL="0" algn="l" defTabSz="914400" rtl="0" eaLnBrk="1" latinLnBrk="0" hangingPunct="1">
+      <a:defRPr sz="1800" kern="1200">
         <a:solidFill>
-          <a:srgbClr val="000000"/>
+          <a:schemeClr val="tx1"/>
         </a:solidFill>
-        <a:latin typeface="Arial"/>
-        <a:ea typeface="Arial"/>
-        <a:cs typeface="Arial"/>
-        <a:sym typeface="Arial"/>
+        <a:latin typeface="+mn-lt"/>
+        <a:ea typeface="+mn-ea"/>
+        <a:cs typeface="+mn-cs"/>
       </a:defRPr>
     </a:lvl1pPr>
-    <a:lvl2pPr marR="0" lvl="1" algn="l" rtl="0">
-      <a:lnSpc>
-        <a:spcPct val="100000"/>
-      </a:lnSpc>
-      <a:spcBef>
-        <a:spcPts val="0"/>
-      </a:spcBef>
-      <a:spcAft>
-        <a:spcPts val="0"/>
-      </a:spcAft>
-      <a:buClr>
-        <a:srgbClr val="000000"/>
-      </a:buClr>
-      <a:buFont typeface="Arial"/>
-      <a:defRPr sz="1400" b="0" i="0" u="none" strike="noStrike" cap="none">
+    <a:lvl2pPr marL="457200" algn="l" defTabSz="914400" rtl="0" eaLnBrk="1" latinLnBrk="0" hangingPunct="1">
+      <a:defRPr sz="1800" kern="1200">
         <a:solidFill>
-          <a:srgbClr val="000000"/>
+          <a:schemeClr val="tx1"/>
         </a:solidFill>
-        <a:latin typeface="Arial"/>
-        <a:ea typeface="Arial"/>
-        <a:cs typeface="Arial"/>
-        <a:sym typeface="Arial"/>
+        <a:latin typeface="+mn-lt"/>
+        <a:ea typeface="+mn-ea"/>
+        <a:cs typeface="+mn-cs"/>
       </a:defRPr>
     </a:lvl2pPr>
-    <a:lvl3pPr marR="0" lvl="2" algn="l" rtl="0">
-      <a:lnSpc>
-        <a:spcPct val="100000"/>
-      </a:lnSpc>
-      <a:spcBef>
-        <a:spcPts val="0"/>
-      </a:spcBef>
-      <a:spcAft>
-        <a:spcPts val="0"/>
-      </a:spcAft>
-      <a:buClr>
-        <a:srgbClr val="000000"/>
-      </a:buClr>
-      <a:buFont typeface="Arial"/>
-      <a:defRPr sz="1400" b="0" i="0" u="none" strike="noStrike" cap="none">
+    <a:lvl3pPr marL="914400" algn="l" defTabSz="914400" rtl="0" eaLnBrk="1" latinLnBrk="0" hangingPunct="1">
+      <a:defRPr sz="1800" kern="1200">
         <a:solidFill>
-          <a:srgbClr val="000000"/>
+          <a:schemeClr val="tx1"/>
         </a:solidFill>
-        <a:latin typeface="Arial"/>
-        <a:ea typeface="Arial"/>
-        <a:cs typeface="Arial"/>
-        <a:sym typeface="Arial"/>
+        <a:latin typeface="+mn-lt"/>
+        <a:ea typeface="+mn-ea"/>
+        <a:cs typeface="+mn-cs"/>
       </a:defRPr>
     </a:lvl3pPr>
-    <a:lvl4pPr marR="0" lvl="3" algn="l" rtl="0">
-      <a:lnSpc>
-        <a:spcPct val="100000"/>
-      </a:lnSpc>
-      <a:spcBef>
-        <a:spcPts val="0"/>
-      </a:spcBef>
-      <a:spcAft>
-        <a:spcPts val="0"/>
-      </a:spcAft>
-      <a:buClr>
-        <a:srgbClr val="000000"/>
-      </a:buClr>
-      <a:buFont typeface="Arial"/>
-      <a:defRPr sz="1400" b="0" i="0" u="none" strike="noStrike" cap="none">
+    <a:lvl4pPr marL="1371600" algn="l" defTabSz="914400" rtl="0" eaLnBrk="1" latinLnBrk="0" hangingPunct="1">
+      <a:defRPr sz="1800" kern="1200">
         <a:solidFill>
-          <a:srgbClr val="000000"/>
+          <a:schemeClr val="tx1"/>
         </a:solidFill>
-        <a:latin typeface="Arial"/>
-        <a:ea typeface="Arial"/>
-        <a:cs typeface="Arial"/>
-        <a:sym typeface="Arial"/>
+        <a:latin typeface="+mn-lt"/>
+        <a:ea typeface="+mn-ea"/>
+        <a:cs typeface="+mn-cs"/>
       </a:defRPr>
     </a:lvl4pPr>
-    <a:lvl5pPr marR="0" lvl="4" algn="l" rtl="0">
-      <a:lnSpc>
-        <a:spcPct val="100000"/>
-      </a:lnSpc>
-      <a:spcBef>
-        <a:spcPts val="0"/>
-      </a:spcBef>
-      <a:spcAft>
-        <a:spcPts val="0"/>
-      </a:spcAft>
-      <a:buClr>
-        <a:srgbClr val="000000"/>
-      </a:buClr>
-      <a:buFont typeface="Arial"/>
-      <a:defRPr sz="1400" b="0" i="0" u="none" strike="noStrike" cap="none">
+    <a:lvl5pPr marL="1828800" algn="l" defTabSz="914400" rtl="0" eaLnBrk="1" latinLnBrk="0" hangingPunct="1">
+      <a:defRPr sz="1800" kern="1200">
         <a:solidFill>
-          <a:srgbClr val="000000"/>
+          <a:schemeClr val="tx1"/>
         </a:solidFill>
-        <a:latin typeface="Arial"/>
-        <a:ea typeface="Arial"/>
-        <a:cs typeface="Arial"/>
-        <a:sym typeface="Arial"/>
+        <a:latin typeface="+mn-lt"/>
+        <a:ea typeface="+mn-ea"/>
+        <a:cs typeface="+mn-cs"/>
       </a:defRPr>
     </a:lvl5pPr>
-    <a:lvl6pPr marR="0" lvl="5" algn="l" rtl="0">
-      <a:lnSpc>
-        <a:spcPct val="100000"/>
-      </a:lnSpc>
-      <a:spcBef>
-        <a:spcPts val="0"/>
-      </a:spcBef>
-      <a:spcAft>
-        <a:spcPts val="0"/>
-      </a:spcAft>
-      <a:buClr>
-        <a:srgbClr val="000000"/>
-      </a:buClr>
-      <a:buFont typeface="Arial"/>
-      <a:defRPr sz="1400" b="0" i="0" u="none" strike="noStrike" cap="none">
+    <a:lvl6pPr marL="2286000" algn="l" defTabSz="914400" rtl="0" eaLnBrk="1" latinLnBrk="0" hangingPunct="1">
+      <a:defRPr sz="1800" kern="1200">
         <a:solidFill>
-          <a:srgbClr val="000000"/>
+          <a:schemeClr val="tx1"/>
         </a:solidFill>
-        <a:latin typeface="Arial"/>
-        <a:ea typeface="Arial"/>
-        <a:cs typeface="Arial"/>
-        <a:sym typeface="Arial"/>
+        <a:latin typeface="+mn-lt"/>
+        <a:ea typeface="+mn-ea"/>
+        <a:cs typeface="+mn-cs"/>
       </a:defRPr>
     </a:lvl6pPr>
-    <a:lvl7pPr marR="0" lvl="6" algn="l" rtl="0">
-      <a:lnSpc>
-        <a:spcPct val="100000"/>
-      </a:lnSpc>
-      <a:spcBef>
-        <a:spcPts val="0"/>
-      </a:spcBef>
-      <a:spcAft>
-        <a:spcPts val="0"/>
-      </a:spcAft>
-      <a:buClr>
-        <a:srgbClr val="000000"/>
-      </a:buClr>
-      <a:buFont typeface="Arial"/>
-      <a:defRPr sz="1400" b="0" i="0" u="none" strike="noStrike" cap="none">
+    <a:lvl7pPr marL="2743200" algn="l" defTabSz="914400" rtl="0" eaLnBrk="1" latinLnBrk="0" hangingPunct="1">
+      <a:defRPr sz="1800" kern="1200">
         <a:solidFill>
-          <a:srgbClr val="000000"/>
+          <a:schemeClr val="tx1"/>
         </a:solidFill>
-        <a:latin typeface="Arial"/>
-        <a:ea typeface="Arial"/>
-        <a:cs typeface="Arial"/>
-        <a:sym typeface="Arial"/>
+        <a:latin typeface="+mn-lt"/>
+        <a:ea typeface="+mn-ea"/>
+        <a:cs typeface="+mn-cs"/>
       </a:defRPr>
     </a:lvl7pPr>
-    <a:lvl8pPr marR="0" lvl="7" algn="l" rtl="0">
-      <a:lnSpc>
-        <a:spcPct val="100000"/>
-      </a:lnSpc>
-      <a:spcBef>
-        <a:spcPts val="0"/>
-      </a:spcBef>
-      <a:spcAft>
-        <a:spcPts val="0"/>
-      </a:spcAft>
-      <a:buClr>
-        <a:srgbClr val="000000"/>
-      </a:buClr>
-      <a:buFont typeface="Arial"/>
-      <a:defRPr sz="1400" b="0" i="0" u="none" strike="noStrike" cap="none">
+    <a:lvl8pPr marL="3200400" algn="l" defTabSz="914400" rtl="0" eaLnBrk="1" latinLnBrk="0" hangingPunct="1">
+      <a:defRPr sz="1800" kern="1200">
         <a:solidFill>
-          <a:srgbClr val="000000"/>
+          <a:schemeClr val="tx1"/>
         </a:solidFill>
-        <a:latin typeface="Arial"/>
-        <a:ea typeface="Arial"/>
-        <a:cs typeface="Arial"/>
-        <a:sym typeface="Arial"/>
+        <a:latin typeface="+mn-lt"/>
+        <a:ea typeface="+mn-ea"/>
+        <a:cs typeface="+mn-cs"/>
       </a:defRPr>
     </a:lvl8pPr>
-    <a:lvl9pPr marR="0" lvl="8" algn="l" rtl="0">
-      <a:lnSpc>
-        <a:spcPct val="100000"/>
-      </a:lnSpc>
-      <a:spcBef>
-        <a:spcPts val="0"/>
-      </a:spcBef>
-      <a:spcAft>
-        <a:spcPts val="0"/>
-      </a:spcAft>
-      <a:buClr>
-        <a:srgbClr val="000000"/>
-      </a:buClr>
-      <a:buFont typeface="Arial"/>
-      <a:defRPr sz="1400" b="0" i="0" u="none" strike="noStrike" cap="none">
+    <a:lvl9pPr marL="3657600" algn="l" defTabSz="914400" rtl="0" eaLnBrk="1" latinLnBrk="0" hangingPunct="1">
+      <a:defRPr sz="1800" kern="1200">
         <a:solidFill>
-          <a:srgbClr val="000000"/>
+          <a:schemeClr val="tx1"/>
         </a:solidFill>
-        <a:latin typeface="Arial"/>
-        <a:ea typeface="Arial"/>
-        <a:cs typeface="Arial"/>
-        <a:sym typeface="Arial"/>
+        <a:latin typeface="+mn-lt"/>
+        <a:ea typeface="+mn-ea"/>
+        <a:cs typeface="+mn-cs"/>
       </a:defRPr>
     </a:lvl9pPr>
   </p:defaultTextStyle>
@@ -860,7 +732,7 @@
   <p:cSld>
     <p:spTree>
       <p:nvGrpSpPr>
-        <p:cNvPr id="1" name="Shape 193"/>
+        <p:cNvPr id="1" name="Shape 200"/>
         <p:cNvGrpSpPr/>
         <p:nvPr/>
       </p:nvGrpSpPr>
@@ -874,7 +746,7 @@
       </p:grpSpPr>
       <p:sp>
         <p:nvSpPr>
-          <p:cNvPr id="194" name="Google Shape;194;g51999eda95_0_50:notes"/>
+          <p:cNvPr id="201" name="Google Shape;201;g51999eda95_0_55:notes"/>
           <p:cNvSpPr>
             <a:spLocks noGrp="1" noRot="1" noChangeAspect="1"/>
           </p:cNvSpPr>
@@ -915,7 +787,7 @@
       </p:sp>
       <p:sp>
         <p:nvSpPr>
-          <p:cNvPr id="195" name="Google Shape;195;g51999eda95_0_50:notes"/>
+          <p:cNvPr id="202" name="Google Shape;202;g51999eda95_0_55:notes"/>
           <p:cNvSpPr txBox="1">
             <a:spLocks noGrp="1"/>
           </p:cNvSpPr>
@@ -964,7 +836,7 @@
   <p:cSld>
     <p:spTree>
       <p:nvGrpSpPr>
-        <p:cNvPr id="1" name="Shape 200"/>
+        <p:cNvPr id="1" name="Shape 208"/>
         <p:cNvGrpSpPr/>
         <p:nvPr/>
       </p:nvGrpSpPr>
@@ -978,7 +850,7 @@
       </p:grpSpPr>
       <p:sp>
         <p:nvSpPr>
-          <p:cNvPr id="201" name="Google Shape;201;g51999eda95_0_55:notes"/>
+          <p:cNvPr id="209" name="Google Shape;209;g51999eda95_0_24:notes"/>
           <p:cNvSpPr>
             <a:spLocks noGrp="1" noRot="1" noChangeAspect="1"/>
           </p:cNvSpPr>
@@ -1019,7 +891,7 @@
       </p:sp>
       <p:sp>
         <p:nvSpPr>
-          <p:cNvPr id="202" name="Google Shape;202;g51999eda95_0_55:notes"/>
+          <p:cNvPr id="210" name="Google Shape;210;g51999eda95_0_24:notes"/>
           <p:cNvSpPr txBox="1">
             <a:spLocks noGrp="1"/>
           </p:cNvSpPr>
@@ -1068,7 +940,7 @@
   <p:cSld>
     <p:spTree>
       <p:nvGrpSpPr>
-        <p:cNvPr id="1" name="Shape 208"/>
+        <p:cNvPr id="1" name="Shape 219"/>
         <p:cNvGrpSpPr/>
         <p:nvPr/>
       </p:nvGrpSpPr>
@@ -1082,7 +954,7 @@
       </p:grpSpPr>
       <p:sp>
         <p:nvSpPr>
-          <p:cNvPr id="209" name="Google Shape;209;g51999eda95_0_24:notes"/>
+          <p:cNvPr id="220" name="Google Shape;220;g51999eda95_0_0:notes"/>
           <p:cNvSpPr>
             <a:spLocks noGrp="1" noRot="1" noChangeAspect="1"/>
           </p:cNvSpPr>
@@ -1123,7 +995,7 @@
       </p:sp>
       <p:sp>
         <p:nvSpPr>
-          <p:cNvPr id="210" name="Google Shape;210;g51999eda95_0_24:notes"/>
+          <p:cNvPr id="221" name="Google Shape;221;g51999eda95_0_0:notes"/>
           <p:cNvSpPr txBox="1">
             <a:spLocks noGrp="1"/>
           </p:cNvSpPr>
@@ -1172,7 +1044,7 @@
   <p:cSld>
     <p:spTree>
       <p:nvGrpSpPr>
-        <p:cNvPr id="1" name="Shape 219"/>
+        <p:cNvPr id="1" name="Shape 226"/>
         <p:cNvGrpSpPr/>
         <p:nvPr/>
       </p:nvGrpSpPr>
@@ -1186,7 +1058,7 @@
       </p:grpSpPr>
       <p:sp>
         <p:nvSpPr>
-          <p:cNvPr id="220" name="Google Shape;220;g51999eda95_0_0:notes"/>
+          <p:cNvPr id="227" name="Google Shape;227;g519b2c234e_1_32:notes"/>
           <p:cNvSpPr>
             <a:spLocks noGrp="1" noRot="1" noChangeAspect="1"/>
           </p:cNvSpPr>
@@ -1227,7 +1099,7 @@
       </p:sp>
       <p:sp>
         <p:nvSpPr>
-          <p:cNvPr id="221" name="Google Shape;221;g51999eda95_0_0:notes"/>
+          <p:cNvPr id="228" name="Google Shape;228;g519b2c234e_1_32:notes"/>
           <p:cNvSpPr txBox="1">
             <a:spLocks noGrp="1"/>
           </p:cNvSpPr>
@@ -1276,7 +1148,7 @@
   <p:cSld>
     <p:spTree>
       <p:nvGrpSpPr>
-        <p:cNvPr id="1" name="Shape 226"/>
+        <p:cNvPr id="1" name="Shape 234"/>
         <p:cNvGrpSpPr/>
         <p:nvPr/>
       </p:nvGrpSpPr>
@@ -1290,7 +1162,7 @@
       </p:grpSpPr>
       <p:sp>
         <p:nvSpPr>
-          <p:cNvPr id="227" name="Google Shape;227;g519b2c234e_1_32:notes"/>
+          <p:cNvPr id="235" name="Google Shape;235;g574a8a9d75_0_65:notes"/>
           <p:cNvSpPr>
             <a:spLocks noGrp="1" noRot="1" noChangeAspect="1"/>
           </p:cNvSpPr>
@@ -1331,7 +1203,7 @@
       </p:sp>
       <p:sp>
         <p:nvSpPr>
-          <p:cNvPr id="228" name="Google Shape;228;g519b2c234e_1_32:notes"/>
+          <p:cNvPr id="236" name="Google Shape;236;g574a8a9d75_0_65:notes"/>
           <p:cNvSpPr txBox="1">
             <a:spLocks noGrp="1"/>
           </p:cNvSpPr>
@@ -1380,7 +1252,7 @@
   <p:cSld>
     <p:spTree>
       <p:nvGrpSpPr>
-        <p:cNvPr id="1" name="Shape 234"/>
+        <p:cNvPr id="1" name="Shape 243"/>
         <p:cNvGrpSpPr/>
         <p:nvPr/>
       </p:nvGrpSpPr>
@@ -1394,7 +1266,7 @@
       </p:grpSpPr>
       <p:sp>
         <p:nvSpPr>
-          <p:cNvPr id="235" name="Google Shape;235;g574a8a9d75_0_65:notes"/>
+          <p:cNvPr id="244" name="Google Shape;244;g5a5f9d0bf1_1_1:notes"/>
           <p:cNvSpPr>
             <a:spLocks noGrp="1" noRot="1" noChangeAspect="1"/>
           </p:cNvSpPr>
@@ -1435,7 +1307,7 @@
       </p:sp>
       <p:sp>
         <p:nvSpPr>
-          <p:cNvPr id="236" name="Google Shape;236;g574a8a9d75_0_65:notes"/>
+          <p:cNvPr id="245" name="Google Shape;245;g5a5f9d0bf1_1_1:notes"/>
           <p:cNvSpPr txBox="1">
             <a:spLocks noGrp="1"/>
           </p:cNvSpPr>
@@ -1484,7 +1356,7 @@
   <p:cSld>
     <p:spTree>
       <p:nvGrpSpPr>
-        <p:cNvPr id="1" name="Shape 243"/>
+        <p:cNvPr id="1" name="Shape 250"/>
         <p:cNvGrpSpPr/>
         <p:nvPr/>
       </p:nvGrpSpPr>
@@ -1498,7 +1370,7 @@
       </p:grpSpPr>
       <p:sp>
         <p:nvSpPr>
-          <p:cNvPr id="244" name="Google Shape;244;g5a5f9d0bf1_1_1:notes"/>
+          <p:cNvPr id="251" name="Google Shape;251;g51999eda95_0_32:notes"/>
           <p:cNvSpPr>
             <a:spLocks noGrp="1" noRot="1" noChangeAspect="1"/>
           </p:cNvSpPr>
@@ -1539,7 +1411,7 @@
       </p:sp>
       <p:sp>
         <p:nvSpPr>
-          <p:cNvPr id="245" name="Google Shape;245;g5a5f9d0bf1_1_1:notes"/>
+          <p:cNvPr id="252" name="Google Shape;252;g51999eda95_0_32:notes"/>
           <p:cNvSpPr txBox="1">
             <a:spLocks noGrp="1"/>
           </p:cNvSpPr>
@@ -1588,7 +1460,7 @@
   <p:cSld>
     <p:spTree>
       <p:nvGrpSpPr>
-        <p:cNvPr id="1" name="Shape 250"/>
+        <p:cNvPr id="1" name="Shape 258"/>
         <p:cNvGrpSpPr/>
         <p:nvPr/>
       </p:nvGrpSpPr>
@@ -1602,7 +1474,7 @@
       </p:grpSpPr>
       <p:sp>
         <p:nvSpPr>
-          <p:cNvPr id="251" name="Google Shape;251;g51999eda95_0_32:notes"/>
+          <p:cNvPr id="259" name="Google Shape;259;g519b2c234e_1_1:notes"/>
           <p:cNvSpPr>
             <a:spLocks noGrp="1" noRot="1" noChangeAspect="1"/>
           </p:cNvSpPr>
@@ -1643,7 +1515,7 @@
       </p:sp>
       <p:sp>
         <p:nvSpPr>
-          <p:cNvPr id="252" name="Google Shape;252;g51999eda95_0_32:notes"/>
+          <p:cNvPr id="260" name="Google Shape;260;g519b2c234e_1_1:notes"/>
           <p:cNvSpPr txBox="1">
             <a:spLocks noGrp="1"/>
           </p:cNvSpPr>
@@ -1692,7 +1564,7 @@
   <p:cSld>
     <p:spTree>
       <p:nvGrpSpPr>
-        <p:cNvPr id="1" name="Shape 258"/>
+        <p:cNvPr id="1" name="Shape 266"/>
         <p:cNvGrpSpPr/>
         <p:nvPr/>
       </p:nvGrpSpPr>
@@ -1706,7 +1578,7 @@
       </p:grpSpPr>
       <p:sp>
         <p:nvSpPr>
-          <p:cNvPr id="259" name="Google Shape;259;g519b2c234e_1_1:notes"/>
+          <p:cNvPr id="267" name="Google Shape;267;g519b2c234e_1_18:notes"/>
           <p:cNvSpPr>
             <a:spLocks noGrp="1" noRot="1" noChangeAspect="1"/>
           </p:cNvSpPr>
@@ -1747,7 +1619,7 @@
       </p:sp>
       <p:sp>
         <p:nvSpPr>
-          <p:cNvPr id="260" name="Google Shape;260;g519b2c234e_1_1:notes"/>
+          <p:cNvPr id="268" name="Google Shape;268;g519b2c234e_1_18:notes"/>
           <p:cNvSpPr txBox="1">
             <a:spLocks noGrp="1"/>
           </p:cNvSpPr>
@@ -1791,12 +1663,12 @@
 </p:notes>
 </file>
 
-<file path=ppt/notesSlides/notesSlide19.xml><?xml version="1.0" encoding="utf-8"?>
+<file path=ppt/notesSlides/notesSlide2.xml><?xml version="1.0" encoding="utf-8"?>
 <p:notes xmlns:a="http://schemas.openxmlformats.org/drawingml/2006/main" xmlns:r="http://schemas.openxmlformats.org/officeDocument/2006/relationships" xmlns:p="http://schemas.openxmlformats.org/presentationml/2006/main" showMasterSp="0" showMasterPhAnim="0">
   <p:cSld>
     <p:spTree>
       <p:nvGrpSpPr>
-        <p:cNvPr id="1" name="Shape 266"/>
+        <p:cNvPr id="1" name="Shape 122"/>
         <p:cNvGrpSpPr/>
         <p:nvPr/>
       </p:nvGrpSpPr>
@@ -1810,7 +1682,7 @@
       </p:grpSpPr>
       <p:sp>
         <p:nvSpPr>
-          <p:cNvPr id="267" name="Google Shape;267;g519b2c234e_1_18:notes"/>
+          <p:cNvPr id="123" name="Google Shape;123;g574a8a9d75_0_8:notes"/>
           <p:cNvSpPr>
             <a:spLocks noGrp="1" noRot="1" noChangeAspect="1"/>
           </p:cNvSpPr>
@@ -1851,7 +1723,7 @@
       </p:sp>
       <p:sp>
         <p:nvSpPr>
-          <p:cNvPr id="268" name="Google Shape;268;g519b2c234e_1_18:notes"/>
+          <p:cNvPr id="124" name="Google Shape;124;g574a8a9d75_0_8:notes"/>
           <p:cNvSpPr txBox="1">
             <a:spLocks noGrp="1"/>
           </p:cNvSpPr>
@@ -1883,11 +1755,20 @@
               </a:spcAft>
               <a:buNone/>
             </a:pPr>
+            <a:r>
+              <a:rPr lang="en"/>
+              <a:t>Primaire energie bronnen raken op en dus moet er worden gekeken naar alternatieve energie bronnen. Groene energie is de energie van de toekomst, vandaar dat deze case heel relevant is voor verduurzaming. Als alle huizen zonnepanelen krijgen dan hebben ze waarschijnlijk een overcapaciteit, energie die ze niet op dat moment kunnen gebruiken. Wij willen die energie opslaan, zodat we het kunnen gebruiken op momenten dat de zon niet schijnt. </a:t>
+            </a:r>
             <a:endParaRPr/>
           </a:p>
         </p:txBody>
       </p:sp>
     </p:spTree>
+    <p:extLst>
+      <p:ext uri="{BB962C8B-B14F-4D97-AF65-F5344CB8AC3E}">
+        <p14:creationId xmlns:p14="http://schemas.microsoft.com/office/powerpoint/2010/main" val="187867891"/>
+      </p:ext>
+    </p:extLst>
   </p:cSld>
   <p:clrMapOvr>
     <a:masterClrMapping/>
@@ -1895,12 +1776,12 @@
 </p:notes>
 </file>
 
-<file path=ppt/notesSlides/notesSlide2.xml><?xml version="1.0" encoding="utf-8"?>
+<file path=ppt/notesSlides/notesSlide3.xml><?xml version="1.0" encoding="utf-8"?>
 <p:notes xmlns:a="http://schemas.openxmlformats.org/drawingml/2006/main" xmlns:r="http://schemas.openxmlformats.org/officeDocument/2006/relationships" xmlns:p="http://schemas.openxmlformats.org/presentationml/2006/main" showMasterSp="0" showMasterPhAnim="0">
   <p:cSld>
     <p:spTree>
       <p:nvGrpSpPr>
-        <p:cNvPr id="1" name="Shape 122"/>
+        <p:cNvPr id="1" name="Shape 138"/>
         <p:cNvGrpSpPr/>
         <p:nvPr/>
       </p:nvGrpSpPr>
@@ -1914,7 +1795,7 @@
       </p:grpSpPr>
       <p:sp>
         <p:nvSpPr>
-          <p:cNvPr id="123" name="Google Shape;123;g574a8a9d75_0_8:notes"/>
+          <p:cNvPr id="139" name="Google Shape;139;g519b2c234e_1_52:notes"/>
           <p:cNvSpPr>
             <a:spLocks noGrp="1" noRot="1" noChangeAspect="1"/>
           </p:cNvSpPr>
@@ -1955,7 +1836,7 @@
       </p:sp>
       <p:sp>
         <p:nvSpPr>
-          <p:cNvPr id="124" name="Google Shape;124;g574a8a9d75_0_8:notes"/>
+          <p:cNvPr id="140" name="Google Shape;140;g519b2c234e_1_52:notes"/>
           <p:cNvSpPr txBox="1">
             <a:spLocks noGrp="1"/>
           </p:cNvSpPr>
@@ -1987,10 +1868,6 @@
               </a:spcAft>
               <a:buNone/>
             </a:pPr>
-            <a:r>
-              <a:rPr lang="en"/>
-              <a:t>Primaire energie bronnen raken op en dus moet er worden gekeken naar alternatieve energie bronnen. Groene energie is de energie van de toekomst, vandaar dat deze case heel relevant is voor verduurzaming. Als alle huizen zonnepanelen krijgen dan hebben ze waarschijnlijk een overcapaciteit, energie die ze niet op dat moment kunnen gebruiken. Wij willen die energie opslaan, zodat we het kunnen gebruiken op momenten dat de zon niet schijnt. </a:t>
-            </a:r>
             <a:endParaRPr/>
           </a:p>
         </p:txBody>
@@ -2003,12 +1880,12 @@
 </p:notes>
 </file>
 
-<file path=ppt/notesSlides/notesSlide3.xml><?xml version="1.0" encoding="utf-8"?>
+<file path=ppt/notesSlides/notesSlide4.xml><?xml version="1.0" encoding="utf-8"?>
 <p:notes xmlns:a="http://schemas.openxmlformats.org/drawingml/2006/main" xmlns:r="http://schemas.openxmlformats.org/officeDocument/2006/relationships" xmlns:p="http://schemas.openxmlformats.org/presentationml/2006/main" showMasterSp="0" showMasterPhAnim="0">
   <p:cSld>
     <p:spTree>
       <p:nvGrpSpPr>
-        <p:cNvPr id="1" name="Shape 131"/>
+        <p:cNvPr id="1" name="Shape 149"/>
         <p:cNvGrpSpPr/>
         <p:nvPr/>
       </p:nvGrpSpPr>
@@ -2022,7 +1899,7 @@
       </p:grpSpPr>
       <p:sp>
         <p:nvSpPr>
-          <p:cNvPr id="132" name="Google Shape;132;g579e769599_0_5:notes"/>
+          <p:cNvPr id="150" name="Google Shape;150;g5a5f9d0bf1_0_1:notes"/>
           <p:cNvSpPr>
             <a:spLocks noGrp="1" noRot="1" noChangeAspect="1"/>
           </p:cNvSpPr>
@@ -2063,7 +1940,7 @@
       </p:sp>
       <p:sp>
         <p:nvSpPr>
-          <p:cNvPr id="133" name="Google Shape;133;g579e769599_0_5:notes"/>
+          <p:cNvPr id="151" name="Google Shape;151;g5a5f9d0bf1_0_1:notes"/>
           <p:cNvSpPr txBox="1">
             <a:spLocks noGrp="1"/>
           </p:cNvSpPr>
@@ -2107,12 +1984,12 @@
 </p:notes>
 </file>
 
-<file path=ppt/notesSlides/notesSlide4.xml><?xml version="1.0" encoding="utf-8"?>
+<file path=ppt/notesSlides/notesSlide5.xml><?xml version="1.0" encoding="utf-8"?>
 <p:notes xmlns:a="http://schemas.openxmlformats.org/drawingml/2006/main" xmlns:r="http://schemas.openxmlformats.org/officeDocument/2006/relationships" xmlns:p="http://schemas.openxmlformats.org/presentationml/2006/main" showMasterSp="0" showMasterPhAnim="0">
   <p:cSld>
     <p:spTree>
       <p:nvGrpSpPr>
-        <p:cNvPr id="1" name="Shape 138"/>
+        <p:cNvPr id="1" name="Shape 156"/>
         <p:cNvGrpSpPr/>
         <p:nvPr/>
       </p:nvGrpSpPr>
@@ -2126,7 +2003,7 @@
       </p:grpSpPr>
       <p:sp>
         <p:nvSpPr>
-          <p:cNvPr id="139" name="Google Shape;139;g519b2c234e_1_52:notes"/>
+          <p:cNvPr id="157" name="Google Shape;157;g574a8a9d75_0_17:notes"/>
           <p:cNvSpPr>
             <a:spLocks noGrp="1" noRot="1" noChangeAspect="1"/>
           </p:cNvSpPr>
@@ -2167,7 +2044,7 @@
       </p:sp>
       <p:sp>
         <p:nvSpPr>
-          <p:cNvPr id="140" name="Google Shape;140;g519b2c234e_1_52:notes"/>
+          <p:cNvPr id="158" name="Google Shape;158;g574a8a9d75_0_17:notes"/>
           <p:cNvSpPr txBox="1">
             <a:spLocks noGrp="1"/>
           </p:cNvSpPr>
@@ -2211,12 +2088,12 @@
 </p:notes>
 </file>
 
-<file path=ppt/notesSlides/notesSlide5.xml><?xml version="1.0" encoding="utf-8"?>
+<file path=ppt/notesSlides/notesSlide6.xml><?xml version="1.0" encoding="utf-8"?>
 <p:notes xmlns:a="http://schemas.openxmlformats.org/drawingml/2006/main" xmlns:r="http://schemas.openxmlformats.org/officeDocument/2006/relationships" xmlns:p="http://schemas.openxmlformats.org/presentationml/2006/main" showMasterSp="0" showMasterPhAnim="0">
   <p:cSld>
     <p:spTree>
       <p:nvGrpSpPr>
-        <p:cNvPr id="1" name="Shape 149"/>
+        <p:cNvPr id="1" name="Shape 171"/>
         <p:cNvGrpSpPr/>
         <p:nvPr/>
       </p:nvGrpSpPr>
@@ -2230,7 +2107,7 @@
       </p:grpSpPr>
       <p:sp>
         <p:nvSpPr>
-          <p:cNvPr id="150" name="Google Shape;150;g5a5f9d0bf1_0_1:notes"/>
+          <p:cNvPr id="172" name="Google Shape;172;g5a5f9d0bf1_0_106:notes"/>
           <p:cNvSpPr>
             <a:spLocks noGrp="1" noRot="1" noChangeAspect="1"/>
           </p:cNvSpPr>
@@ -2271,7 +2148,7 @@
       </p:sp>
       <p:sp>
         <p:nvSpPr>
-          <p:cNvPr id="151" name="Google Shape;151;g5a5f9d0bf1_0_1:notes"/>
+          <p:cNvPr id="173" name="Google Shape;173;g5a5f9d0bf1_0_106:notes"/>
           <p:cNvSpPr txBox="1">
             <a:spLocks noGrp="1"/>
           </p:cNvSpPr>
@@ -2315,12 +2192,12 @@
 </p:notes>
 </file>
 
-<file path=ppt/notesSlides/notesSlide6.xml><?xml version="1.0" encoding="utf-8"?>
+<file path=ppt/notesSlides/notesSlide7.xml><?xml version="1.0" encoding="utf-8"?>
 <p:notes xmlns:a="http://schemas.openxmlformats.org/drawingml/2006/main" xmlns:r="http://schemas.openxmlformats.org/officeDocument/2006/relationships" xmlns:p="http://schemas.openxmlformats.org/presentationml/2006/main" showMasterSp="0" showMasterPhAnim="0">
   <p:cSld>
     <p:spTree>
       <p:nvGrpSpPr>
-        <p:cNvPr id="1" name="Shape 156"/>
+        <p:cNvPr id="1" name="Shape 178"/>
         <p:cNvGrpSpPr/>
         <p:nvPr/>
       </p:nvGrpSpPr>
@@ -2334,7 +2211,7 @@
       </p:grpSpPr>
       <p:sp>
         <p:nvSpPr>
-          <p:cNvPr id="157" name="Google Shape;157;g574a8a9d75_0_17:notes"/>
+          <p:cNvPr id="179" name="Google Shape;179;g51999eda95_0_38:notes"/>
           <p:cNvSpPr>
             <a:spLocks noGrp="1" noRot="1" noChangeAspect="1"/>
           </p:cNvSpPr>
@@ -2375,7 +2252,7 @@
       </p:sp>
       <p:sp>
         <p:nvSpPr>
-          <p:cNvPr id="158" name="Google Shape;158;g574a8a9d75_0_17:notes"/>
+          <p:cNvPr id="180" name="Google Shape;180;g51999eda95_0_38:notes"/>
           <p:cNvSpPr txBox="1">
             <a:spLocks noGrp="1"/>
           </p:cNvSpPr>
@@ -2419,12 +2296,12 @@
 </p:notes>
 </file>
 
-<file path=ppt/notesSlides/notesSlide7.xml><?xml version="1.0" encoding="utf-8"?>
+<file path=ppt/notesSlides/notesSlide8.xml><?xml version="1.0" encoding="utf-8"?>
 <p:notes xmlns:a="http://schemas.openxmlformats.org/drawingml/2006/main" xmlns:r="http://schemas.openxmlformats.org/officeDocument/2006/relationships" xmlns:p="http://schemas.openxmlformats.org/presentationml/2006/main" showMasterSp="0" showMasterPhAnim="0">
   <p:cSld>
     <p:spTree>
       <p:nvGrpSpPr>
-        <p:cNvPr id="1" name="Shape 171"/>
+        <p:cNvPr id="1" name="Shape 185"/>
         <p:cNvGrpSpPr/>
         <p:nvPr/>
       </p:nvGrpSpPr>
@@ -2438,7 +2315,7 @@
       </p:grpSpPr>
       <p:sp>
         <p:nvSpPr>
-          <p:cNvPr id="172" name="Google Shape;172;g5a5f9d0bf1_0_106:notes"/>
+          <p:cNvPr id="186" name="Google Shape;186;g51999eda95_0_44:notes"/>
           <p:cNvSpPr>
             <a:spLocks noGrp="1" noRot="1" noChangeAspect="1"/>
           </p:cNvSpPr>
@@ -2479,7 +2356,7 @@
       </p:sp>
       <p:sp>
         <p:nvSpPr>
-          <p:cNvPr id="173" name="Google Shape;173;g5a5f9d0bf1_0_106:notes"/>
+          <p:cNvPr id="187" name="Google Shape;187;g51999eda95_0_44:notes"/>
           <p:cNvSpPr txBox="1">
             <a:spLocks noGrp="1"/>
           </p:cNvSpPr>
@@ -2523,12 +2400,12 @@
 </p:notes>
 </file>
 
-<file path=ppt/notesSlides/notesSlide8.xml><?xml version="1.0" encoding="utf-8"?>
+<file path=ppt/notesSlides/notesSlide9.xml><?xml version="1.0" encoding="utf-8"?>
 <p:notes xmlns:a="http://schemas.openxmlformats.org/drawingml/2006/main" xmlns:r="http://schemas.openxmlformats.org/officeDocument/2006/relationships" xmlns:p="http://schemas.openxmlformats.org/presentationml/2006/main" showMasterSp="0" showMasterPhAnim="0">
   <p:cSld>
     <p:spTree>
       <p:nvGrpSpPr>
-        <p:cNvPr id="1" name="Shape 178"/>
+        <p:cNvPr id="1" name="Shape 193"/>
         <p:cNvGrpSpPr/>
         <p:nvPr/>
       </p:nvGrpSpPr>
@@ -2542,7 +2419,7 @@
       </p:grpSpPr>
       <p:sp>
         <p:nvSpPr>
-          <p:cNvPr id="179" name="Google Shape;179;g51999eda95_0_38:notes"/>
+          <p:cNvPr id="194" name="Google Shape;194;g51999eda95_0_50:notes"/>
           <p:cNvSpPr>
             <a:spLocks noGrp="1" noRot="1" noChangeAspect="1"/>
           </p:cNvSpPr>
@@ -2583,111 +2460,7 @@
       </p:sp>
       <p:sp>
         <p:nvSpPr>
-          <p:cNvPr id="180" name="Google Shape;180;g51999eda95_0_38:notes"/>
-          <p:cNvSpPr txBox="1">
-            <a:spLocks noGrp="1"/>
-          </p:cNvSpPr>
-          <p:nvPr>
-            <p:ph type="body" idx="1"/>
-          </p:nvPr>
-        </p:nvSpPr>
-        <p:spPr>
-          <a:xfrm>
-            <a:off x="685800" y="4343400"/>
-            <a:ext cx="5486400" cy="4114800"/>
-          </a:xfrm>
-          <a:prstGeom prst="rect">
-            <a:avLst/>
-          </a:prstGeom>
-        </p:spPr>
-        <p:txBody>
-          <a:bodyPr spcFirstLastPara="1" wrap="square" lIns="91425" tIns="91425" rIns="91425" bIns="91425" anchor="t" anchorCtr="0">
-            <a:noAutofit/>
-          </a:bodyPr>
-          <a:lstStyle/>
-          <a:p>
-            <a:pPr marL="0" lvl="0" indent="0" algn="l" rtl="0">
-              <a:spcBef>
-                <a:spcPts val="0"/>
-              </a:spcBef>
-              <a:spcAft>
-                <a:spcPts val="0"/>
-              </a:spcAft>
-              <a:buNone/>
-            </a:pPr>
-            <a:endParaRPr/>
-          </a:p>
-        </p:txBody>
-      </p:sp>
-    </p:spTree>
-  </p:cSld>
-  <p:clrMapOvr>
-    <a:masterClrMapping/>
-  </p:clrMapOvr>
-</p:notes>
-</file>
-
-<file path=ppt/notesSlides/notesSlide9.xml><?xml version="1.0" encoding="utf-8"?>
-<p:notes xmlns:a="http://schemas.openxmlformats.org/drawingml/2006/main" xmlns:r="http://schemas.openxmlformats.org/officeDocument/2006/relationships" xmlns:p="http://schemas.openxmlformats.org/presentationml/2006/main" showMasterSp="0" showMasterPhAnim="0">
-  <p:cSld>
-    <p:spTree>
-      <p:nvGrpSpPr>
-        <p:cNvPr id="1" name="Shape 185"/>
-        <p:cNvGrpSpPr/>
-        <p:nvPr/>
-      </p:nvGrpSpPr>
-      <p:grpSpPr>
-        <a:xfrm>
-          <a:off x="0" y="0"/>
-          <a:ext cx="0" cy="0"/>
-          <a:chOff x="0" y="0"/>
-          <a:chExt cx="0" cy="0"/>
-        </a:xfrm>
-      </p:grpSpPr>
-      <p:sp>
-        <p:nvSpPr>
-          <p:cNvPr id="186" name="Google Shape;186;g51999eda95_0_44:notes"/>
-          <p:cNvSpPr>
-            <a:spLocks noGrp="1" noRot="1" noChangeAspect="1"/>
-          </p:cNvSpPr>
-          <p:nvPr>
-            <p:ph type="sldImg" idx="2"/>
-          </p:nvPr>
-        </p:nvSpPr>
-        <p:spPr>
-          <a:xfrm>
-            <a:off x="381000" y="685800"/>
-            <a:ext cx="6096000" cy="3429000"/>
-          </a:xfrm>
-          <a:custGeom>
-            <a:avLst/>
-            <a:gdLst/>
-            <a:ahLst/>
-            <a:cxnLst/>
-            <a:rect l="l" t="t" r="r" b="b"/>
-            <a:pathLst>
-              <a:path w="120000" h="120000" extrusionOk="0">
-                <a:moveTo>
-                  <a:pt x="0" y="0"/>
-                </a:moveTo>
-                <a:lnTo>
-                  <a:pt x="120000" y="0"/>
-                </a:lnTo>
-                <a:lnTo>
-                  <a:pt x="120000" y="120000"/>
-                </a:lnTo>
-                <a:lnTo>
-                  <a:pt x="0" y="120000"/>
-                </a:lnTo>
-                <a:close/>
-              </a:path>
-            </a:pathLst>
-          </a:custGeom>
-        </p:spPr>
-      </p:sp>
-      <p:sp>
-        <p:nvSpPr>
-          <p:cNvPr id="187" name="Google Shape;187;g51999eda95_0_44:notes"/>
+          <p:cNvPr id="195" name="Google Shape;195;g51999eda95_0_50:notes"/>
           <p:cNvSpPr txBox="1">
             <a:spLocks noGrp="1"/>
           </p:cNvSpPr>
@@ -2732,855 +2505,6 @@
 </file>
 
 <file path=ppt/slideLayouts/slideLayout1.xml><?xml version="1.0" encoding="utf-8"?>
-<p:sldLayout xmlns:a="http://schemas.openxmlformats.org/drawingml/2006/main" xmlns:r="http://schemas.openxmlformats.org/officeDocument/2006/relationships" xmlns:p="http://schemas.openxmlformats.org/presentationml/2006/main" matchingName="Title slide" type="title">
-  <p:cSld name="TITLE">
-    <p:spTree>
-      <p:nvGrpSpPr>
-        <p:cNvPr id="1" name="Shape 9"/>
-        <p:cNvGrpSpPr/>
-        <p:nvPr/>
-      </p:nvGrpSpPr>
-      <p:grpSpPr>
-        <a:xfrm>
-          <a:off x="0" y="0"/>
-          <a:ext cx="0" cy="0"/>
-          <a:chOff x="0" y="0"/>
-          <a:chExt cx="0" cy="0"/>
-        </a:xfrm>
-      </p:grpSpPr>
-      <p:sp>
-        <p:nvSpPr>
-          <p:cNvPr id="10" name="Google Shape;10;p2"/>
-          <p:cNvSpPr txBox="1">
-            <a:spLocks noGrp="1"/>
-          </p:cNvSpPr>
-          <p:nvPr>
-            <p:ph type="ctrTitle"/>
-          </p:nvPr>
-        </p:nvSpPr>
-        <p:spPr>
-          <a:xfrm>
-            <a:off x="311708" y="744575"/>
-            <a:ext cx="8520600" cy="2052600"/>
-          </a:xfrm>
-          <a:prstGeom prst="rect">
-            <a:avLst/>
-          </a:prstGeom>
-        </p:spPr>
-        <p:txBody>
-          <a:bodyPr spcFirstLastPara="1" wrap="square" lIns="91425" tIns="91425" rIns="91425" bIns="91425" anchor="b" anchorCtr="0"/>
-          <a:lstStyle>
-            <a:lvl1pPr lvl="0" algn="ctr">
-              <a:spcBef>
-                <a:spcPts val="0"/>
-              </a:spcBef>
-              <a:spcAft>
-                <a:spcPts val="0"/>
-              </a:spcAft>
-              <a:buSzPts val="5200"/>
-              <a:buNone/>
-              <a:defRPr sz="5200"/>
-            </a:lvl1pPr>
-            <a:lvl2pPr lvl="1" algn="ctr">
-              <a:spcBef>
-                <a:spcPts val="0"/>
-              </a:spcBef>
-              <a:spcAft>
-                <a:spcPts val="0"/>
-              </a:spcAft>
-              <a:buSzPts val="5200"/>
-              <a:buNone/>
-              <a:defRPr sz="5200"/>
-            </a:lvl2pPr>
-            <a:lvl3pPr lvl="2" algn="ctr">
-              <a:spcBef>
-                <a:spcPts val="0"/>
-              </a:spcBef>
-              <a:spcAft>
-                <a:spcPts val="0"/>
-              </a:spcAft>
-              <a:buSzPts val="5200"/>
-              <a:buNone/>
-              <a:defRPr sz="5200"/>
-            </a:lvl3pPr>
-            <a:lvl4pPr lvl="3" algn="ctr">
-              <a:spcBef>
-                <a:spcPts val="0"/>
-              </a:spcBef>
-              <a:spcAft>
-                <a:spcPts val="0"/>
-              </a:spcAft>
-              <a:buSzPts val="5200"/>
-              <a:buNone/>
-              <a:defRPr sz="5200"/>
-            </a:lvl4pPr>
-            <a:lvl5pPr lvl="4" algn="ctr">
-              <a:spcBef>
-                <a:spcPts val="0"/>
-              </a:spcBef>
-              <a:spcAft>
-                <a:spcPts val="0"/>
-              </a:spcAft>
-              <a:buSzPts val="5200"/>
-              <a:buNone/>
-              <a:defRPr sz="5200"/>
-            </a:lvl5pPr>
-            <a:lvl6pPr lvl="5" algn="ctr">
-              <a:spcBef>
-                <a:spcPts val="0"/>
-              </a:spcBef>
-              <a:spcAft>
-                <a:spcPts val="0"/>
-              </a:spcAft>
-              <a:buSzPts val="5200"/>
-              <a:buNone/>
-              <a:defRPr sz="5200"/>
-            </a:lvl6pPr>
-            <a:lvl7pPr lvl="6" algn="ctr">
-              <a:spcBef>
-                <a:spcPts val="0"/>
-              </a:spcBef>
-              <a:spcAft>
-                <a:spcPts val="0"/>
-              </a:spcAft>
-              <a:buSzPts val="5200"/>
-              <a:buNone/>
-              <a:defRPr sz="5200"/>
-            </a:lvl7pPr>
-            <a:lvl8pPr lvl="7" algn="ctr">
-              <a:spcBef>
-                <a:spcPts val="0"/>
-              </a:spcBef>
-              <a:spcAft>
-                <a:spcPts val="0"/>
-              </a:spcAft>
-              <a:buSzPts val="5200"/>
-              <a:buNone/>
-              <a:defRPr sz="5200"/>
-            </a:lvl8pPr>
-            <a:lvl9pPr lvl="8" algn="ctr">
-              <a:spcBef>
-                <a:spcPts val="0"/>
-              </a:spcBef>
-              <a:spcAft>
-                <a:spcPts val="0"/>
-              </a:spcAft>
-              <a:buSzPts val="5200"/>
-              <a:buNone/>
-              <a:defRPr sz="5200"/>
-            </a:lvl9pPr>
-          </a:lstStyle>
-          <a:p>
-            <a:endParaRPr/>
-          </a:p>
-        </p:txBody>
-      </p:sp>
-      <p:sp>
-        <p:nvSpPr>
-          <p:cNvPr id="11" name="Google Shape;11;p2"/>
-          <p:cNvSpPr txBox="1">
-            <a:spLocks noGrp="1"/>
-          </p:cNvSpPr>
-          <p:nvPr>
-            <p:ph type="subTitle" idx="1"/>
-          </p:nvPr>
-        </p:nvSpPr>
-        <p:spPr>
-          <a:xfrm>
-            <a:off x="311700" y="2834125"/>
-            <a:ext cx="8520600" cy="792600"/>
-          </a:xfrm>
-          <a:prstGeom prst="rect">
-            <a:avLst/>
-          </a:prstGeom>
-        </p:spPr>
-        <p:txBody>
-          <a:bodyPr spcFirstLastPara="1" wrap="square" lIns="91425" tIns="91425" rIns="91425" bIns="91425" anchor="t" anchorCtr="0"/>
-          <a:lstStyle>
-            <a:lvl1pPr lvl="0" algn="ctr">
-              <a:lnSpc>
-                <a:spcPct val="100000"/>
-              </a:lnSpc>
-              <a:spcBef>
-                <a:spcPts val="0"/>
-              </a:spcBef>
-              <a:spcAft>
-                <a:spcPts val="0"/>
-              </a:spcAft>
-              <a:buSzPts val="2800"/>
-              <a:buNone/>
-              <a:defRPr sz="2800"/>
-            </a:lvl1pPr>
-            <a:lvl2pPr lvl="1" algn="ctr">
-              <a:lnSpc>
-                <a:spcPct val="100000"/>
-              </a:lnSpc>
-              <a:spcBef>
-                <a:spcPts val="0"/>
-              </a:spcBef>
-              <a:spcAft>
-                <a:spcPts val="0"/>
-              </a:spcAft>
-              <a:buSzPts val="2800"/>
-              <a:buNone/>
-              <a:defRPr sz="2800"/>
-            </a:lvl2pPr>
-            <a:lvl3pPr lvl="2" algn="ctr">
-              <a:lnSpc>
-                <a:spcPct val="100000"/>
-              </a:lnSpc>
-              <a:spcBef>
-                <a:spcPts val="0"/>
-              </a:spcBef>
-              <a:spcAft>
-                <a:spcPts val="0"/>
-              </a:spcAft>
-              <a:buSzPts val="2800"/>
-              <a:buNone/>
-              <a:defRPr sz="2800"/>
-            </a:lvl3pPr>
-            <a:lvl4pPr lvl="3" algn="ctr">
-              <a:lnSpc>
-                <a:spcPct val="100000"/>
-              </a:lnSpc>
-              <a:spcBef>
-                <a:spcPts val="0"/>
-              </a:spcBef>
-              <a:spcAft>
-                <a:spcPts val="0"/>
-              </a:spcAft>
-              <a:buSzPts val="2800"/>
-              <a:buNone/>
-              <a:defRPr sz="2800"/>
-            </a:lvl4pPr>
-            <a:lvl5pPr lvl="4" algn="ctr">
-              <a:lnSpc>
-                <a:spcPct val="100000"/>
-              </a:lnSpc>
-              <a:spcBef>
-                <a:spcPts val="0"/>
-              </a:spcBef>
-              <a:spcAft>
-                <a:spcPts val="0"/>
-              </a:spcAft>
-              <a:buSzPts val="2800"/>
-              <a:buNone/>
-              <a:defRPr sz="2800"/>
-            </a:lvl5pPr>
-            <a:lvl6pPr lvl="5" algn="ctr">
-              <a:lnSpc>
-                <a:spcPct val="100000"/>
-              </a:lnSpc>
-              <a:spcBef>
-                <a:spcPts val="0"/>
-              </a:spcBef>
-              <a:spcAft>
-                <a:spcPts val="0"/>
-              </a:spcAft>
-              <a:buSzPts val="2800"/>
-              <a:buNone/>
-              <a:defRPr sz="2800"/>
-            </a:lvl6pPr>
-            <a:lvl7pPr lvl="6" algn="ctr">
-              <a:lnSpc>
-                <a:spcPct val="100000"/>
-              </a:lnSpc>
-              <a:spcBef>
-                <a:spcPts val="0"/>
-              </a:spcBef>
-              <a:spcAft>
-                <a:spcPts val="0"/>
-              </a:spcAft>
-              <a:buSzPts val="2800"/>
-              <a:buNone/>
-              <a:defRPr sz="2800"/>
-            </a:lvl7pPr>
-            <a:lvl8pPr lvl="7" algn="ctr">
-              <a:lnSpc>
-                <a:spcPct val="100000"/>
-              </a:lnSpc>
-              <a:spcBef>
-                <a:spcPts val="0"/>
-              </a:spcBef>
-              <a:spcAft>
-                <a:spcPts val="0"/>
-              </a:spcAft>
-              <a:buSzPts val="2800"/>
-              <a:buNone/>
-              <a:defRPr sz="2800"/>
-            </a:lvl8pPr>
-            <a:lvl9pPr lvl="8" algn="ctr">
-              <a:lnSpc>
-                <a:spcPct val="100000"/>
-              </a:lnSpc>
-              <a:spcBef>
-                <a:spcPts val="0"/>
-              </a:spcBef>
-              <a:spcAft>
-                <a:spcPts val="0"/>
-              </a:spcAft>
-              <a:buSzPts val="2800"/>
-              <a:buNone/>
-              <a:defRPr sz="2800"/>
-            </a:lvl9pPr>
-          </a:lstStyle>
-          <a:p>
-            <a:endParaRPr/>
-          </a:p>
-        </p:txBody>
-      </p:sp>
-      <p:sp>
-        <p:nvSpPr>
-          <p:cNvPr id="12" name="Google Shape;12;p2"/>
-          <p:cNvSpPr txBox="1">
-            <a:spLocks noGrp="1"/>
-          </p:cNvSpPr>
-          <p:nvPr>
-            <p:ph type="sldNum" idx="12"/>
-          </p:nvPr>
-        </p:nvSpPr>
-        <p:spPr>
-          <a:xfrm>
-            <a:off x="8472458" y="4663217"/>
-            <a:ext cx="548700" cy="393600"/>
-          </a:xfrm>
-          <a:prstGeom prst="rect">
-            <a:avLst/>
-          </a:prstGeom>
-        </p:spPr>
-        <p:txBody>
-          <a:bodyPr spcFirstLastPara="1" wrap="square" lIns="91425" tIns="91425" rIns="91425" bIns="91425" anchor="ctr" anchorCtr="0">
-            <a:noAutofit/>
-          </a:bodyPr>
-          <a:lstStyle>
-            <a:lvl1pPr lvl="0">
-              <a:buNone/>
-              <a:defRPr/>
-            </a:lvl1pPr>
-            <a:lvl2pPr lvl="1">
-              <a:buNone/>
-              <a:defRPr/>
-            </a:lvl2pPr>
-            <a:lvl3pPr lvl="2">
-              <a:buNone/>
-              <a:defRPr/>
-            </a:lvl3pPr>
-            <a:lvl4pPr lvl="3">
-              <a:buNone/>
-              <a:defRPr/>
-            </a:lvl4pPr>
-            <a:lvl5pPr lvl="4">
-              <a:buNone/>
-              <a:defRPr/>
-            </a:lvl5pPr>
-            <a:lvl6pPr lvl="5">
-              <a:buNone/>
-              <a:defRPr/>
-            </a:lvl6pPr>
-            <a:lvl7pPr lvl="6">
-              <a:buNone/>
-              <a:defRPr/>
-            </a:lvl7pPr>
-            <a:lvl8pPr lvl="7">
-              <a:buNone/>
-              <a:defRPr/>
-            </a:lvl8pPr>
-            <a:lvl9pPr lvl="8">
-              <a:buNone/>
-              <a:defRPr/>
-            </a:lvl9pPr>
-          </a:lstStyle>
-          <a:p>
-            <a:pPr marL="0" lvl="0" indent="0" algn="r" rtl="0">
-              <a:spcBef>
-                <a:spcPts val="0"/>
-              </a:spcBef>
-              <a:spcAft>
-                <a:spcPts val="0"/>
-              </a:spcAft>
-              <a:buNone/>
-            </a:pPr>
-            <a:fld id="{00000000-1234-1234-1234-123412341234}" type="slidenum">
-              <a:rPr lang="en"/>
-              <a:t>‹#›</a:t>
-            </a:fld>
-            <a:endParaRPr/>
-          </a:p>
-        </p:txBody>
-      </p:sp>
-    </p:spTree>
-  </p:cSld>
-  <p:clrMapOvr>
-    <a:masterClrMapping/>
-  </p:clrMapOvr>
-</p:sldLayout>
-</file>
-
-<file path=ppt/slideLayouts/slideLayout10.xml><?xml version="1.0" encoding="utf-8"?>
-<p:sldLayout xmlns:a="http://schemas.openxmlformats.org/drawingml/2006/main" xmlns:r="http://schemas.openxmlformats.org/officeDocument/2006/relationships" xmlns:p="http://schemas.openxmlformats.org/presentationml/2006/main" matchingName="Big number">
-  <p:cSld name="BIG_NUMBER">
-    <p:spTree>
-      <p:nvGrpSpPr>
-        <p:cNvPr id="1" name="Shape 44"/>
-        <p:cNvGrpSpPr/>
-        <p:nvPr/>
-      </p:nvGrpSpPr>
-      <p:grpSpPr>
-        <a:xfrm>
-          <a:off x="0" y="0"/>
-          <a:ext cx="0" cy="0"/>
-          <a:chOff x="0" y="0"/>
-          <a:chExt cx="0" cy="0"/>
-        </a:xfrm>
-      </p:grpSpPr>
-      <p:sp>
-        <p:nvSpPr>
-          <p:cNvPr id="45" name="Google Shape;45;p11"/>
-          <p:cNvSpPr txBox="1">
-            <a:spLocks noGrp="1"/>
-          </p:cNvSpPr>
-          <p:nvPr>
-            <p:ph type="title" hasCustomPrompt="1"/>
-          </p:nvPr>
-        </p:nvSpPr>
-        <p:spPr>
-          <a:xfrm>
-            <a:off x="311700" y="1106125"/>
-            <a:ext cx="8520600" cy="1963500"/>
-          </a:xfrm>
-          <a:prstGeom prst="rect">
-            <a:avLst/>
-          </a:prstGeom>
-        </p:spPr>
-        <p:txBody>
-          <a:bodyPr spcFirstLastPara="1" wrap="square" lIns="91425" tIns="91425" rIns="91425" bIns="91425" anchor="b" anchorCtr="0"/>
-          <a:lstStyle>
-            <a:lvl1pPr lvl="0" algn="ctr">
-              <a:spcBef>
-                <a:spcPts val="0"/>
-              </a:spcBef>
-              <a:spcAft>
-                <a:spcPts val="0"/>
-              </a:spcAft>
-              <a:buSzPts val="12000"/>
-              <a:buNone/>
-              <a:defRPr sz="12000"/>
-            </a:lvl1pPr>
-            <a:lvl2pPr lvl="1" algn="ctr">
-              <a:spcBef>
-                <a:spcPts val="0"/>
-              </a:spcBef>
-              <a:spcAft>
-                <a:spcPts val="0"/>
-              </a:spcAft>
-              <a:buSzPts val="12000"/>
-              <a:buNone/>
-              <a:defRPr sz="12000"/>
-            </a:lvl2pPr>
-            <a:lvl3pPr lvl="2" algn="ctr">
-              <a:spcBef>
-                <a:spcPts val="0"/>
-              </a:spcBef>
-              <a:spcAft>
-                <a:spcPts val="0"/>
-              </a:spcAft>
-              <a:buSzPts val="12000"/>
-              <a:buNone/>
-              <a:defRPr sz="12000"/>
-            </a:lvl3pPr>
-            <a:lvl4pPr lvl="3" algn="ctr">
-              <a:spcBef>
-                <a:spcPts val="0"/>
-              </a:spcBef>
-              <a:spcAft>
-                <a:spcPts val="0"/>
-              </a:spcAft>
-              <a:buSzPts val="12000"/>
-              <a:buNone/>
-              <a:defRPr sz="12000"/>
-            </a:lvl4pPr>
-            <a:lvl5pPr lvl="4" algn="ctr">
-              <a:spcBef>
-                <a:spcPts val="0"/>
-              </a:spcBef>
-              <a:spcAft>
-                <a:spcPts val="0"/>
-              </a:spcAft>
-              <a:buSzPts val="12000"/>
-              <a:buNone/>
-              <a:defRPr sz="12000"/>
-            </a:lvl5pPr>
-            <a:lvl6pPr lvl="5" algn="ctr">
-              <a:spcBef>
-                <a:spcPts val="0"/>
-              </a:spcBef>
-              <a:spcAft>
-                <a:spcPts val="0"/>
-              </a:spcAft>
-              <a:buSzPts val="12000"/>
-              <a:buNone/>
-              <a:defRPr sz="12000"/>
-            </a:lvl6pPr>
-            <a:lvl7pPr lvl="6" algn="ctr">
-              <a:spcBef>
-                <a:spcPts val="0"/>
-              </a:spcBef>
-              <a:spcAft>
-                <a:spcPts val="0"/>
-              </a:spcAft>
-              <a:buSzPts val="12000"/>
-              <a:buNone/>
-              <a:defRPr sz="12000"/>
-            </a:lvl7pPr>
-            <a:lvl8pPr lvl="7" algn="ctr">
-              <a:spcBef>
-                <a:spcPts val="0"/>
-              </a:spcBef>
-              <a:spcAft>
-                <a:spcPts val="0"/>
-              </a:spcAft>
-              <a:buSzPts val="12000"/>
-              <a:buNone/>
-              <a:defRPr sz="12000"/>
-            </a:lvl8pPr>
-            <a:lvl9pPr lvl="8" algn="ctr">
-              <a:spcBef>
-                <a:spcPts val="0"/>
-              </a:spcBef>
-              <a:spcAft>
-                <a:spcPts val="0"/>
-              </a:spcAft>
-              <a:buSzPts val="12000"/>
-              <a:buNone/>
-              <a:defRPr sz="12000"/>
-            </a:lvl9pPr>
-          </a:lstStyle>
-          <a:p>
-            <a:r>
-              <a:t>xx%</a:t>
-            </a:r>
-          </a:p>
-        </p:txBody>
-      </p:sp>
-      <p:sp>
-        <p:nvSpPr>
-          <p:cNvPr id="46" name="Google Shape;46;p11"/>
-          <p:cNvSpPr txBox="1">
-            <a:spLocks noGrp="1"/>
-          </p:cNvSpPr>
-          <p:nvPr>
-            <p:ph type="body" idx="1"/>
-          </p:nvPr>
-        </p:nvSpPr>
-        <p:spPr>
-          <a:xfrm>
-            <a:off x="311700" y="3152225"/>
-            <a:ext cx="8520600" cy="1300800"/>
-          </a:xfrm>
-          <a:prstGeom prst="rect">
-            <a:avLst/>
-          </a:prstGeom>
-        </p:spPr>
-        <p:txBody>
-          <a:bodyPr spcFirstLastPara="1" wrap="square" lIns="91425" tIns="91425" rIns="91425" bIns="91425" anchor="t" anchorCtr="0"/>
-          <a:lstStyle>
-            <a:lvl1pPr marL="457200" lvl="0" indent="-342900" algn="ctr">
-              <a:spcBef>
-                <a:spcPts val="0"/>
-              </a:spcBef>
-              <a:spcAft>
-                <a:spcPts val="0"/>
-              </a:spcAft>
-              <a:buSzPts val="1800"/>
-              <a:buChar char="●"/>
-              <a:defRPr/>
-            </a:lvl1pPr>
-            <a:lvl2pPr marL="914400" lvl="1" indent="-317500" algn="ctr">
-              <a:spcBef>
-                <a:spcPts val="1600"/>
-              </a:spcBef>
-              <a:spcAft>
-                <a:spcPts val="0"/>
-              </a:spcAft>
-              <a:buSzPts val="1400"/>
-              <a:buChar char="○"/>
-              <a:defRPr/>
-            </a:lvl2pPr>
-            <a:lvl3pPr marL="1371600" lvl="2" indent="-317500" algn="ctr">
-              <a:spcBef>
-                <a:spcPts val="1600"/>
-              </a:spcBef>
-              <a:spcAft>
-                <a:spcPts val="0"/>
-              </a:spcAft>
-              <a:buSzPts val="1400"/>
-              <a:buChar char="■"/>
-              <a:defRPr/>
-            </a:lvl3pPr>
-            <a:lvl4pPr marL="1828800" lvl="3" indent="-317500" algn="ctr">
-              <a:spcBef>
-                <a:spcPts val="1600"/>
-              </a:spcBef>
-              <a:spcAft>
-                <a:spcPts val="0"/>
-              </a:spcAft>
-              <a:buSzPts val="1400"/>
-              <a:buChar char="●"/>
-              <a:defRPr/>
-            </a:lvl4pPr>
-            <a:lvl5pPr marL="2286000" lvl="4" indent="-317500" algn="ctr">
-              <a:spcBef>
-                <a:spcPts val="1600"/>
-              </a:spcBef>
-              <a:spcAft>
-                <a:spcPts val="0"/>
-              </a:spcAft>
-              <a:buSzPts val="1400"/>
-              <a:buChar char="○"/>
-              <a:defRPr/>
-            </a:lvl5pPr>
-            <a:lvl6pPr marL="2743200" lvl="5" indent="-317500" algn="ctr">
-              <a:spcBef>
-                <a:spcPts val="1600"/>
-              </a:spcBef>
-              <a:spcAft>
-                <a:spcPts val="0"/>
-              </a:spcAft>
-              <a:buSzPts val="1400"/>
-              <a:buChar char="■"/>
-              <a:defRPr/>
-            </a:lvl6pPr>
-            <a:lvl7pPr marL="3200400" lvl="6" indent="-317500" algn="ctr">
-              <a:spcBef>
-                <a:spcPts val="1600"/>
-              </a:spcBef>
-              <a:spcAft>
-                <a:spcPts val="0"/>
-              </a:spcAft>
-              <a:buSzPts val="1400"/>
-              <a:buChar char="●"/>
-              <a:defRPr/>
-            </a:lvl7pPr>
-            <a:lvl8pPr marL="3657600" lvl="7" indent="-317500" algn="ctr">
-              <a:spcBef>
-                <a:spcPts val="1600"/>
-              </a:spcBef>
-              <a:spcAft>
-                <a:spcPts val="0"/>
-              </a:spcAft>
-              <a:buSzPts val="1400"/>
-              <a:buChar char="○"/>
-              <a:defRPr/>
-            </a:lvl8pPr>
-            <a:lvl9pPr marL="4114800" lvl="8" indent="-317500" algn="ctr">
-              <a:spcBef>
-                <a:spcPts val="1600"/>
-              </a:spcBef>
-              <a:spcAft>
-                <a:spcPts val="1600"/>
-              </a:spcAft>
-              <a:buSzPts val="1400"/>
-              <a:buChar char="■"/>
-              <a:defRPr/>
-            </a:lvl9pPr>
-          </a:lstStyle>
-          <a:p>
-            <a:endParaRPr/>
-          </a:p>
-        </p:txBody>
-      </p:sp>
-      <p:sp>
-        <p:nvSpPr>
-          <p:cNvPr id="47" name="Google Shape;47;p11"/>
-          <p:cNvSpPr txBox="1">
-            <a:spLocks noGrp="1"/>
-          </p:cNvSpPr>
-          <p:nvPr>
-            <p:ph type="sldNum" idx="12"/>
-          </p:nvPr>
-        </p:nvSpPr>
-        <p:spPr>
-          <a:xfrm>
-            <a:off x="8472458" y="4663217"/>
-            <a:ext cx="548700" cy="393600"/>
-          </a:xfrm>
-          <a:prstGeom prst="rect">
-            <a:avLst/>
-          </a:prstGeom>
-        </p:spPr>
-        <p:txBody>
-          <a:bodyPr spcFirstLastPara="1" wrap="square" lIns="91425" tIns="91425" rIns="91425" bIns="91425" anchor="ctr" anchorCtr="0">
-            <a:noAutofit/>
-          </a:bodyPr>
-          <a:lstStyle>
-            <a:lvl1pPr lvl="0">
-              <a:buNone/>
-              <a:defRPr/>
-            </a:lvl1pPr>
-            <a:lvl2pPr lvl="1">
-              <a:buNone/>
-              <a:defRPr/>
-            </a:lvl2pPr>
-            <a:lvl3pPr lvl="2">
-              <a:buNone/>
-              <a:defRPr/>
-            </a:lvl3pPr>
-            <a:lvl4pPr lvl="3">
-              <a:buNone/>
-              <a:defRPr/>
-            </a:lvl4pPr>
-            <a:lvl5pPr lvl="4">
-              <a:buNone/>
-              <a:defRPr/>
-            </a:lvl5pPr>
-            <a:lvl6pPr lvl="5">
-              <a:buNone/>
-              <a:defRPr/>
-            </a:lvl6pPr>
-            <a:lvl7pPr lvl="6">
-              <a:buNone/>
-              <a:defRPr/>
-            </a:lvl7pPr>
-            <a:lvl8pPr lvl="7">
-              <a:buNone/>
-              <a:defRPr/>
-            </a:lvl8pPr>
-            <a:lvl9pPr lvl="8">
-              <a:buNone/>
-              <a:defRPr/>
-            </a:lvl9pPr>
-          </a:lstStyle>
-          <a:p>
-            <a:pPr marL="0" lvl="0" indent="0" algn="r" rtl="0">
-              <a:spcBef>
-                <a:spcPts val="0"/>
-              </a:spcBef>
-              <a:spcAft>
-                <a:spcPts val="0"/>
-              </a:spcAft>
-              <a:buNone/>
-            </a:pPr>
-            <a:fld id="{00000000-1234-1234-1234-123412341234}" type="slidenum">
-              <a:rPr lang="en"/>
-              <a:t>‹#›</a:t>
-            </a:fld>
-            <a:endParaRPr/>
-          </a:p>
-        </p:txBody>
-      </p:sp>
-    </p:spTree>
-  </p:cSld>
-  <p:clrMapOvr>
-    <a:masterClrMapping/>
-  </p:clrMapOvr>
-</p:sldLayout>
-</file>
-
-<file path=ppt/slideLayouts/slideLayout11.xml><?xml version="1.0" encoding="utf-8"?>
-<p:sldLayout xmlns:a="http://schemas.openxmlformats.org/drawingml/2006/main" xmlns:r="http://schemas.openxmlformats.org/officeDocument/2006/relationships" xmlns:p="http://schemas.openxmlformats.org/presentationml/2006/main" matchingName="Blank" type="blank">
-  <p:cSld name="BLANK">
-    <p:spTree>
-      <p:nvGrpSpPr>
-        <p:cNvPr id="1" name="Shape 48"/>
-        <p:cNvGrpSpPr/>
-        <p:nvPr/>
-      </p:nvGrpSpPr>
-      <p:grpSpPr>
-        <a:xfrm>
-          <a:off x="0" y="0"/>
-          <a:ext cx="0" cy="0"/>
-          <a:chOff x="0" y="0"/>
-          <a:chExt cx="0" cy="0"/>
-        </a:xfrm>
-      </p:grpSpPr>
-      <p:sp>
-        <p:nvSpPr>
-          <p:cNvPr id="49" name="Google Shape;49;p12"/>
-          <p:cNvSpPr txBox="1">
-            <a:spLocks noGrp="1"/>
-          </p:cNvSpPr>
-          <p:nvPr>
-            <p:ph type="sldNum" idx="12"/>
-          </p:nvPr>
-        </p:nvSpPr>
-        <p:spPr>
-          <a:xfrm>
-            <a:off x="8472458" y="4663217"/>
-            <a:ext cx="548700" cy="393600"/>
-          </a:xfrm>
-          <a:prstGeom prst="rect">
-            <a:avLst/>
-          </a:prstGeom>
-        </p:spPr>
-        <p:txBody>
-          <a:bodyPr spcFirstLastPara="1" wrap="square" lIns="91425" tIns="91425" rIns="91425" bIns="91425" anchor="ctr" anchorCtr="0">
-            <a:noAutofit/>
-          </a:bodyPr>
-          <a:lstStyle>
-            <a:lvl1pPr lvl="0">
-              <a:buNone/>
-              <a:defRPr/>
-            </a:lvl1pPr>
-            <a:lvl2pPr lvl="1">
-              <a:buNone/>
-              <a:defRPr/>
-            </a:lvl2pPr>
-            <a:lvl3pPr lvl="2">
-              <a:buNone/>
-              <a:defRPr/>
-            </a:lvl3pPr>
-            <a:lvl4pPr lvl="3">
-              <a:buNone/>
-              <a:defRPr/>
-            </a:lvl4pPr>
-            <a:lvl5pPr lvl="4">
-              <a:buNone/>
-              <a:defRPr/>
-            </a:lvl5pPr>
-            <a:lvl6pPr lvl="5">
-              <a:buNone/>
-              <a:defRPr/>
-            </a:lvl6pPr>
-            <a:lvl7pPr lvl="6">
-              <a:buNone/>
-              <a:defRPr/>
-            </a:lvl7pPr>
-            <a:lvl8pPr lvl="7">
-              <a:buNone/>
-              <a:defRPr/>
-            </a:lvl8pPr>
-            <a:lvl9pPr lvl="8">
-              <a:buNone/>
-              <a:defRPr/>
-            </a:lvl9pPr>
-          </a:lstStyle>
-          <a:p>
-            <a:pPr marL="0" lvl="0" indent="0" algn="r" rtl="0">
-              <a:spcBef>
-                <a:spcPts val="0"/>
-              </a:spcBef>
-              <a:spcAft>
-                <a:spcPts val="0"/>
-              </a:spcAft>
-              <a:buNone/>
-            </a:pPr>
-            <a:fld id="{00000000-1234-1234-1234-123412341234}" type="slidenum">
-              <a:rPr lang="en"/>
-              <a:t>‹#›</a:t>
-            </a:fld>
-            <a:endParaRPr/>
-          </a:p>
-        </p:txBody>
-      </p:sp>
-    </p:spTree>
-  </p:cSld>
-  <p:clrMapOvr>
-    <a:masterClrMapping/>
-  </p:clrMapOvr>
-</p:sldLayout>
-</file>
-
-<file path=ppt/slideLayouts/slideLayout12.xml><?xml version="1.0" encoding="utf-8"?>
 <p:sldLayout xmlns:a="http://schemas.openxmlformats.org/drawingml/2006/main" xmlns:r="http://schemas.openxmlformats.org/officeDocument/2006/relationships" xmlns:p="http://schemas.openxmlformats.org/presentationml/2006/main" type="title" preserve="1">
   <p:cSld name="Title Slide">
     <p:spTree>
@@ -3602,7 +2526,7 @@
           <p:cNvPr id="2" name="Title 1">
             <a:extLst>
               <a:ext uri="{FF2B5EF4-FFF2-40B4-BE49-F238E27FC236}">
-                <a16:creationId xmlns:a16="http://schemas.microsoft.com/office/drawing/2014/main" id="{4F77BCED-5B49-40EB-81CF-335746E1854C}"/>
+                <a16:creationId xmlns:a16="http://schemas.microsoft.com/office/drawing/2014/main" id="{2ED57AE0-897A-4827-846C-501A4C83EE4F}"/>
               </a:ext>
             </a:extLst>
           </p:cNvPr>
@@ -3640,7 +2564,7 @@
           <p:cNvPr id="3" name="Subtitle 2">
             <a:extLst>
               <a:ext uri="{FF2B5EF4-FFF2-40B4-BE49-F238E27FC236}">
-                <a16:creationId xmlns:a16="http://schemas.microsoft.com/office/drawing/2014/main" id="{B96B150B-BAFA-40BC-9F57-AD6C857BC094}"/>
+                <a16:creationId xmlns:a16="http://schemas.microsoft.com/office/drawing/2014/main" id="{598D565E-9238-483E-95E7-EC47E0B96DE3}"/>
               </a:ext>
             </a:extLst>
           </p:cNvPr>
@@ -3711,7 +2635,7 @@
           <p:cNvPr id="4" name="Date Placeholder 3">
             <a:extLst>
               <a:ext uri="{FF2B5EF4-FFF2-40B4-BE49-F238E27FC236}">
-                <a16:creationId xmlns:a16="http://schemas.microsoft.com/office/drawing/2014/main" id="{BD258882-DC59-47D1-A0DF-254710DB79C5}"/>
+                <a16:creationId xmlns:a16="http://schemas.microsoft.com/office/drawing/2014/main" id="{0EC75048-E8A9-4FCC-A4C0-7B038326E1AB}"/>
               </a:ext>
             </a:extLst>
           </p:cNvPr>
@@ -3727,7 +2651,7 @@
           <a:bodyPr/>
           <a:lstStyle/>
           <a:p>
-            <a:fld id="{62FF22B7-6C5D-4507-B5D1-8DF88DA3E764}" type="datetimeFigureOut">
+            <a:fld id="{251C048F-6732-4589-ABCC-CEE3ED188087}" type="datetimeFigureOut">
               <a:rPr lang="nl-NL" smtClean="0"/>
               <a:t>28-5-2019</a:t>
             </a:fld>
@@ -3740,7 +2664,7 @@
           <p:cNvPr id="5" name="Footer Placeholder 4">
             <a:extLst>
               <a:ext uri="{FF2B5EF4-FFF2-40B4-BE49-F238E27FC236}">
-                <a16:creationId xmlns:a16="http://schemas.microsoft.com/office/drawing/2014/main" id="{E59EFF14-8F57-4259-9EFC-3815352593EA}"/>
+                <a16:creationId xmlns:a16="http://schemas.microsoft.com/office/drawing/2014/main" id="{249AF569-616E-48F3-88AD-7FD42D6125E2}"/>
               </a:ext>
             </a:extLst>
           </p:cNvPr>
@@ -3765,7 +2689,7 @@
           <p:cNvPr id="6" name="Slide Number Placeholder 5">
             <a:extLst>
               <a:ext uri="{FF2B5EF4-FFF2-40B4-BE49-F238E27FC236}">
-                <a16:creationId xmlns:a16="http://schemas.microsoft.com/office/drawing/2014/main" id="{2F75EC73-3BC1-49B5-98FA-8EC409F31EB8}"/>
+                <a16:creationId xmlns:a16="http://schemas.microsoft.com/office/drawing/2014/main" id="{A9C1898F-39F4-4AA7-B509-5F826CD822E3}"/>
               </a:ext>
             </a:extLst>
           </p:cNvPr>
@@ -3801,7 +2725,7 @@
     </p:spTree>
     <p:extLst>
       <p:ext uri="{BB962C8B-B14F-4D97-AF65-F5344CB8AC3E}">
-        <p14:creationId xmlns:p14="http://schemas.microsoft.com/office/powerpoint/2010/main" val="1142559049"/>
+        <p14:creationId xmlns:p14="http://schemas.microsoft.com/office/powerpoint/2010/main" val="4258322418"/>
       </p:ext>
     </p:extLst>
   </p:cSld>
@@ -3812,7 +2736,800 @@
 </p:sldLayout>
 </file>
 
-<file path=ppt/slideLayouts/slideLayout13.xml><?xml version="1.0" encoding="utf-8"?>
+<file path=ppt/slideLayouts/slideLayout10.xml><?xml version="1.0" encoding="utf-8"?>
+<p:sldLayout xmlns:a="http://schemas.openxmlformats.org/drawingml/2006/main" xmlns:r="http://schemas.openxmlformats.org/officeDocument/2006/relationships" xmlns:p="http://schemas.openxmlformats.org/presentationml/2006/main" type="vertTx" preserve="1">
+  <p:cSld name="Title and Vertical Text">
+    <p:spTree>
+      <p:nvGrpSpPr>
+        <p:cNvPr id="1" name=""/>
+        <p:cNvGrpSpPr/>
+        <p:nvPr/>
+      </p:nvGrpSpPr>
+      <p:grpSpPr>
+        <a:xfrm>
+          <a:off x="0" y="0"/>
+          <a:ext cx="0" cy="0"/>
+          <a:chOff x="0" y="0"/>
+          <a:chExt cx="0" cy="0"/>
+        </a:xfrm>
+      </p:grpSpPr>
+      <p:sp>
+        <p:nvSpPr>
+          <p:cNvPr id="2" name="Title 1">
+            <a:extLst>
+              <a:ext uri="{FF2B5EF4-FFF2-40B4-BE49-F238E27FC236}">
+                <a16:creationId xmlns:a16="http://schemas.microsoft.com/office/drawing/2014/main" id="{019C4984-0EDE-48D0-A94E-4CB1B867432F}"/>
+              </a:ext>
+            </a:extLst>
+          </p:cNvPr>
+          <p:cNvSpPr>
+            <a:spLocks noGrp="1"/>
+          </p:cNvSpPr>
+          <p:nvPr>
+            <p:ph type="title"/>
+          </p:nvPr>
+        </p:nvSpPr>
+        <p:spPr/>
+        <p:txBody>
+          <a:bodyPr/>
+          <a:lstStyle/>
+          <a:p>
+            <a:r>
+              <a:rPr lang="en-US"/>
+              <a:t>Click to edit Master title style</a:t>
+            </a:r>
+            <a:endParaRPr lang="nl-NL"/>
+          </a:p>
+        </p:txBody>
+      </p:sp>
+      <p:sp>
+        <p:nvSpPr>
+          <p:cNvPr id="3" name="Vertical Text Placeholder 2">
+            <a:extLst>
+              <a:ext uri="{FF2B5EF4-FFF2-40B4-BE49-F238E27FC236}">
+                <a16:creationId xmlns:a16="http://schemas.microsoft.com/office/drawing/2014/main" id="{97BDCE45-9A01-4B36-90A2-B98B67D8AC49}"/>
+              </a:ext>
+            </a:extLst>
+          </p:cNvPr>
+          <p:cNvSpPr>
+            <a:spLocks noGrp="1"/>
+          </p:cNvSpPr>
+          <p:nvPr>
+            <p:ph type="body" orient="vert" idx="1"/>
+          </p:nvPr>
+        </p:nvSpPr>
+        <p:spPr/>
+        <p:txBody>
+          <a:bodyPr vert="eaVert"/>
+          <a:lstStyle/>
+          <a:p>
+            <a:pPr lvl="0"/>
+            <a:r>
+              <a:rPr lang="en-US"/>
+              <a:t>Click to edit Master text styles</a:t>
+            </a:r>
+          </a:p>
+          <a:p>
+            <a:pPr lvl="1"/>
+            <a:r>
+              <a:rPr lang="en-US"/>
+              <a:t>Second level</a:t>
+            </a:r>
+          </a:p>
+          <a:p>
+            <a:pPr lvl="2"/>
+            <a:r>
+              <a:rPr lang="en-US"/>
+              <a:t>Third level</a:t>
+            </a:r>
+          </a:p>
+          <a:p>
+            <a:pPr lvl="3"/>
+            <a:r>
+              <a:rPr lang="en-US"/>
+              <a:t>Fourth level</a:t>
+            </a:r>
+          </a:p>
+          <a:p>
+            <a:pPr lvl="4"/>
+            <a:r>
+              <a:rPr lang="en-US"/>
+              <a:t>Fifth level</a:t>
+            </a:r>
+            <a:endParaRPr lang="nl-NL"/>
+          </a:p>
+        </p:txBody>
+      </p:sp>
+      <p:sp>
+        <p:nvSpPr>
+          <p:cNvPr id="4" name="Date Placeholder 3">
+            <a:extLst>
+              <a:ext uri="{FF2B5EF4-FFF2-40B4-BE49-F238E27FC236}">
+                <a16:creationId xmlns:a16="http://schemas.microsoft.com/office/drawing/2014/main" id="{1B3B6116-88B7-4F89-A4F5-1E81BE4D7AAC}"/>
+              </a:ext>
+            </a:extLst>
+          </p:cNvPr>
+          <p:cNvSpPr>
+            <a:spLocks noGrp="1"/>
+          </p:cNvSpPr>
+          <p:nvPr>
+            <p:ph type="dt" sz="half" idx="10"/>
+          </p:nvPr>
+        </p:nvSpPr>
+        <p:spPr/>
+        <p:txBody>
+          <a:bodyPr/>
+          <a:lstStyle/>
+          <a:p>
+            <a:fld id="{251C048F-6732-4589-ABCC-CEE3ED188087}" type="datetimeFigureOut">
+              <a:rPr lang="nl-NL" smtClean="0"/>
+              <a:t>28-5-2019</a:t>
+            </a:fld>
+            <a:endParaRPr lang="nl-NL"/>
+          </a:p>
+        </p:txBody>
+      </p:sp>
+      <p:sp>
+        <p:nvSpPr>
+          <p:cNvPr id="5" name="Footer Placeholder 4">
+            <a:extLst>
+              <a:ext uri="{FF2B5EF4-FFF2-40B4-BE49-F238E27FC236}">
+                <a16:creationId xmlns:a16="http://schemas.microsoft.com/office/drawing/2014/main" id="{018F79ED-8BCD-4CAE-89B1-6EE561841C39}"/>
+              </a:ext>
+            </a:extLst>
+          </p:cNvPr>
+          <p:cNvSpPr>
+            <a:spLocks noGrp="1"/>
+          </p:cNvSpPr>
+          <p:nvPr>
+            <p:ph type="ftr" sz="quarter" idx="11"/>
+          </p:nvPr>
+        </p:nvSpPr>
+        <p:spPr/>
+        <p:txBody>
+          <a:bodyPr/>
+          <a:lstStyle/>
+          <a:p>
+            <a:endParaRPr lang="nl-NL"/>
+          </a:p>
+        </p:txBody>
+      </p:sp>
+      <p:sp>
+        <p:nvSpPr>
+          <p:cNvPr id="6" name="Slide Number Placeholder 5">
+            <a:extLst>
+              <a:ext uri="{FF2B5EF4-FFF2-40B4-BE49-F238E27FC236}">
+                <a16:creationId xmlns:a16="http://schemas.microsoft.com/office/drawing/2014/main" id="{94572B38-D05B-4E0A-A4F5-6EDEF36EC8D9}"/>
+              </a:ext>
+            </a:extLst>
+          </p:cNvPr>
+          <p:cNvSpPr>
+            <a:spLocks noGrp="1"/>
+          </p:cNvSpPr>
+          <p:nvPr>
+            <p:ph type="sldNum" sz="quarter" idx="12"/>
+          </p:nvPr>
+        </p:nvSpPr>
+        <p:spPr/>
+        <p:txBody>
+          <a:bodyPr/>
+          <a:lstStyle/>
+          <a:p>
+            <a:pPr marL="0" lvl="0" indent="0" algn="r" rtl="0">
+              <a:spcBef>
+                <a:spcPts val="0"/>
+              </a:spcBef>
+              <a:spcAft>
+                <a:spcPts val="0"/>
+              </a:spcAft>
+              <a:buNone/>
+            </a:pPr>
+            <a:fld id="{00000000-1234-1234-1234-123412341234}" type="slidenum">
+              <a:rPr lang="en" smtClean="0"/>
+              <a:t>‹#›</a:t>
+            </a:fld>
+            <a:endParaRPr lang="en"/>
+          </a:p>
+        </p:txBody>
+      </p:sp>
+    </p:spTree>
+    <p:extLst>
+      <p:ext uri="{BB962C8B-B14F-4D97-AF65-F5344CB8AC3E}">
+        <p14:creationId xmlns:p14="http://schemas.microsoft.com/office/powerpoint/2010/main" val="1788377221"/>
+      </p:ext>
+    </p:extLst>
+  </p:cSld>
+  <p:clrMapOvr>
+    <a:masterClrMapping/>
+  </p:clrMapOvr>
+  <p:hf sldNum="0" hdr="0" ftr="0" dt="0"/>
+</p:sldLayout>
+</file>
+
+<file path=ppt/slideLayouts/slideLayout11.xml><?xml version="1.0" encoding="utf-8"?>
+<p:sldLayout xmlns:a="http://schemas.openxmlformats.org/drawingml/2006/main" xmlns:r="http://schemas.openxmlformats.org/officeDocument/2006/relationships" xmlns:p="http://schemas.openxmlformats.org/presentationml/2006/main" type="vertTitleAndTx" preserve="1">
+  <p:cSld name="Vertical Title and Text">
+    <p:spTree>
+      <p:nvGrpSpPr>
+        <p:cNvPr id="1" name=""/>
+        <p:cNvGrpSpPr/>
+        <p:nvPr/>
+      </p:nvGrpSpPr>
+      <p:grpSpPr>
+        <a:xfrm>
+          <a:off x="0" y="0"/>
+          <a:ext cx="0" cy="0"/>
+          <a:chOff x="0" y="0"/>
+          <a:chExt cx="0" cy="0"/>
+        </a:xfrm>
+      </p:grpSpPr>
+      <p:sp>
+        <p:nvSpPr>
+          <p:cNvPr id="2" name="Vertical Title 1">
+            <a:extLst>
+              <a:ext uri="{FF2B5EF4-FFF2-40B4-BE49-F238E27FC236}">
+                <a16:creationId xmlns:a16="http://schemas.microsoft.com/office/drawing/2014/main" id="{C5B14D57-19CD-4F8F-B4EE-7CCB0C290F67}"/>
+              </a:ext>
+            </a:extLst>
+          </p:cNvPr>
+          <p:cNvSpPr>
+            <a:spLocks noGrp="1"/>
+          </p:cNvSpPr>
+          <p:nvPr>
+            <p:ph type="title" orient="vert"/>
+          </p:nvPr>
+        </p:nvSpPr>
+        <p:spPr>
+          <a:xfrm>
+            <a:off x="6543675" y="273844"/>
+            <a:ext cx="1971675" cy="4358879"/>
+          </a:xfrm>
+        </p:spPr>
+        <p:txBody>
+          <a:bodyPr vert="eaVert"/>
+          <a:lstStyle/>
+          <a:p>
+            <a:r>
+              <a:rPr lang="en-US"/>
+              <a:t>Click to edit Master title style</a:t>
+            </a:r>
+            <a:endParaRPr lang="nl-NL"/>
+          </a:p>
+        </p:txBody>
+      </p:sp>
+      <p:sp>
+        <p:nvSpPr>
+          <p:cNvPr id="3" name="Vertical Text Placeholder 2">
+            <a:extLst>
+              <a:ext uri="{FF2B5EF4-FFF2-40B4-BE49-F238E27FC236}">
+                <a16:creationId xmlns:a16="http://schemas.microsoft.com/office/drawing/2014/main" id="{8871BFFE-0B0D-4CCC-8B9E-DE82E45450B4}"/>
+              </a:ext>
+            </a:extLst>
+          </p:cNvPr>
+          <p:cNvSpPr>
+            <a:spLocks noGrp="1"/>
+          </p:cNvSpPr>
+          <p:nvPr>
+            <p:ph type="body" orient="vert" idx="1"/>
+          </p:nvPr>
+        </p:nvSpPr>
+        <p:spPr>
+          <a:xfrm>
+            <a:off x="628650" y="273844"/>
+            <a:ext cx="5800725" cy="4358879"/>
+          </a:xfrm>
+        </p:spPr>
+        <p:txBody>
+          <a:bodyPr vert="eaVert"/>
+          <a:lstStyle/>
+          <a:p>
+            <a:pPr lvl="0"/>
+            <a:r>
+              <a:rPr lang="en-US"/>
+              <a:t>Click to edit Master text styles</a:t>
+            </a:r>
+          </a:p>
+          <a:p>
+            <a:pPr lvl="1"/>
+            <a:r>
+              <a:rPr lang="en-US"/>
+              <a:t>Second level</a:t>
+            </a:r>
+          </a:p>
+          <a:p>
+            <a:pPr lvl="2"/>
+            <a:r>
+              <a:rPr lang="en-US"/>
+              <a:t>Third level</a:t>
+            </a:r>
+          </a:p>
+          <a:p>
+            <a:pPr lvl="3"/>
+            <a:r>
+              <a:rPr lang="en-US"/>
+              <a:t>Fourth level</a:t>
+            </a:r>
+          </a:p>
+          <a:p>
+            <a:pPr lvl="4"/>
+            <a:r>
+              <a:rPr lang="en-US"/>
+              <a:t>Fifth level</a:t>
+            </a:r>
+            <a:endParaRPr lang="nl-NL"/>
+          </a:p>
+        </p:txBody>
+      </p:sp>
+      <p:sp>
+        <p:nvSpPr>
+          <p:cNvPr id="4" name="Date Placeholder 3">
+            <a:extLst>
+              <a:ext uri="{FF2B5EF4-FFF2-40B4-BE49-F238E27FC236}">
+                <a16:creationId xmlns:a16="http://schemas.microsoft.com/office/drawing/2014/main" id="{64077619-763B-417F-B7A4-72EA3416ACC1}"/>
+              </a:ext>
+            </a:extLst>
+          </p:cNvPr>
+          <p:cNvSpPr>
+            <a:spLocks noGrp="1"/>
+          </p:cNvSpPr>
+          <p:nvPr>
+            <p:ph type="dt" sz="half" idx="10"/>
+          </p:nvPr>
+        </p:nvSpPr>
+        <p:spPr/>
+        <p:txBody>
+          <a:bodyPr/>
+          <a:lstStyle/>
+          <a:p>
+            <a:fld id="{251C048F-6732-4589-ABCC-CEE3ED188087}" type="datetimeFigureOut">
+              <a:rPr lang="nl-NL" smtClean="0"/>
+              <a:t>28-5-2019</a:t>
+            </a:fld>
+            <a:endParaRPr lang="nl-NL"/>
+          </a:p>
+        </p:txBody>
+      </p:sp>
+      <p:sp>
+        <p:nvSpPr>
+          <p:cNvPr id="5" name="Footer Placeholder 4">
+            <a:extLst>
+              <a:ext uri="{FF2B5EF4-FFF2-40B4-BE49-F238E27FC236}">
+                <a16:creationId xmlns:a16="http://schemas.microsoft.com/office/drawing/2014/main" id="{8F3E9DD4-F81A-4258-BE85-4B724A39E31F}"/>
+              </a:ext>
+            </a:extLst>
+          </p:cNvPr>
+          <p:cNvSpPr>
+            <a:spLocks noGrp="1"/>
+          </p:cNvSpPr>
+          <p:nvPr>
+            <p:ph type="ftr" sz="quarter" idx="11"/>
+          </p:nvPr>
+        </p:nvSpPr>
+        <p:spPr/>
+        <p:txBody>
+          <a:bodyPr/>
+          <a:lstStyle/>
+          <a:p>
+            <a:endParaRPr lang="nl-NL"/>
+          </a:p>
+        </p:txBody>
+      </p:sp>
+      <p:sp>
+        <p:nvSpPr>
+          <p:cNvPr id="6" name="Slide Number Placeholder 5">
+            <a:extLst>
+              <a:ext uri="{FF2B5EF4-FFF2-40B4-BE49-F238E27FC236}">
+                <a16:creationId xmlns:a16="http://schemas.microsoft.com/office/drawing/2014/main" id="{23A23541-7B34-4CC3-9872-EF3454D6FB26}"/>
+              </a:ext>
+            </a:extLst>
+          </p:cNvPr>
+          <p:cNvSpPr>
+            <a:spLocks noGrp="1"/>
+          </p:cNvSpPr>
+          <p:nvPr>
+            <p:ph type="sldNum" sz="quarter" idx="12"/>
+          </p:nvPr>
+        </p:nvSpPr>
+        <p:spPr/>
+        <p:txBody>
+          <a:bodyPr/>
+          <a:lstStyle/>
+          <a:p>
+            <a:pPr marL="0" lvl="0" indent="0" algn="r" rtl="0">
+              <a:spcBef>
+                <a:spcPts val="0"/>
+              </a:spcBef>
+              <a:spcAft>
+                <a:spcPts val="0"/>
+              </a:spcAft>
+              <a:buNone/>
+            </a:pPr>
+            <a:fld id="{00000000-1234-1234-1234-123412341234}" type="slidenum">
+              <a:rPr lang="en" smtClean="0"/>
+              <a:t>‹#›</a:t>
+            </a:fld>
+            <a:endParaRPr lang="en"/>
+          </a:p>
+        </p:txBody>
+      </p:sp>
+    </p:spTree>
+    <p:extLst>
+      <p:ext uri="{BB962C8B-B14F-4D97-AF65-F5344CB8AC3E}">
+        <p14:creationId xmlns:p14="http://schemas.microsoft.com/office/powerpoint/2010/main" val="2878996187"/>
+      </p:ext>
+    </p:extLst>
+  </p:cSld>
+  <p:clrMapOvr>
+    <a:masterClrMapping/>
+  </p:clrMapOvr>
+  <p:hf sldNum="0" hdr="0" ftr="0" dt="0"/>
+</p:sldLayout>
+</file>
+
+<file path=ppt/slideLayouts/slideLayout12.xml><?xml version="1.0" encoding="utf-8"?>
+<p:sldLayout xmlns:a="http://schemas.openxmlformats.org/drawingml/2006/main" xmlns:r="http://schemas.openxmlformats.org/officeDocument/2006/relationships" xmlns:p="http://schemas.openxmlformats.org/presentationml/2006/main" matchingName="Title and body" type="tx">
+  <p:cSld name="Title and body">
+    <p:spTree>
+      <p:nvGrpSpPr>
+        <p:cNvPr id="1" name="Shape 16"/>
+        <p:cNvGrpSpPr/>
+        <p:nvPr/>
+      </p:nvGrpSpPr>
+      <p:grpSpPr>
+        <a:xfrm>
+          <a:off x="0" y="0"/>
+          <a:ext cx="0" cy="0"/>
+          <a:chOff x="0" y="0"/>
+          <a:chExt cx="0" cy="0"/>
+        </a:xfrm>
+      </p:grpSpPr>
+      <p:sp>
+        <p:nvSpPr>
+          <p:cNvPr id="17" name="Google Shape;17;p4"/>
+          <p:cNvSpPr txBox="1">
+            <a:spLocks noGrp="1"/>
+          </p:cNvSpPr>
+          <p:nvPr>
+            <p:ph type="title"/>
+          </p:nvPr>
+        </p:nvSpPr>
+        <p:spPr>
+          <a:xfrm>
+            <a:off x="311700" y="445025"/>
+            <a:ext cx="8520600" cy="572700"/>
+          </a:xfrm>
+          <a:prstGeom prst="rect">
+            <a:avLst/>
+          </a:prstGeom>
+        </p:spPr>
+        <p:txBody>
+          <a:bodyPr spcFirstLastPara="1" wrap="square" lIns="91425" tIns="91425" rIns="91425" bIns="91425" anchor="t" anchorCtr="0"/>
+          <a:lstStyle>
+            <a:lvl1pPr lvl="0">
+              <a:spcBef>
+                <a:spcPts val="0"/>
+              </a:spcBef>
+              <a:spcAft>
+                <a:spcPts val="0"/>
+              </a:spcAft>
+              <a:buSzPts val="2800"/>
+              <a:buNone/>
+              <a:defRPr/>
+            </a:lvl1pPr>
+            <a:lvl2pPr lvl="1">
+              <a:spcBef>
+                <a:spcPts val="0"/>
+              </a:spcBef>
+              <a:spcAft>
+                <a:spcPts val="0"/>
+              </a:spcAft>
+              <a:buSzPts val="2800"/>
+              <a:buNone/>
+              <a:defRPr/>
+            </a:lvl2pPr>
+            <a:lvl3pPr lvl="2">
+              <a:spcBef>
+                <a:spcPts val="0"/>
+              </a:spcBef>
+              <a:spcAft>
+                <a:spcPts val="0"/>
+              </a:spcAft>
+              <a:buSzPts val="2800"/>
+              <a:buNone/>
+              <a:defRPr/>
+            </a:lvl3pPr>
+            <a:lvl4pPr lvl="3">
+              <a:spcBef>
+                <a:spcPts val="0"/>
+              </a:spcBef>
+              <a:spcAft>
+                <a:spcPts val="0"/>
+              </a:spcAft>
+              <a:buSzPts val="2800"/>
+              <a:buNone/>
+              <a:defRPr/>
+            </a:lvl4pPr>
+            <a:lvl5pPr lvl="4">
+              <a:spcBef>
+                <a:spcPts val="0"/>
+              </a:spcBef>
+              <a:spcAft>
+                <a:spcPts val="0"/>
+              </a:spcAft>
+              <a:buSzPts val="2800"/>
+              <a:buNone/>
+              <a:defRPr/>
+            </a:lvl5pPr>
+            <a:lvl6pPr lvl="5">
+              <a:spcBef>
+                <a:spcPts val="0"/>
+              </a:spcBef>
+              <a:spcAft>
+                <a:spcPts val="0"/>
+              </a:spcAft>
+              <a:buSzPts val="2800"/>
+              <a:buNone/>
+              <a:defRPr/>
+            </a:lvl6pPr>
+            <a:lvl7pPr lvl="6">
+              <a:spcBef>
+                <a:spcPts val="0"/>
+              </a:spcBef>
+              <a:spcAft>
+                <a:spcPts val="0"/>
+              </a:spcAft>
+              <a:buSzPts val="2800"/>
+              <a:buNone/>
+              <a:defRPr/>
+            </a:lvl7pPr>
+            <a:lvl8pPr lvl="7">
+              <a:spcBef>
+                <a:spcPts val="0"/>
+              </a:spcBef>
+              <a:spcAft>
+                <a:spcPts val="0"/>
+              </a:spcAft>
+              <a:buSzPts val="2800"/>
+              <a:buNone/>
+              <a:defRPr/>
+            </a:lvl8pPr>
+            <a:lvl9pPr lvl="8">
+              <a:spcBef>
+                <a:spcPts val="0"/>
+              </a:spcBef>
+              <a:spcAft>
+                <a:spcPts val="0"/>
+              </a:spcAft>
+              <a:buSzPts val="2800"/>
+              <a:buNone/>
+              <a:defRPr/>
+            </a:lvl9pPr>
+          </a:lstStyle>
+          <a:p>
+            <a:endParaRPr/>
+          </a:p>
+        </p:txBody>
+      </p:sp>
+      <p:sp>
+        <p:nvSpPr>
+          <p:cNvPr id="18" name="Google Shape;18;p4"/>
+          <p:cNvSpPr txBox="1">
+            <a:spLocks noGrp="1"/>
+          </p:cNvSpPr>
+          <p:nvPr>
+            <p:ph type="body" idx="1"/>
+          </p:nvPr>
+        </p:nvSpPr>
+        <p:spPr>
+          <a:xfrm>
+            <a:off x="311700" y="1152475"/>
+            <a:ext cx="8520600" cy="3416400"/>
+          </a:xfrm>
+          <a:prstGeom prst="rect">
+            <a:avLst/>
+          </a:prstGeom>
+        </p:spPr>
+        <p:txBody>
+          <a:bodyPr spcFirstLastPara="1" wrap="square" lIns="91425" tIns="91425" rIns="91425" bIns="91425" anchor="t" anchorCtr="0"/>
+          <a:lstStyle>
+            <a:lvl1pPr marL="457200" lvl="0" indent="-342900">
+              <a:spcBef>
+                <a:spcPts val="0"/>
+              </a:spcBef>
+              <a:spcAft>
+                <a:spcPts val="0"/>
+              </a:spcAft>
+              <a:buSzPts val="1800"/>
+              <a:buChar char="●"/>
+              <a:defRPr/>
+            </a:lvl1pPr>
+            <a:lvl2pPr marL="914400" lvl="1" indent="-317500">
+              <a:spcBef>
+                <a:spcPts val="1600"/>
+              </a:spcBef>
+              <a:spcAft>
+                <a:spcPts val="0"/>
+              </a:spcAft>
+              <a:buSzPts val="1400"/>
+              <a:buChar char="○"/>
+              <a:defRPr/>
+            </a:lvl2pPr>
+            <a:lvl3pPr marL="1371600" lvl="2" indent="-317500">
+              <a:spcBef>
+                <a:spcPts val="1600"/>
+              </a:spcBef>
+              <a:spcAft>
+                <a:spcPts val="0"/>
+              </a:spcAft>
+              <a:buSzPts val="1400"/>
+              <a:buChar char="■"/>
+              <a:defRPr/>
+            </a:lvl3pPr>
+            <a:lvl4pPr marL="1828800" lvl="3" indent="-317500">
+              <a:spcBef>
+                <a:spcPts val="1600"/>
+              </a:spcBef>
+              <a:spcAft>
+                <a:spcPts val="0"/>
+              </a:spcAft>
+              <a:buSzPts val="1400"/>
+              <a:buChar char="●"/>
+              <a:defRPr/>
+            </a:lvl4pPr>
+            <a:lvl5pPr marL="2286000" lvl="4" indent="-317500">
+              <a:spcBef>
+                <a:spcPts val="1600"/>
+              </a:spcBef>
+              <a:spcAft>
+                <a:spcPts val="0"/>
+              </a:spcAft>
+              <a:buSzPts val="1400"/>
+              <a:buChar char="○"/>
+              <a:defRPr/>
+            </a:lvl5pPr>
+            <a:lvl6pPr marL="2743200" lvl="5" indent="-317500">
+              <a:spcBef>
+                <a:spcPts val="1600"/>
+              </a:spcBef>
+              <a:spcAft>
+                <a:spcPts val="0"/>
+              </a:spcAft>
+              <a:buSzPts val="1400"/>
+              <a:buChar char="■"/>
+              <a:defRPr/>
+            </a:lvl6pPr>
+            <a:lvl7pPr marL="3200400" lvl="6" indent="-317500">
+              <a:spcBef>
+                <a:spcPts val="1600"/>
+              </a:spcBef>
+              <a:spcAft>
+                <a:spcPts val="0"/>
+              </a:spcAft>
+              <a:buSzPts val="1400"/>
+              <a:buChar char="●"/>
+              <a:defRPr/>
+            </a:lvl7pPr>
+            <a:lvl8pPr marL="3657600" lvl="7" indent="-317500">
+              <a:spcBef>
+                <a:spcPts val="1600"/>
+              </a:spcBef>
+              <a:spcAft>
+                <a:spcPts val="0"/>
+              </a:spcAft>
+              <a:buSzPts val="1400"/>
+              <a:buChar char="○"/>
+              <a:defRPr/>
+            </a:lvl8pPr>
+            <a:lvl9pPr marL="4114800" lvl="8" indent="-317500">
+              <a:spcBef>
+                <a:spcPts val="1600"/>
+              </a:spcBef>
+              <a:spcAft>
+                <a:spcPts val="1600"/>
+              </a:spcAft>
+              <a:buSzPts val="1400"/>
+              <a:buChar char="■"/>
+              <a:defRPr/>
+            </a:lvl9pPr>
+          </a:lstStyle>
+          <a:p>
+            <a:endParaRPr/>
+          </a:p>
+        </p:txBody>
+      </p:sp>
+      <p:sp>
+        <p:nvSpPr>
+          <p:cNvPr id="19" name="Google Shape;19;p4"/>
+          <p:cNvSpPr txBox="1">
+            <a:spLocks noGrp="1"/>
+          </p:cNvSpPr>
+          <p:nvPr>
+            <p:ph type="sldNum" idx="12"/>
+          </p:nvPr>
+        </p:nvSpPr>
+        <p:spPr>
+          <a:xfrm>
+            <a:off x="8472458" y="4663217"/>
+            <a:ext cx="548700" cy="393600"/>
+          </a:xfrm>
+          <a:prstGeom prst="rect">
+            <a:avLst/>
+          </a:prstGeom>
+        </p:spPr>
+        <p:txBody>
+          <a:bodyPr spcFirstLastPara="1" wrap="square" lIns="91425" tIns="91425" rIns="91425" bIns="91425" anchor="ctr" anchorCtr="0">
+            <a:noAutofit/>
+          </a:bodyPr>
+          <a:lstStyle>
+            <a:lvl1pPr lvl="0">
+              <a:buNone/>
+              <a:defRPr/>
+            </a:lvl1pPr>
+            <a:lvl2pPr lvl="1">
+              <a:buNone/>
+              <a:defRPr/>
+            </a:lvl2pPr>
+            <a:lvl3pPr lvl="2">
+              <a:buNone/>
+              <a:defRPr/>
+            </a:lvl3pPr>
+            <a:lvl4pPr lvl="3">
+              <a:buNone/>
+              <a:defRPr/>
+            </a:lvl4pPr>
+            <a:lvl5pPr lvl="4">
+              <a:buNone/>
+              <a:defRPr/>
+            </a:lvl5pPr>
+            <a:lvl6pPr lvl="5">
+              <a:buNone/>
+              <a:defRPr/>
+            </a:lvl6pPr>
+            <a:lvl7pPr lvl="6">
+              <a:buNone/>
+              <a:defRPr/>
+            </a:lvl7pPr>
+            <a:lvl8pPr lvl="7">
+              <a:buNone/>
+              <a:defRPr/>
+            </a:lvl8pPr>
+            <a:lvl9pPr lvl="8">
+              <a:buNone/>
+              <a:defRPr/>
+            </a:lvl9pPr>
+          </a:lstStyle>
+          <a:p>
+            <a:pPr marL="0" lvl="0" indent="0" algn="r" rtl="0">
+              <a:spcBef>
+                <a:spcPts val="0"/>
+              </a:spcBef>
+              <a:spcAft>
+                <a:spcPts val="0"/>
+              </a:spcAft>
+              <a:buNone/>
+            </a:pPr>
+            <a:fld id="{00000000-1234-1234-1234-123412341234}" type="slidenum">
+              <a:rPr lang="en"/>
+              <a:t>‹#›</a:t>
+            </a:fld>
+            <a:endParaRPr/>
+          </a:p>
+        </p:txBody>
+      </p:sp>
+    </p:spTree>
+    <p:extLst>
+      <p:ext uri="{BB962C8B-B14F-4D97-AF65-F5344CB8AC3E}">
+        <p14:creationId xmlns:p14="http://schemas.microsoft.com/office/powerpoint/2010/main" val="4213575104"/>
+      </p:ext>
+    </p:extLst>
+  </p:cSld>
+  <p:clrMapOvr>
+    <a:masterClrMapping/>
+  </p:clrMapOvr>
+</p:sldLayout>
+</file>
+
+<file path=ppt/slideLayouts/slideLayout2.xml><?xml version="1.0" encoding="utf-8"?>
 <p:sldLayout xmlns:a="http://schemas.openxmlformats.org/drawingml/2006/main" xmlns:r="http://schemas.openxmlformats.org/officeDocument/2006/relationships" xmlns:p="http://schemas.openxmlformats.org/presentationml/2006/main" type="obj" preserve="1">
   <p:cSld name="Title and Content">
     <p:spTree>
@@ -3834,7 +3551,7 @@
           <p:cNvPr id="2" name="Title 1">
             <a:extLst>
               <a:ext uri="{FF2B5EF4-FFF2-40B4-BE49-F238E27FC236}">
-                <a16:creationId xmlns:a16="http://schemas.microsoft.com/office/drawing/2014/main" id="{54F656EE-A019-4C19-8E6A-7139ABE3D4EC}"/>
+                <a16:creationId xmlns:a16="http://schemas.microsoft.com/office/drawing/2014/main" id="{4ABFC5FF-714A-477E-925B-F51ABC7205E8}"/>
               </a:ext>
             </a:extLst>
           </p:cNvPr>
@@ -3863,7 +3580,7 @@
           <p:cNvPr id="3" name="Content Placeholder 2">
             <a:extLst>
               <a:ext uri="{FF2B5EF4-FFF2-40B4-BE49-F238E27FC236}">
-                <a16:creationId xmlns:a16="http://schemas.microsoft.com/office/drawing/2014/main" id="{071B3F31-B390-4E0B-8359-2FDDB69DE5CF}"/>
+                <a16:creationId xmlns:a16="http://schemas.microsoft.com/office/drawing/2014/main" id="{4E99A5EE-CA65-415C-90AA-494D7D6F7705}"/>
               </a:ext>
             </a:extLst>
           </p:cNvPr>
@@ -3921,7 +3638,7 @@
           <p:cNvPr id="4" name="Date Placeholder 3">
             <a:extLst>
               <a:ext uri="{FF2B5EF4-FFF2-40B4-BE49-F238E27FC236}">
-                <a16:creationId xmlns:a16="http://schemas.microsoft.com/office/drawing/2014/main" id="{225BD0E4-BCCC-495A-BB90-9B59234D597F}"/>
+                <a16:creationId xmlns:a16="http://schemas.microsoft.com/office/drawing/2014/main" id="{D42CC383-D78E-40E6-8353-5A210F5BB7BA}"/>
               </a:ext>
             </a:extLst>
           </p:cNvPr>
@@ -3937,7 +3654,7 @@
           <a:bodyPr/>
           <a:lstStyle/>
           <a:p>
-            <a:fld id="{62FF22B7-6C5D-4507-B5D1-8DF88DA3E764}" type="datetimeFigureOut">
+            <a:fld id="{251C048F-6732-4589-ABCC-CEE3ED188087}" type="datetimeFigureOut">
               <a:rPr lang="nl-NL" smtClean="0"/>
               <a:t>28-5-2019</a:t>
             </a:fld>
@@ -3950,7 +3667,7 @@
           <p:cNvPr id="5" name="Footer Placeholder 4">
             <a:extLst>
               <a:ext uri="{FF2B5EF4-FFF2-40B4-BE49-F238E27FC236}">
-                <a16:creationId xmlns:a16="http://schemas.microsoft.com/office/drawing/2014/main" id="{4037E13F-6FAE-4F66-B8D3-6CC6960ABE68}"/>
+                <a16:creationId xmlns:a16="http://schemas.microsoft.com/office/drawing/2014/main" id="{4DEF5F56-F94E-46EF-993C-EDA52B872002}"/>
               </a:ext>
             </a:extLst>
           </p:cNvPr>
@@ -3975,7 +3692,7 @@
           <p:cNvPr id="6" name="Slide Number Placeholder 5">
             <a:extLst>
               <a:ext uri="{FF2B5EF4-FFF2-40B4-BE49-F238E27FC236}">
-                <a16:creationId xmlns:a16="http://schemas.microsoft.com/office/drawing/2014/main" id="{22EA1A2D-3FC7-4A7C-9B8F-97D717EFC33D}"/>
+                <a16:creationId xmlns:a16="http://schemas.microsoft.com/office/drawing/2014/main" id="{1FB2B605-1B86-4556-A509-5FB931E61955}"/>
               </a:ext>
             </a:extLst>
           </p:cNvPr>
@@ -4011,7 +3728,7 @@
     </p:spTree>
     <p:extLst>
       <p:ext uri="{BB962C8B-B14F-4D97-AF65-F5344CB8AC3E}">
-        <p14:creationId xmlns:p14="http://schemas.microsoft.com/office/powerpoint/2010/main" val="2569269321"/>
+        <p14:creationId xmlns:p14="http://schemas.microsoft.com/office/powerpoint/2010/main" val="749991127"/>
       </p:ext>
     </p:extLst>
   </p:cSld>
@@ -4022,7 +3739,7 @@
 </p:sldLayout>
 </file>
 
-<file path=ppt/slideLayouts/slideLayout14.xml><?xml version="1.0" encoding="utf-8"?>
+<file path=ppt/slideLayouts/slideLayout3.xml><?xml version="1.0" encoding="utf-8"?>
 <p:sldLayout xmlns:a="http://schemas.openxmlformats.org/drawingml/2006/main" xmlns:r="http://schemas.openxmlformats.org/officeDocument/2006/relationships" xmlns:p="http://schemas.openxmlformats.org/presentationml/2006/main" type="secHead" preserve="1">
   <p:cSld name="Section Header">
     <p:spTree>
@@ -4044,7 +3761,7 @@
           <p:cNvPr id="2" name="Title 1">
             <a:extLst>
               <a:ext uri="{FF2B5EF4-FFF2-40B4-BE49-F238E27FC236}">
-                <a16:creationId xmlns:a16="http://schemas.microsoft.com/office/drawing/2014/main" id="{4F3BD20E-32ED-45A3-A7CE-012BFF4BA06C}"/>
+                <a16:creationId xmlns:a16="http://schemas.microsoft.com/office/drawing/2014/main" id="{8B7A6695-38CB-40BA-82B6-8CFC0F594ECD}"/>
               </a:ext>
             </a:extLst>
           </p:cNvPr>
@@ -4082,7 +3799,7 @@
           <p:cNvPr id="3" name="Text Placeholder 2">
             <a:extLst>
               <a:ext uri="{FF2B5EF4-FFF2-40B4-BE49-F238E27FC236}">
-                <a16:creationId xmlns:a16="http://schemas.microsoft.com/office/drawing/2014/main" id="{D14DBFEF-8E66-4768-A4B3-ADB9453B33AC}"/>
+                <a16:creationId xmlns:a16="http://schemas.microsoft.com/office/drawing/2014/main" id="{92BB882D-A140-46DE-AC97-C562EF3E1C77}"/>
               </a:ext>
             </a:extLst>
           </p:cNvPr>
@@ -4207,7 +3924,7 @@
           <p:cNvPr id="4" name="Date Placeholder 3">
             <a:extLst>
               <a:ext uri="{FF2B5EF4-FFF2-40B4-BE49-F238E27FC236}">
-                <a16:creationId xmlns:a16="http://schemas.microsoft.com/office/drawing/2014/main" id="{159E970E-9E23-400C-8D57-BFA92386A6F4}"/>
+                <a16:creationId xmlns:a16="http://schemas.microsoft.com/office/drawing/2014/main" id="{E2E84E13-158D-4923-9C1F-5FC5BC0F3F13}"/>
               </a:ext>
             </a:extLst>
           </p:cNvPr>
@@ -4223,7 +3940,7 @@
           <a:bodyPr/>
           <a:lstStyle/>
           <a:p>
-            <a:fld id="{62FF22B7-6C5D-4507-B5D1-8DF88DA3E764}" type="datetimeFigureOut">
+            <a:fld id="{251C048F-6732-4589-ABCC-CEE3ED188087}" type="datetimeFigureOut">
               <a:rPr lang="nl-NL" smtClean="0"/>
               <a:t>28-5-2019</a:t>
             </a:fld>
@@ -4236,7 +3953,7 @@
           <p:cNvPr id="5" name="Footer Placeholder 4">
             <a:extLst>
               <a:ext uri="{FF2B5EF4-FFF2-40B4-BE49-F238E27FC236}">
-                <a16:creationId xmlns:a16="http://schemas.microsoft.com/office/drawing/2014/main" id="{99F951DD-3755-4B0F-A506-5D96FB4061EC}"/>
+                <a16:creationId xmlns:a16="http://schemas.microsoft.com/office/drawing/2014/main" id="{769DF318-19BE-42D7-B280-52ECB8BD476C}"/>
               </a:ext>
             </a:extLst>
           </p:cNvPr>
@@ -4261,7 +3978,7 @@
           <p:cNvPr id="6" name="Slide Number Placeholder 5">
             <a:extLst>
               <a:ext uri="{FF2B5EF4-FFF2-40B4-BE49-F238E27FC236}">
-                <a16:creationId xmlns:a16="http://schemas.microsoft.com/office/drawing/2014/main" id="{23361477-D13E-4656-B009-01C591921097}"/>
+                <a16:creationId xmlns:a16="http://schemas.microsoft.com/office/drawing/2014/main" id="{AF2F2D03-0994-4C47-8B6E-5E5CB53E5834}"/>
               </a:ext>
             </a:extLst>
           </p:cNvPr>
@@ -4297,7 +4014,7 @@
     </p:spTree>
     <p:extLst>
       <p:ext uri="{BB962C8B-B14F-4D97-AF65-F5344CB8AC3E}">
-        <p14:creationId xmlns:p14="http://schemas.microsoft.com/office/powerpoint/2010/main" val="2156213677"/>
+        <p14:creationId xmlns:p14="http://schemas.microsoft.com/office/powerpoint/2010/main" val="3740991599"/>
       </p:ext>
     </p:extLst>
   </p:cSld>
@@ -4308,7 +4025,7 @@
 </p:sldLayout>
 </file>
 
-<file path=ppt/slideLayouts/slideLayout15.xml><?xml version="1.0" encoding="utf-8"?>
+<file path=ppt/slideLayouts/slideLayout4.xml><?xml version="1.0" encoding="utf-8"?>
 <p:sldLayout xmlns:a="http://schemas.openxmlformats.org/drawingml/2006/main" xmlns:r="http://schemas.openxmlformats.org/officeDocument/2006/relationships" xmlns:p="http://schemas.openxmlformats.org/presentationml/2006/main" type="twoObj" preserve="1">
   <p:cSld name="Two Content">
     <p:spTree>
@@ -4330,7 +4047,7 @@
           <p:cNvPr id="2" name="Title 1">
             <a:extLst>
               <a:ext uri="{FF2B5EF4-FFF2-40B4-BE49-F238E27FC236}">
-                <a16:creationId xmlns:a16="http://schemas.microsoft.com/office/drawing/2014/main" id="{F303D03D-AD09-4B5D-B4FF-EA847DD0BDF7}"/>
+                <a16:creationId xmlns:a16="http://schemas.microsoft.com/office/drawing/2014/main" id="{8E528BB1-9D57-444E-833A-099F6EA78F40}"/>
               </a:ext>
             </a:extLst>
           </p:cNvPr>
@@ -4359,7 +4076,7 @@
           <p:cNvPr id="3" name="Content Placeholder 2">
             <a:extLst>
               <a:ext uri="{FF2B5EF4-FFF2-40B4-BE49-F238E27FC236}">
-                <a16:creationId xmlns:a16="http://schemas.microsoft.com/office/drawing/2014/main" id="{E0145E4B-6CDD-4AD7-B9FE-A6867325045B}"/>
+                <a16:creationId xmlns:a16="http://schemas.microsoft.com/office/drawing/2014/main" id="{6F669F03-82D4-4B4C-BE38-B53C5D4741BA}"/>
               </a:ext>
             </a:extLst>
           </p:cNvPr>
@@ -4422,7 +4139,7 @@
           <p:cNvPr id="4" name="Content Placeholder 3">
             <a:extLst>
               <a:ext uri="{FF2B5EF4-FFF2-40B4-BE49-F238E27FC236}">
-                <a16:creationId xmlns:a16="http://schemas.microsoft.com/office/drawing/2014/main" id="{51E819ED-1E29-476A-93B8-D50B29413B03}"/>
+                <a16:creationId xmlns:a16="http://schemas.microsoft.com/office/drawing/2014/main" id="{5A6C74D8-9356-41AA-942E-5D9FB8BD4299}"/>
               </a:ext>
             </a:extLst>
           </p:cNvPr>
@@ -4485,7 +4202,7 @@
           <p:cNvPr id="5" name="Date Placeholder 4">
             <a:extLst>
               <a:ext uri="{FF2B5EF4-FFF2-40B4-BE49-F238E27FC236}">
-                <a16:creationId xmlns:a16="http://schemas.microsoft.com/office/drawing/2014/main" id="{18FF8DC1-79AB-4330-B359-31BE656FAA21}"/>
+                <a16:creationId xmlns:a16="http://schemas.microsoft.com/office/drawing/2014/main" id="{1E2C0F9A-DD90-48C9-8B7E-C406138E40CF}"/>
               </a:ext>
             </a:extLst>
           </p:cNvPr>
@@ -4501,7 +4218,7 @@
           <a:bodyPr/>
           <a:lstStyle/>
           <a:p>
-            <a:fld id="{62FF22B7-6C5D-4507-B5D1-8DF88DA3E764}" type="datetimeFigureOut">
+            <a:fld id="{251C048F-6732-4589-ABCC-CEE3ED188087}" type="datetimeFigureOut">
               <a:rPr lang="nl-NL" smtClean="0"/>
               <a:t>28-5-2019</a:t>
             </a:fld>
@@ -4514,7 +4231,7 @@
           <p:cNvPr id="6" name="Footer Placeholder 5">
             <a:extLst>
               <a:ext uri="{FF2B5EF4-FFF2-40B4-BE49-F238E27FC236}">
-                <a16:creationId xmlns:a16="http://schemas.microsoft.com/office/drawing/2014/main" id="{05DB7B61-9C38-425D-BB86-A360407CCCA6}"/>
+                <a16:creationId xmlns:a16="http://schemas.microsoft.com/office/drawing/2014/main" id="{17F1EB72-8159-4746-B223-0C5D97B00BF3}"/>
               </a:ext>
             </a:extLst>
           </p:cNvPr>
@@ -4539,7 +4256,7 @@
           <p:cNvPr id="7" name="Slide Number Placeholder 6">
             <a:extLst>
               <a:ext uri="{FF2B5EF4-FFF2-40B4-BE49-F238E27FC236}">
-                <a16:creationId xmlns:a16="http://schemas.microsoft.com/office/drawing/2014/main" id="{70A33F4B-72DA-4CCF-BC33-91BF70CD28F2}"/>
+                <a16:creationId xmlns:a16="http://schemas.microsoft.com/office/drawing/2014/main" id="{3FA444A1-C618-4A53-8B54-DDBD220241B8}"/>
               </a:ext>
             </a:extLst>
           </p:cNvPr>
@@ -4575,7 +4292,7 @@
     </p:spTree>
     <p:extLst>
       <p:ext uri="{BB962C8B-B14F-4D97-AF65-F5344CB8AC3E}">
-        <p14:creationId xmlns:p14="http://schemas.microsoft.com/office/powerpoint/2010/main" val="3685000081"/>
+        <p14:creationId xmlns:p14="http://schemas.microsoft.com/office/powerpoint/2010/main" val="2092144626"/>
       </p:ext>
     </p:extLst>
   </p:cSld>
@@ -4586,7 +4303,7 @@
 </p:sldLayout>
 </file>
 
-<file path=ppt/slideLayouts/slideLayout16.xml><?xml version="1.0" encoding="utf-8"?>
+<file path=ppt/slideLayouts/slideLayout5.xml><?xml version="1.0" encoding="utf-8"?>
 <p:sldLayout xmlns:a="http://schemas.openxmlformats.org/drawingml/2006/main" xmlns:r="http://schemas.openxmlformats.org/officeDocument/2006/relationships" xmlns:p="http://schemas.openxmlformats.org/presentationml/2006/main" type="twoTxTwoObj" preserve="1">
   <p:cSld name="Comparison">
     <p:spTree>
@@ -4608,7 +4325,7 @@
           <p:cNvPr id="2" name="Title 1">
             <a:extLst>
               <a:ext uri="{FF2B5EF4-FFF2-40B4-BE49-F238E27FC236}">
-                <a16:creationId xmlns:a16="http://schemas.microsoft.com/office/drawing/2014/main" id="{5751A06C-3331-4ABB-B51B-E6903568A9BE}"/>
+                <a16:creationId xmlns:a16="http://schemas.microsoft.com/office/drawing/2014/main" id="{015ED5FF-80A7-4ACC-BE83-8E281CC66EE2}"/>
               </a:ext>
             </a:extLst>
           </p:cNvPr>
@@ -4642,7 +4359,7 @@
           <p:cNvPr id="3" name="Text Placeholder 2">
             <a:extLst>
               <a:ext uri="{FF2B5EF4-FFF2-40B4-BE49-F238E27FC236}">
-                <a16:creationId xmlns:a16="http://schemas.microsoft.com/office/drawing/2014/main" id="{325F1BC0-7176-434F-A535-3E72CC9AC6AC}"/>
+                <a16:creationId xmlns:a16="http://schemas.microsoft.com/office/drawing/2014/main" id="{4DFF5B05-CD8A-476C-9E41-ECA4273A58E2}"/>
               </a:ext>
             </a:extLst>
           </p:cNvPr>
@@ -4713,7 +4430,7 @@
           <p:cNvPr id="4" name="Content Placeholder 3">
             <a:extLst>
               <a:ext uri="{FF2B5EF4-FFF2-40B4-BE49-F238E27FC236}">
-                <a16:creationId xmlns:a16="http://schemas.microsoft.com/office/drawing/2014/main" id="{6A243B3D-E43A-4579-928E-2EEB2FCC3572}"/>
+                <a16:creationId xmlns:a16="http://schemas.microsoft.com/office/drawing/2014/main" id="{6090E9BD-B9A0-4392-8421-0A9986C01216}"/>
               </a:ext>
             </a:extLst>
           </p:cNvPr>
@@ -4776,7 +4493,7 @@
           <p:cNvPr id="5" name="Text Placeholder 4">
             <a:extLst>
               <a:ext uri="{FF2B5EF4-FFF2-40B4-BE49-F238E27FC236}">
-                <a16:creationId xmlns:a16="http://schemas.microsoft.com/office/drawing/2014/main" id="{8CFA03C1-16E7-46B9-A23F-6A125A518C2A}"/>
+                <a16:creationId xmlns:a16="http://schemas.microsoft.com/office/drawing/2014/main" id="{DDFBF796-D86E-4C2C-983F-E1D0A009CD40}"/>
               </a:ext>
             </a:extLst>
           </p:cNvPr>
@@ -4847,7 +4564,7 @@
           <p:cNvPr id="6" name="Content Placeholder 5">
             <a:extLst>
               <a:ext uri="{FF2B5EF4-FFF2-40B4-BE49-F238E27FC236}">
-                <a16:creationId xmlns:a16="http://schemas.microsoft.com/office/drawing/2014/main" id="{5439245D-39A7-4874-A2D7-83B4A77DAC5D}"/>
+                <a16:creationId xmlns:a16="http://schemas.microsoft.com/office/drawing/2014/main" id="{22C793CB-FB52-4DE3-B483-A092386C1F58}"/>
               </a:ext>
             </a:extLst>
           </p:cNvPr>
@@ -4910,7 +4627,7 @@
           <p:cNvPr id="7" name="Date Placeholder 6">
             <a:extLst>
               <a:ext uri="{FF2B5EF4-FFF2-40B4-BE49-F238E27FC236}">
-                <a16:creationId xmlns:a16="http://schemas.microsoft.com/office/drawing/2014/main" id="{EFFC76AE-D5A9-4709-B2E6-C0CF3C53D9C4}"/>
+                <a16:creationId xmlns:a16="http://schemas.microsoft.com/office/drawing/2014/main" id="{E6BC74AD-9725-44B9-BC8E-DB2432D40746}"/>
               </a:ext>
             </a:extLst>
           </p:cNvPr>
@@ -4926,7 +4643,7 @@
           <a:bodyPr/>
           <a:lstStyle/>
           <a:p>
-            <a:fld id="{62FF22B7-6C5D-4507-B5D1-8DF88DA3E764}" type="datetimeFigureOut">
+            <a:fld id="{251C048F-6732-4589-ABCC-CEE3ED188087}" type="datetimeFigureOut">
               <a:rPr lang="nl-NL" smtClean="0"/>
               <a:t>28-5-2019</a:t>
             </a:fld>
@@ -4939,7 +4656,7 @@
           <p:cNvPr id="8" name="Footer Placeholder 7">
             <a:extLst>
               <a:ext uri="{FF2B5EF4-FFF2-40B4-BE49-F238E27FC236}">
-                <a16:creationId xmlns:a16="http://schemas.microsoft.com/office/drawing/2014/main" id="{B5FE235F-80AE-40B2-9C43-F4924ACBB633}"/>
+                <a16:creationId xmlns:a16="http://schemas.microsoft.com/office/drawing/2014/main" id="{7B7A7787-80D8-4426-B019-6639AC64872A}"/>
               </a:ext>
             </a:extLst>
           </p:cNvPr>
@@ -4964,7 +4681,7 @@
           <p:cNvPr id="9" name="Slide Number Placeholder 8">
             <a:extLst>
               <a:ext uri="{FF2B5EF4-FFF2-40B4-BE49-F238E27FC236}">
-                <a16:creationId xmlns:a16="http://schemas.microsoft.com/office/drawing/2014/main" id="{D8646D41-DC4D-469C-B468-FD80EB035D46}"/>
+                <a16:creationId xmlns:a16="http://schemas.microsoft.com/office/drawing/2014/main" id="{2C592DB8-0E48-4125-B5A3-43C89E96EB73}"/>
               </a:ext>
             </a:extLst>
           </p:cNvPr>
@@ -5000,7 +4717,7 @@
     </p:spTree>
     <p:extLst>
       <p:ext uri="{BB962C8B-B14F-4D97-AF65-F5344CB8AC3E}">
-        <p14:creationId xmlns:p14="http://schemas.microsoft.com/office/powerpoint/2010/main" val="3528918265"/>
+        <p14:creationId xmlns:p14="http://schemas.microsoft.com/office/powerpoint/2010/main" val="1899084855"/>
       </p:ext>
     </p:extLst>
   </p:cSld>
@@ -5011,7 +4728,7 @@
 </p:sldLayout>
 </file>
 
-<file path=ppt/slideLayouts/slideLayout17.xml><?xml version="1.0" encoding="utf-8"?>
+<file path=ppt/slideLayouts/slideLayout6.xml><?xml version="1.0" encoding="utf-8"?>
 <p:sldLayout xmlns:a="http://schemas.openxmlformats.org/drawingml/2006/main" xmlns:r="http://schemas.openxmlformats.org/officeDocument/2006/relationships" xmlns:p="http://schemas.openxmlformats.org/presentationml/2006/main" type="titleOnly" preserve="1">
   <p:cSld name="Title Only">
     <p:spTree>
@@ -5033,7 +4750,7 @@
           <p:cNvPr id="2" name="Title 1">
             <a:extLst>
               <a:ext uri="{FF2B5EF4-FFF2-40B4-BE49-F238E27FC236}">
-                <a16:creationId xmlns:a16="http://schemas.microsoft.com/office/drawing/2014/main" id="{E3323494-7650-4603-97B1-C5CFACC44AF5}"/>
+                <a16:creationId xmlns:a16="http://schemas.microsoft.com/office/drawing/2014/main" id="{FCB6B5D8-F968-432F-A948-BA80B7CFCD2A}"/>
               </a:ext>
             </a:extLst>
           </p:cNvPr>
@@ -5062,7 +4779,7 @@
           <p:cNvPr id="3" name="Date Placeholder 2">
             <a:extLst>
               <a:ext uri="{FF2B5EF4-FFF2-40B4-BE49-F238E27FC236}">
-                <a16:creationId xmlns:a16="http://schemas.microsoft.com/office/drawing/2014/main" id="{D4AE724A-3D97-4D85-8858-32CD1F20DE9F}"/>
+                <a16:creationId xmlns:a16="http://schemas.microsoft.com/office/drawing/2014/main" id="{88FDD327-90E0-4735-AA2B-06238DB13930}"/>
               </a:ext>
             </a:extLst>
           </p:cNvPr>
@@ -5078,7 +4795,7 @@
           <a:bodyPr/>
           <a:lstStyle/>
           <a:p>
-            <a:fld id="{62FF22B7-6C5D-4507-B5D1-8DF88DA3E764}" type="datetimeFigureOut">
+            <a:fld id="{251C048F-6732-4589-ABCC-CEE3ED188087}" type="datetimeFigureOut">
               <a:rPr lang="nl-NL" smtClean="0"/>
               <a:t>28-5-2019</a:t>
             </a:fld>
@@ -5091,7 +4808,7 @@
           <p:cNvPr id="4" name="Footer Placeholder 3">
             <a:extLst>
               <a:ext uri="{FF2B5EF4-FFF2-40B4-BE49-F238E27FC236}">
-                <a16:creationId xmlns:a16="http://schemas.microsoft.com/office/drawing/2014/main" id="{9EC8A482-0415-47FF-98C4-C783A08A4FC2}"/>
+                <a16:creationId xmlns:a16="http://schemas.microsoft.com/office/drawing/2014/main" id="{243E66B3-10A5-4E2A-A294-7E23CD02A2A5}"/>
               </a:ext>
             </a:extLst>
           </p:cNvPr>
@@ -5116,7 +4833,7 @@
           <p:cNvPr id="5" name="Slide Number Placeholder 4">
             <a:extLst>
               <a:ext uri="{FF2B5EF4-FFF2-40B4-BE49-F238E27FC236}">
-                <a16:creationId xmlns:a16="http://schemas.microsoft.com/office/drawing/2014/main" id="{BAC08FD0-9C0F-4351-B83D-D94FA2E2C74C}"/>
+                <a16:creationId xmlns:a16="http://schemas.microsoft.com/office/drawing/2014/main" id="{65EFD3C4-BF37-4272-A3FE-CE4C3399514C}"/>
               </a:ext>
             </a:extLst>
           </p:cNvPr>
@@ -5152,7 +4869,7 @@
     </p:spTree>
     <p:extLst>
       <p:ext uri="{BB962C8B-B14F-4D97-AF65-F5344CB8AC3E}">
-        <p14:creationId xmlns:p14="http://schemas.microsoft.com/office/powerpoint/2010/main" val="888387006"/>
+        <p14:creationId xmlns:p14="http://schemas.microsoft.com/office/powerpoint/2010/main" val="2712814205"/>
       </p:ext>
     </p:extLst>
   </p:cSld>
@@ -5163,7 +4880,7 @@
 </p:sldLayout>
 </file>
 
-<file path=ppt/slideLayouts/slideLayout18.xml><?xml version="1.0" encoding="utf-8"?>
+<file path=ppt/slideLayouts/slideLayout7.xml><?xml version="1.0" encoding="utf-8"?>
 <p:sldLayout xmlns:a="http://schemas.openxmlformats.org/drawingml/2006/main" xmlns:r="http://schemas.openxmlformats.org/officeDocument/2006/relationships" xmlns:p="http://schemas.openxmlformats.org/presentationml/2006/main" type="blank" preserve="1">
   <p:cSld name="Blank">
     <p:spTree>
@@ -5185,7 +4902,7 @@
           <p:cNvPr id="2" name="Date Placeholder 1">
             <a:extLst>
               <a:ext uri="{FF2B5EF4-FFF2-40B4-BE49-F238E27FC236}">
-                <a16:creationId xmlns:a16="http://schemas.microsoft.com/office/drawing/2014/main" id="{F9486DE7-D670-4463-87EA-484FC4F0AB11}"/>
+                <a16:creationId xmlns:a16="http://schemas.microsoft.com/office/drawing/2014/main" id="{5306477E-3F41-4342-9315-EC00D1C03610}"/>
               </a:ext>
             </a:extLst>
           </p:cNvPr>
@@ -5201,7 +4918,7 @@
           <a:bodyPr/>
           <a:lstStyle/>
           <a:p>
-            <a:fld id="{62FF22B7-6C5D-4507-B5D1-8DF88DA3E764}" type="datetimeFigureOut">
+            <a:fld id="{251C048F-6732-4589-ABCC-CEE3ED188087}" type="datetimeFigureOut">
               <a:rPr lang="nl-NL" smtClean="0"/>
               <a:t>28-5-2019</a:t>
             </a:fld>
@@ -5214,7 +4931,7 @@
           <p:cNvPr id="3" name="Footer Placeholder 2">
             <a:extLst>
               <a:ext uri="{FF2B5EF4-FFF2-40B4-BE49-F238E27FC236}">
-                <a16:creationId xmlns:a16="http://schemas.microsoft.com/office/drawing/2014/main" id="{96334DF2-DE98-4745-B33A-7660EA7D2AB3}"/>
+                <a16:creationId xmlns:a16="http://schemas.microsoft.com/office/drawing/2014/main" id="{7789BB7D-BD3A-4C82-912F-7AF36DE2851A}"/>
               </a:ext>
             </a:extLst>
           </p:cNvPr>
@@ -5239,7 +4956,7 @@
           <p:cNvPr id="4" name="Slide Number Placeholder 3">
             <a:extLst>
               <a:ext uri="{FF2B5EF4-FFF2-40B4-BE49-F238E27FC236}">
-                <a16:creationId xmlns:a16="http://schemas.microsoft.com/office/drawing/2014/main" id="{5DB57623-892F-415B-90A5-D28C6E1F875B}"/>
+                <a16:creationId xmlns:a16="http://schemas.microsoft.com/office/drawing/2014/main" id="{A4997579-D9FB-4FEF-9A2E-94585AF3CD19}"/>
               </a:ext>
             </a:extLst>
           </p:cNvPr>
@@ -5275,7 +4992,7 @@
     </p:spTree>
     <p:extLst>
       <p:ext uri="{BB962C8B-B14F-4D97-AF65-F5344CB8AC3E}">
-        <p14:creationId xmlns:p14="http://schemas.microsoft.com/office/powerpoint/2010/main" val="271109190"/>
+        <p14:creationId xmlns:p14="http://schemas.microsoft.com/office/powerpoint/2010/main" val="306365796"/>
       </p:ext>
     </p:extLst>
   </p:cSld>
@@ -5285,7 +5002,7 @@
 </p:sldLayout>
 </file>
 
-<file path=ppt/slideLayouts/slideLayout19.xml><?xml version="1.0" encoding="utf-8"?>
+<file path=ppt/slideLayouts/slideLayout8.xml><?xml version="1.0" encoding="utf-8"?>
 <p:sldLayout xmlns:a="http://schemas.openxmlformats.org/drawingml/2006/main" xmlns:r="http://schemas.openxmlformats.org/officeDocument/2006/relationships" xmlns:p="http://schemas.openxmlformats.org/presentationml/2006/main" type="objTx" preserve="1">
   <p:cSld name="Content with Caption">
     <p:spTree>
@@ -5307,7 +5024,7 @@
           <p:cNvPr id="2" name="Title 1">
             <a:extLst>
               <a:ext uri="{FF2B5EF4-FFF2-40B4-BE49-F238E27FC236}">
-                <a16:creationId xmlns:a16="http://schemas.microsoft.com/office/drawing/2014/main" id="{909C0186-3962-4A2F-8A06-F7D9F864D4D1}"/>
+                <a16:creationId xmlns:a16="http://schemas.microsoft.com/office/drawing/2014/main" id="{664885B1-6EEE-410F-941C-B22C3B525746}"/>
               </a:ext>
             </a:extLst>
           </p:cNvPr>
@@ -5345,7 +5062,7 @@
           <p:cNvPr id="3" name="Content Placeholder 2">
             <a:extLst>
               <a:ext uri="{FF2B5EF4-FFF2-40B4-BE49-F238E27FC236}">
-                <a16:creationId xmlns:a16="http://schemas.microsoft.com/office/drawing/2014/main" id="{394B1559-F98D-4367-9C07-D6AAEEB00A96}"/>
+                <a16:creationId xmlns:a16="http://schemas.microsoft.com/office/drawing/2014/main" id="{AB909127-E51F-43E6-A770-768C3D2B75EA}"/>
               </a:ext>
             </a:extLst>
           </p:cNvPr>
@@ -5436,7 +5153,7 @@
           <p:cNvPr id="4" name="Text Placeholder 3">
             <a:extLst>
               <a:ext uri="{FF2B5EF4-FFF2-40B4-BE49-F238E27FC236}">
-                <a16:creationId xmlns:a16="http://schemas.microsoft.com/office/drawing/2014/main" id="{33E813C7-874B-46FF-916E-AC28E34FDBD6}"/>
+                <a16:creationId xmlns:a16="http://schemas.microsoft.com/office/drawing/2014/main" id="{7892789E-0D02-4DE7-8E23-3E73077B5471}"/>
               </a:ext>
             </a:extLst>
           </p:cNvPr>
@@ -5507,7 +5224,7 @@
           <p:cNvPr id="5" name="Date Placeholder 4">
             <a:extLst>
               <a:ext uri="{FF2B5EF4-FFF2-40B4-BE49-F238E27FC236}">
-                <a16:creationId xmlns:a16="http://schemas.microsoft.com/office/drawing/2014/main" id="{90A6D28C-CCF0-44A9-8561-B70F37141130}"/>
+                <a16:creationId xmlns:a16="http://schemas.microsoft.com/office/drawing/2014/main" id="{4F1152B7-59BB-4E22-A0EB-071DFA65500F}"/>
               </a:ext>
             </a:extLst>
           </p:cNvPr>
@@ -5523,7 +5240,7 @@
           <a:bodyPr/>
           <a:lstStyle/>
           <a:p>
-            <a:fld id="{62FF22B7-6C5D-4507-B5D1-8DF88DA3E764}" type="datetimeFigureOut">
+            <a:fld id="{251C048F-6732-4589-ABCC-CEE3ED188087}" type="datetimeFigureOut">
               <a:rPr lang="nl-NL" smtClean="0"/>
               <a:t>28-5-2019</a:t>
             </a:fld>
@@ -5536,7 +5253,7 @@
           <p:cNvPr id="6" name="Footer Placeholder 5">
             <a:extLst>
               <a:ext uri="{FF2B5EF4-FFF2-40B4-BE49-F238E27FC236}">
-                <a16:creationId xmlns:a16="http://schemas.microsoft.com/office/drawing/2014/main" id="{A788CD44-7456-4F04-8D83-C37401FAAD35}"/>
+                <a16:creationId xmlns:a16="http://schemas.microsoft.com/office/drawing/2014/main" id="{72327720-2530-468D-8A36-7F4E13B58DF3}"/>
               </a:ext>
             </a:extLst>
           </p:cNvPr>
@@ -5561,7 +5278,7 @@
           <p:cNvPr id="7" name="Slide Number Placeholder 6">
             <a:extLst>
               <a:ext uri="{FF2B5EF4-FFF2-40B4-BE49-F238E27FC236}">
-                <a16:creationId xmlns:a16="http://schemas.microsoft.com/office/drawing/2014/main" id="{36DE9A24-786F-4E92-8102-99F48D072A84}"/>
+                <a16:creationId xmlns:a16="http://schemas.microsoft.com/office/drawing/2014/main" id="{53E06F66-628D-4092-A896-13F5D4CDB5AC}"/>
               </a:ext>
             </a:extLst>
           </p:cNvPr>
@@ -5597,7 +5314,7 @@
     </p:spTree>
     <p:extLst>
       <p:ext uri="{BB962C8B-B14F-4D97-AF65-F5344CB8AC3E}">
-        <p14:creationId xmlns:p14="http://schemas.microsoft.com/office/powerpoint/2010/main" val="3868166376"/>
+        <p14:creationId xmlns:p14="http://schemas.microsoft.com/office/powerpoint/2010/main" val="83301590"/>
       </p:ext>
     </p:extLst>
   </p:cSld>
@@ -5608,238 +5325,7 @@
 </p:sldLayout>
 </file>
 
-<file path=ppt/slideLayouts/slideLayout2.xml><?xml version="1.0" encoding="utf-8"?>
-<p:sldLayout xmlns:a="http://schemas.openxmlformats.org/drawingml/2006/main" xmlns:r="http://schemas.openxmlformats.org/officeDocument/2006/relationships" xmlns:p="http://schemas.openxmlformats.org/presentationml/2006/main" matchingName="Section header" type="secHead">
-  <p:cSld name="SECTION_HEADER">
-    <p:spTree>
-      <p:nvGrpSpPr>
-        <p:cNvPr id="1" name="Shape 13"/>
-        <p:cNvGrpSpPr/>
-        <p:nvPr/>
-      </p:nvGrpSpPr>
-      <p:grpSpPr>
-        <a:xfrm>
-          <a:off x="0" y="0"/>
-          <a:ext cx="0" cy="0"/>
-          <a:chOff x="0" y="0"/>
-          <a:chExt cx="0" cy="0"/>
-        </a:xfrm>
-      </p:grpSpPr>
-      <p:sp>
-        <p:nvSpPr>
-          <p:cNvPr id="14" name="Google Shape;14;p3"/>
-          <p:cNvSpPr txBox="1">
-            <a:spLocks noGrp="1"/>
-          </p:cNvSpPr>
-          <p:nvPr>
-            <p:ph type="title"/>
-          </p:nvPr>
-        </p:nvSpPr>
-        <p:spPr>
-          <a:xfrm>
-            <a:off x="311700" y="2150850"/>
-            <a:ext cx="8520600" cy="841800"/>
-          </a:xfrm>
-          <a:prstGeom prst="rect">
-            <a:avLst/>
-          </a:prstGeom>
-        </p:spPr>
-        <p:txBody>
-          <a:bodyPr spcFirstLastPara="1" wrap="square" lIns="91425" tIns="91425" rIns="91425" bIns="91425" anchor="ctr" anchorCtr="0"/>
-          <a:lstStyle>
-            <a:lvl1pPr lvl="0" algn="ctr">
-              <a:spcBef>
-                <a:spcPts val="0"/>
-              </a:spcBef>
-              <a:spcAft>
-                <a:spcPts val="0"/>
-              </a:spcAft>
-              <a:buSzPts val="3600"/>
-              <a:buNone/>
-              <a:defRPr sz="3600"/>
-            </a:lvl1pPr>
-            <a:lvl2pPr lvl="1" algn="ctr">
-              <a:spcBef>
-                <a:spcPts val="0"/>
-              </a:spcBef>
-              <a:spcAft>
-                <a:spcPts val="0"/>
-              </a:spcAft>
-              <a:buSzPts val="3600"/>
-              <a:buNone/>
-              <a:defRPr sz="3600"/>
-            </a:lvl2pPr>
-            <a:lvl3pPr lvl="2" algn="ctr">
-              <a:spcBef>
-                <a:spcPts val="0"/>
-              </a:spcBef>
-              <a:spcAft>
-                <a:spcPts val="0"/>
-              </a:spcAft>
-              <a:buSzPts val="3600"/>
-              <a:buNone/>
-              <a:defRPr sz="3600"/>
-            </a:lvl3pPr>
-            <a:lvl4pPr lvl="3" algn="ctr">
-              <a:spcBef>
-                <a:spcPts val="0"/>
-              </a:spcBef>
-              <a:spcAft>
-                <a:spcPts val="0"/>
-              </a:spcAft>
-              <a:buSzPts val="3600"/>
-              <a:buNone/>
-              <a:defRPr sz="3600"/>
-            </a:lvl4pPr>
-            <a:lvl5pPr lvl="4" algn="ctr">
-              <a:spcBef>
-                <a:spcPts val="0"/>
-              </a:spcBef>
-              <a:spcAft>
-                <a:spcPts val="0"/>
-              </a:spcAft>
-              <a:buSzPts val="3600"/>
-              <a:buNone/>
-              <a:defRPr sz="3600"/>
-            </a:lvl5pPr>
-            <a:lvl6pPr lvl="5" algn="ctr">
-              <a:spcBef>
-                <a:spcPts val="0"/>
-              </a:spcBef>
-              <a:spcAft>
-                <a:spcPts val="0"/>
-              </a:spcAft>
-              <a:buSzPts val="3600"/>
-              <a:buNone/>
-              <a:defRPr sz="3600"/>
-            </a:lvl6pPr>
-            <a:lvl7pPr lvl="6" algn="ctr">
-              <a:spcBef>
-                <a:spcPts val="0"/>
-              </a:spcBef>
-              <a:spcAft>
-                <a:spcPts val="0"/>
-              </a:spcAft>
-              <a:buSzPts val="3600"/>
-              <a:buNone/>
-              <a:defRPr sz="3600"/>
-            </a:lvl7pPr>
-            <a:lvl8pPr lvl="7" algn="ctr">
-              <a:spcBef>
-                <a:spcPts val="0"/>
-              </a:spcBef>
-              <a:spcAft>
-                <a:spcPts val="0"/>
-              </a:spcAft>
-              <a:buSzPts val="3600"/>
-              <a:buNone/>
-              <a:defRPr sz="3600"/>
-            </a:lvl8pPr>
-            <a:lvl9pPr lvl="8" algn="ctr">
-              <a:spcBef>
-                <a:spcPts val="0"/>
-              </a:spcBef>
-              <a:spcAft>
-                <a:spcPts val="0"/>
-              </a:spcAft>
-              <a:buSzPts val="3600"/>
-              <a:buNone/>
-              <a:defRPr sz="3600"/>
-            </a:lvl9pPr>
-          </a:lstStyle>
-          <a:p>
-            <a:endParaRPr/>
-          </a:p>
-        </p:txBody>
-      </p:sp>
-      <p:sp>
-        <p:nvSpPr>
-          <p:cNvPr id="15" name="Google Shape;15;p3"/>
-          <p:cNvSpPr txBox="1">
-            <a:spLocks noGrp="1"/>
-          </p:cNvSpPr>
-          <p:nvPr>
-            <p:ph type="sldNum" idx="12"/>
-          </p:nvPr>
-        </p:nvSpPr>
-        <p:spPr>
-          <a:xfrm>
-            <a:off x="8472458" y="4663217"/>
-            <a:ext cx="548700" cy="393600"/>
-          </a:xfrm>
-          <a:prstGeom prst="rect">
-            <a:avLst/>
-          </a:prstGeom>
-        </p:spPr>
-        <p:txBody>
-          <a:bodyPr spcFirstLastPara="1" wrap="square" lIns="91425" tIns="91425" rIns="91425" bIns="91425" anchor="ctr" anchorCtr="0">
-            <a:noAutofit/>
-          </a:bodyPr>
-          <a:lstStyle>
-            <a:lvl1pPr lvl="0">
-              <a:buNone/>
-              <a:defRPr/>
-            </a:lvl1pPr>
-            <a:lvl2pPr lvl="1">
-              <a:buNone/>
-              <a:defRPr/>
-            </a:lvl2pPr>
-            <a:lvl3pPr lvl="2">
-              <a:buNone/>
-              <a:defRPr/>
-            </a:lvl3pPr>
-            <a:lvl4pPr lvl="3">
-              <a:buNone/>
-              <a:defRPr/>
-            </a:lvl4pPr>
-            <a:lvl5pPr lvl="4">
-              <a:buNone/>
-              <a:defRPr/>
-            </a:lvl5pPr>
-            <a:lvl6pPr lvl="5">
-              <a:buNone/>
-              <a:defRPr/>
-            </a:lvl6pPr>
-            <a:lvl7pPr lvl="6">
-              <a:buNone/>
-              <a:defRPr/>
-            </a:lvl7pPr>
-            <a:lvl8pPr lvl="7">
-              <a:buNone/>
-              <a:defRPr/>
-            </a:lvl8pPr>
-            <a:lvl9pPr lvl="8">
-              <a:buNone/>
-              <a:defRPr/>
-            </a:lvl9pPr>
-          </a:lstStyle>
-          <a:p>
-            <a:pPr marL="0" lvl="0" indent="0" algn="r" rtl="0">
-              <a:spcBef>
-                <a:spcPts val="0"/>
-              </a:spcBef>
-              <a:spcAft>
-                <a:spcPts val="0"/>
-              </a:spcAft>
-              <a:buNone/>
-            </a:pPr>
-            <a:fld id="{00000000-1234-1234-1234-123412341234}" type="slidenum">
-              <a:rPr lang="en"/>
-              <a:t>‹#›</a:t>
-            </a:fld>
-            <a:endParaRPr/>
-          </a:p>
-        </p:txBody>
-      </p:sp>
-    </p:spTree>
-  </p:cSld>
-  <p:clrMapOvr>
-    <a:masterClrMapping/>
-  </p:clrMapOvr>
-</p:sldLayout>
-</file>
-
-<file path=ppt/slideLayouts/slideLayout20.xml><?xml version="1.0" encoding="utf-8"?>
+<file path=ppt/slideLayouts/slideLayout9.xml><?xml version="1.0" encoding="utf-8"?>
 <p:sldLayout xmlns:a="http://schemas.openxmlformats.org/drawingml/2006/main" xmlns:r="http://schemas.openxmlformats.org/officeDocument/2006/relationships" xmlns:p="http://schemas.openxmlformats.org/presentationml/2006/main" type="picTx" preserve="1">
   <p:cSld name="Picture with Caption">
     <p:spTree>
@@ -5861,7 +5347,7 @@
           <p:cNvPr id="2" name="Title 1">
             <a:extLst>
               <a:ext uri="{FF2B5EF4-FFF2-40B4-BE49-F238E27FC236}">
-                <a16:creationId xmlns:a16="http://schemas.microsoft.com/office/drawing/2014/main" id="{BEEF0EF4-323A-47CF-A7DF-6AF429FA4B05}"/>
+                <a16:creationId xmlns:a16="http://schemas.microsoft.com/office/drawing/2014/main" id="{B94F9703-FFAF-4A30-8AA3-65AFB5D0F0D1}"/>
               </a:ext>
             </a:extLst>
           </p:cNvPr>
@@ -5899,7 +5385,7 @@
           <p:cNvPr id="3" name="Picture Placeholder 2">
             <a:extLst>
               <a:ext uri="{FF2B5EF4-FFF2-40B4-BE49-F238E27FC236}">
-                <a16:creationId xmlns:a16="http://schemas.microsoft.com/office/drawing/2014/main" id="{13A7ECEC-4CF7-4508-8A24-C6C14BD01E9F}"/>
+                <a16:creationId xmlns:a16="http://schemas.microsoft.com/office/drawing/2014/main" id="{ECC02716-1987-403A-B031-AE0466E3AB12}"/>
               </a:ext>
             </a:extLst>
           </p:cNvPr>
@@ -5966,7 +5452,7 @@
           <p:cNvPr id="4" name="Text Placeholder 3">
             <a:extLst>
               <a:ext uri="{FF2B5EF4-FFF2-40B4-BE49-F238E27FC236}">
-                <a16:creationId xmlns:a16="http://schemas.microsoft.com/office/drawing/2014/main" id="{888DF377-8F82-445A-9C76-DC5C0780EF96}"/>
+                <a16:creationId xmlns:a16="http://schemas.microsoft.com/office/drawing/2014/main" id="{F997C628-3EEA-49E8-B609-35841C57950A}"/>
               </a:ext>
             </a:extLst>
           </p:cNvPr>
@@ -6037,7 +5523,7 @@
           <p:cNvPr id="5" name="Date Placeholder 4">
             <a:extLst>
               <a:ext uri="{FF2B5EF4-FFF2-40B4-BE49-F238E27FC236}">
-                <a16:creationId xmlns:a16="http://schemas.microsoft.com/office/drawing/2014/main" id="{4B409073-C01C-4115-99F7-3303D5C93B4D}"/>
+                <a16:creationId xmlns:a16="http://schemas.microsoft.com/office/drawing/2014/main" id="{FECEA9F8-B002-4A91-8F06-E4A495362596}"/>
               </a:ext>
             </a:extLst>
           </p:cNvPr>
@@ -6053,7 +5539,7 @@
           <a:bodyPr/>
           <a:lstStyle/>
           <a:p>
-            <a:fld id="{62FF22B7-6C5D-4507-B5D1-8DF88DA3E764}" type="datetimeFigureOut">
+            <a:fld id="{251C048F-6732-4589-ABCC-CEE3ED188087}" type="datetimeFigureOut">
               <a:rPr lang="nl-NL" smtClean="0"/>
               <a:t>28-5-2019</a:t>
             </a:fld>
@@ -6066,7 +5552,7 @@
           <p:cNvPr id="6" name="Footer Placeholder 5">
             <a:extLst>
               <a:ext uri="{FF2B5EF4-FFF2-40B4-BE49-F238E27FC236}">
-                <a16:creationId xmlns:a16="http://schemas.microsoft.com/office/drawing/2014/main" id="{D52BB546-CA13-453E-8192-EE4BE1C01092}"/>
+                <a16:creationId xmlns:a16="http://schemas.microsoft.com/office/drawing/2014/main" id="{5D8303E7-AFBE-4B87-83BA-252971D73E5E}"/>
               </a:ext>
             </a:extLst>
           </p:cNvPr>
@@ -6091,7 +5577,7 @@
           <p:cNvPr id="7" name="Slide Number Placeholder 6">
             <a:extLst>
               <a:ext uri="{FF2B5EF4-FFF2-40B4-BE49-F238E27FC236}">
-                <a16:creationId xmlns:a16="http://schemas.microsoft.com/office/drawing/2014/main" id="{CCD0B90D-7ACC-46D7-B0CD-BD827AB32D2D}"/>
+                <a16:creationId xmlns:a16="http://schemas.microsoft.com/office/drawing/2014/main" id="{BBBA48D1-98CD-41F8-BC55-051C81201EA6}"/>
               </a:ext>
             </a:extLst>
           </p:cNvPr>
@@ -6127,7 +5613,7 @@
     </p:spTree>
     <p:extLst>
       <p:ext uri="{BB962C8B-B14F-4D97-AF65-F5344CB8AC3E}">
-        <p14:creationId xmlns:p14="http://schemas.microsoft.com/office/powerpoint/2010/main" val="341320950"/>
+        <p14:creationId xmlns:p14="http://schemas.microsoft.com/office/powerpoint/2010/main" val="2742218521"/>
       </p:ext>
     </p:extLst>
   </p:cSld>
@@ -6138,4429 +5624,7 @@
 </p:sldLayout>
 </file>
 
-<file path=ppt/slideLayouts/slideLayout21.xml><?xml version="1.0" encoding="utf-8"?>
-<p:sldLayout xmlns:a="http://schemas.openxmlformats.org/drawingml/2006/main" xmlns:r="http://schemas.openxmlformats.org/officeDocument/2006/relationships" xmlns:p="http://schemas.openxmlformats.org/presentationml/2006/main" type="vertTx" preserve="1">
-  <p:cSld name="Title and Vertical Text">
-    <p:spTree>
-      <p:nvGrpSpPr>
-        <p:cNvPr id="1" name=""/>
-        <p:cNvGrpSpPr/>
-        <p:nvPr/>
-      </p:nvGrpSpPr>
-      <p:grpSpPr>
-        <a:xfrm>
-          <a:off x="0" y="0"/>
-          <a:ext cx="0" cy="0"/>
-          <a:chOff x="0" y="0"/>
-          <a:chExt cx="0" cy="0"/>
-        </a:xfrm>
-      </p:grpSpPr>
-      <p:sp>
-        <p:nvSpPr>
-          <p:cNvPr id="2" name="Title 1">
-            <a:extLst>
-              <a:ext uri="{FF2B5EF4-FFF2-40B4-BE49-F238E27FC236}">
-                <a16:creationId xmlns:a16="http://schemas.microsoft.com/office/drawing/2014/main" id="{4A73F460-0DFC-47AE-B529-FCA49CF40655}"/>
-              </a:ext>
-            </a:extLst>
-          </p:cNvPr>
-          <p:cNvSpPr>
-            <a:spLocks noGrp="1"/>
-          </p:cNvSpPr>
-          <p:nvPr>
-            <p:ph type="title"/>
-          </p:nvPr>
-        </p:nvSpPr>
-        <p:spPr/>
-        <p:txBody>
-          <a:bodyPr/>
-          <a:lstStyle/>
-          <a:p>
-            <a:r>
-              <a:rPr lang="en-US"/>
-              <a:t>Click to edit Master title style</a:t>
-            </a:r>
-            <a:endParaRPr lang="nl-NL"/>
-          </a:p>
-        </p:txBody>
-      </p:sp>
-      <p:sp>
-        <p:nvSpPr>
-          <p:cNvPr id="3" name="Vertical Text Placeholder 2">
-            <a:extLst>
-              <a:ext uri="{FF2B5EF4-FFF2-40B4-BE49-F238E27FC236}">
-                <a16:creationId xmlns:a16="http://schemas.microsoft.com/office/drawing/2014/main" id="{6991FE1E-C65C-4BB7-A7C9-E5EC269B557E}"/>
-              </a:ext>
-            </a:extLst>
-          </p:cNvPr>
-          <p:cNvSpPr>
-            <a:spLocks noGrp="1"/>
-          </p:cNvSpPr>
-          <p:nvPr>
-            <p:ph type="body" orient="vert" idx="1"/>
-          </p:nvPr>
-        </p:nvSpPr>
-        <p:spPr/>
-        <p:txBody>
-          <a:bodyPr vert="eaVert"/>
-          <a:lstStyle/>
-          <a:p>
-            <a:pPr lvl="0"/>
-            <a:r>
-              <a:rPr lang="en-US"/>
-              <a:t>Click to edit Master text styles</a:t>
-            </a:r>
-          </a:p>
-          <a:p>
-            <a:pPr lvl="1"/>
-            <a:r>
-              <a:rPr lang="en-US"/>
-              <a:t>Second level</a:t>
-            </a:r>
-          </a:p>
-          <a:p>
-            <a:pPr lvl="2"/>
-            <a:r>
-              <a:rPr lang="en-US"/>
-              <a:t>Third level</a:t>
-            </a:r>
-          </a:p>
-          <a:p>
-            <a:pPr lvl="3"/>
-            <a:r>
-              <a:rPr lang="en-US"/>
-              <a:t>Fourth level</a:t>
-            </a:r>
-          </a:p>
-          <a:p>
-            <a:pPr lvl="4"/>
-            <a:r>
-              <a:rPr lang="en-US"/>
-              <a:t>Fifth level</a:t>
-            </a:r>
-            <a:endParaRPr lang="nl-NL"/>
-          </a:p>
-        </p:txBody>
-      </p:sp>
-      <p:sp>
-        <p:nvSpPr>
-          <p:cNvPr id="4" name="Date Placeholder 3">
-            <a:extLst>
-              <a:ext uri="{FF2B5EF4-FFF2-40B4-BE49-F238E27FC236}">
-                <a16:creationId xmlns:a16="http://schemas.microsoft.com/office/drawing/2014/main" id="{1FB5A3C2-C87E-4C4E-8457-34DD3F891D4F}"/>
-              </a:ext>
-            </a:extLst>
-          </p:cNvPr>
-          <p:cNvSpPr>
-            <a:spLocks noGrp="1"/>
-          </p:cNvSpPr>
-          <p:nvPr>
-            <p:ph type="dt" sz="half" idx="10"/>
-          </p:nvPr>
-        </p:nvSpPr>
-        <p:spPr/>
-        <p:txBody>
-          <a:bodyPr/>
-          <a:lstStyle/>
-          <a:p>
-            <a:fld id="{62FF22B7-6C5D-4507-B5D1-8DF88DA3E764}" type="datetimeFigureOut">
-              <a:rPr lang="nl-NL" smtClean="0"/>
-              <a:t>28-5-2019</a:t>
-            </a:fld>
-            <a:endParaRPr lang="nl-NL"/>
-          </a:p>
-        </p:txBody>
-      </p:sp>
-      <p:sp>
-        <p:nvSpPr>
-          <p:cNvPr id="5" name="Footer Placeholder 4">
-            <a:extLst>
-              <a:ext uri="{FF2B5EF4-FFF2-40B4-BE49-F238E27FC236}">
-                <a16:creationId xmlns:a16="http://schemas.microsoft.com/office/drawing/2014/main" id="{FE318431-B58A-4F55-A64E-AF774996A48F}"/>
-              </a:ext>
-            </a:extLst>
-          </p:cNvPr>
-          <p:cNvSpPr>
-            <a:spLocks noGrp="1"/>
-          </p:cNvSpPr>
-          <p:nvPr>
-            <p:ph type="ftr" sz="quarter" idx="11"/>
-          </p:nvPr>
-        </p:nvSpPr>
-        <p:spPr/>
-        <p:txBody>
-          <a:bodyPr/>
-          <a:lstStyle/>
-          <a:p>
-            <a:endParaRPr lang="nl-NL"/>
-          </a:p>
-        </p:txBody>
-      </p:sp>
-      <p:sp>
-        <p:nvSpPr>
-          <p:cNvPr id="6" name="Slide Number Placeholder 5">
-            <a:extLst>
-              <a:ext uri="{FF2B5EF4-FFF2-40B4-BE49-F238E27FC236}">
-                <a16:creationId xmlns:a16="http://schemas.microsoft.com/office/drawing/2014/main" id="{DAE5B161-9C4D-4889-AFD0-1C2FABFAF84E}"/>
-              </a:ext>
-            </a:extLst>
-          </p:cNvPr>
-          <p:cNvSpPr>
-            <a:spLocks noGrp="1"/>
-          </p:cNvSpPr>
-          <p:nvPr>
-            <p:ph type="sldNum" sz="quarter" idx="12"/>
-          </p:nvPr>
-        </p:nvSpPr>
-        <p:spPr/>
-        <p:txBody>
-          <a:bodyPr/>
-          <a:lstStyle/>
-          <a:p>
-            <a:pPr marL="0" lvl="0" indent="0" algn="r" rtl="0">
-              <a:spcBef>
-                <a:spcPts val="0"/>
-              </a:spcBef>
-              <a:spcAft>
-                <a:spcPts val="0"/>
-              </a:spcAft>
-              <a:buNone/>
-            </a:pPr>
-            <a:fld id="{00000000-1234-1234-1234-123412341234}" type="slidenum">
-              <a:rPr lang="en" smtClean="0"/>
-              <a:t>‹#›</a:t>
-            </a:fld>
-            <a:endParaRPr lang="en"/>
-          </a:p>
-        </p:txBody>
-      </p:sp>
-    </p:spTree>
-    <p:extLst>
-      <p:ext uri="{BB962C8B-B14F-4D97-AF65-F5344CB8AC3E}">
-        <p14:creationId xmlns:p14="http://schemas.microsoft.com/office/powerpoint/2010/main" val="3010978952"/>
-      </p:ext>
-    </p:extLst>
-  </p:cSld>
-  <p:clrMapOvr>
-    <a:masterClrMapping/>
-  </p:clrMapOvr>
-  <p:hf sldNum="0" hdr="0" ftr="0" dt="0"/>
-</p:sldLayout>
-</file>
-
-<file path=ppt/slideLayouts/slideLayout22.xml><?xml version="1.0" encoding="utf-8"?>
-<p:sldLayout xmlns:a="http://schemas.openxmlformats.org/drawingml/2006/main" xmlns:r="http://schemas.openxmlformats.org/officeDocument/2006/relationships" xmlns:p="http://schemas.openxmlformats.org/presentationml/2006/main" type="vertTitleAndTx" preserve="1">
-  <p:cSld name="Vertical Title and Text">
-    <p:spTree>
-      <p:nvGrpSpPr>
-        <p:cNvPr id="1" name=""/>
-        <p:cNvGrpSpPr/>
-        <p:nvPr/>
-      </p:nvGrpSpPr>
-      <p:grpSpPr>
-        <a:xfrm>
-          <a:off x="0" y="0"/>
-          <a:ext cx="0" cy="0"/>
-          <a:chOff x="0" y="0"/>
-          <a:chExt cx="0" cy="0"/>
-        </a:xfrm>
-      </p:grpSpPr>
-      <p:sp>
-        <p:nvSpPr>
-          <p:cNvPr id="2" name="Vertical Title 1">
-            <a:extLst>
-              <a:ext uri="{FF2B5EF4-FFF2-40B4-BE49-F238E27FC236}">
-                <a16:creationId xmlns:a16="http://schemas.microsoft.com/office/drawing/2014/main" id="{2CF3DE40-28DE-47E1-9EB0-B74B20991E91}"/>
-              </a:ext>
-            </a:extLst>
-          </p:cNvPr>
-          <p:cNvSpPr>
-            <a:spLocks noGrp="1"/>
-          </p:cNvSpPr>
-          <p:nvPr>
-            <p:ph type="title" orient="vert"/>
-          </p:nvPr>
-        </p:nvSpPr>
-        <p:spPr>
-          <a:xfrm>
-            <a:off x="6543675" y="273844"/>
-            <a:ext cx="1971675" cy="4358879"/>
-          </a:xfrm>
-        </p:spPr>
-        <p:txBody>
-          <a:bodyPr vert="eaVert"/>
-          <a:lstStyle/>
-          <a:p>
-            <a:r>
-              <a:rPr lang="en-US"/>
-              <a:t>Click to edit Master title style</a:t>
-            </a:r>
-            <a:endParaRPr lang="nl-NL"/>
-          </a:p>
-        </p:txBody>
-      </p:sp>
-      <p:sp>
-        <p:nvSpPr>
-          <p:cNvPr id="3" name="Vertical Text Placeholder 2">
-            <a:extLst>
-              <a:ext uri="{FF2B5EF4-FFF2-40B4-BE49-F238E27FC236}">
-                <a16:creationId xmlns:a16="http://schemas.microsoft.com/office/drawing/2014/main" id="{AD09CEB4-1C14-4ECB-ADB0-71E53F49642D}"/>
-              </a:ext>
-            </a:extLst>
-          </p:cNvPr>
-          <p:cNvSpPr>
-            <a:spLocks noGrp="1"/>
-          </p:cNvSpPr>
-          <p:nvPr>
-            <p:ph type="body" orient="vert" idx="1"/>
-          </p:nvPr>
-        </p:nvSpPr>
-        <p:spPr>
-          <a:xfrm>
-            <a:off x="628650" y="273844"/>
-            <a:ext cx="5800725" cy="4358879"/>
-          </a:xfrm>
-        </p:spPr>
-        <p:txBody>
-          <a:bodyPr vert="eaVert"/>
-          <a:lstStyle/>
-          <a:p>
-            <a:pPr lvl="0"/>
-            <a:r>
-              <a:rPr lang="en-US"/>
-              <a:t>Click to edit Master text styles</a:t>
-            </a:r>
-          </a:p>
-          <a:p>
-            <a:pPr lvl="1"/>
-            <a:r>
-              <a:rPr lang="en-US"/>
-              <a:t>Second level</a:t>
-            </a:r>
-          </a:p>
-          <a:p>
-            <a:pPr lvl="2"/>
-            <a:r>
-              <a:rPr lang="en-US"/>
-              <a:t>Third level</a:t>
-            </a:r>
-          </a:p>
-          <a:p>
-            <a:pPr lvl="3"/>
-            <a:r>
-              <a:rPr lang="en-US"/>
-              <a:t>Fourth level</a:t>
-            </a:r>
-          </a:p>
-          <a:p>
-            <a:pPr lvl="4"/>
-            <a:r>
-              <a:rPr lang="en-US"/>
-              <a:t>Fifth level</a:t>
-            </a:r>
-            <a:endParaRPr lang="nl-NL"/>
-          </a:p>
-        </p:txBody>
-      </p:sp>
-      <p:sp>
-        <p:nvSpPr>
-          <p:cNvPr id="4" name="Date Placeholder 3">
-            <a:extLst>
-              <a:ext uri="{FF2B5EF4-FFF2-40B4-BE49-F238E27FC236}">
-                <a16:creationId xmlns:a16="http://schemas.microsoft.com/office/drawing/2014/main" id="{E2DE090F-C38F-407F-BA60-E00150C8784D}"/>
-              </a:ext>
-            </a:extLst>
-          </p:cNvPr>
-          <p:cNvSpPr>
-            <a:spLocks noGrp="1"/>
-          </p:cNvSpPr>
-          <p:nvPr>
-            <p:ph type="dt" sz="half" idx="10"/>
-          </p:nvPr>
-        </p:nvSpPr>
-        <p:spPr/>
-        <p:txBody>
-          <a:bodyPr/>
-          <a:lstStyle/>
-          <a:p>
-            <a:fld id="{62FF22B7-6C5D-4507-B5D1-8DF88DA3E764}" type="datetimeFigureOut">
-              <a:rPr lang="nl-NL" smtClean="0"/>
-              <a:t>28-5-2019</a:t>
-            </a:fld>
-            <a:endParaRPr lang="nl-NL"/>
-          </a:p>
-        </p:txBody>
-      </p:sp>
-      <p:sp>
-        <p:nvSpPr>
-          <p:cNvPr id="5" name="Footer Placeholder 4">
-            <a:extLst>
-              <a:ext uri="{FF2B5EF4-FFF2-40B4-BE49-F238E27FC236}">
-                <a16:creationId xmlns:a16="http://schemas.microsoft.com/office/drawing/2014/main" id="{B7CBA331-1754-43A0-84E8-3F378BD4DD14}"/>
-              </a:ext>
-            </a:extLst>
-          </p:cNvPr>
-          <p:cNvSpPr>
-            <a:spLocks noGrp="1"/>
-          </p:cNvSpPr>
-          <p:nvPr>
-            <p:ph type="ftr" sz="quarter" idx="11"/>
-          </p:nvPr>
-        </p:nvSpPr>
-        <p:spPr/>
-        <p:txBody>
-          <a:bodyPr/>
-          <a:lstStyle/>
-          <a:p>
-            <a:endParaRPr lang="nl-NL"/>
-          </a:p>
-        </p:txBody>
-      </p:sp>
-      <p:sp>
-        <p:nvSpPr>
-          <p:cNvPr id="6" name="Slide Number Placeholder 5">
-            <a:extLst>
-              <a:ext uri="{FF2B5EF4-FFF2-40B4-BE49-F238E27FC236}">
-                <a16:creationId xmlns:a16="http://schemas.microsoft.com/office/drawing/2014/main" id="{C82E380D-AE41-477B-8895-549D65333160}"/>
-              </a:ext>
-            </a:extLst>
-          </p:cNvPr>
-          <p:cNvSpPr>
-            <a:spLocks noGrp="1"/>
-          </p:cNvSpPr>
-          <p:nvPr>
-            <p:ph type="sldNum" sz="quarter" idx="12"/>
-          </p:nvPr>
-        </p:nvSpPr>
-        <p:spPr/>
-        <p:txBody>
-          <a:bodyPr/>
-          <a:lstStyle/>
-          <a:p>
-            <a:pPr marL="0" lvl="0" indent="0" algn="r" rtl="0">
-              <a:spcBef>
-                <a:spcPts val="0"/>
-              </a:spcBef>
-              <a:spcAft>
-                <a:spcPts val="0"/>
-              </a:spcAft>
-              <a:buNone/>
-            </a:pPr>
-            <a:fld id="{00000000-1234-1234-1234-123412341234}" type="slidenum">
-              <a:rPr lang="en" smtClean="0"/>
-              <a:t>‹#›</a:t>
-            </a:fld>
-            <a:endParaRPr lang="en"/>
-          </a:p>
-        </p:txBody>
-      </p:sp>
-    </p:spTree>
-    <p:extLst>
-      <p:ext uri="{BB962C8B-B14F-4D97-AF65-F5344CB8AC3E}">
-        <p14:creationId xmlns:p14="http://schemas.microsoft.com/office/powerpoint/2010/main" val="1339960380"/>
-      </p:ext>
-    </p:extLst>
-  </p:cSld>
-  <p:clrMapOvr>
-    <a:masterClrMapping/>
-  </p:clrMapOvr>
-  <p:hf sldNum="0" hdr="0" ftr="0" dt="0"/>
-</p:sldLayout>
-</file>
-
-<file path=ppt/slideLayouts/slideLayout23.xml><?xml version="1.0" encoding="utf-8"?>
-<p:sldLayout xmlns:a="http://schemas.openxmlformats.org/drawingml/2006/main" xmlns:r="http://schemas.openxmlformats.org/officeDocument/2006/relationships" xmlns:p="http://schemas.openxmlformats.org/presentationml/2006/main" matchingName="Title and body" type="tx">
-  <p:cSld name="Title and body">
-    <p:spTree>
-      <p:nvGrpSpPr>
-        <p:cNvPr id="1" name="Shape 66"/>
-        <p:cNvGrpSpPr/>
-        <p:nvPr/>
-      </p:nvGrpSpPr>
-      <p:grpSpPr>
-        <a:xfrm>
-          <a:off x="0" y="0"/>
-          <a:ext cx="0" cy="0"/>
-          <a:chOff x="0" y="0"/>
-          <a:chExt cx="0" cy="0"/>
-        </a:xfrm>
-      </p:grpSpPr>
-      <p:sp>
-        <p:nvSpPr>
-          <p:cNvPr id="70" name="Google Shape;70;p16"/>
-          <p:cNvSpPr txBox="1">
-            <a:spLocks noGrp="1"/>
-          </p:cNvSpPr>
-          <p:nvPr>
-            <p:ph type="title"/>
-          </p:nvPr>
-        </p:nvSpPr>
-        <p:spPr>
-          <a:xfrm>
-            <a:off x="2400250" y="575950"/>
-            <a:ext cx="6321600" cy="635400"/>
-          </a:xfrm>
-          <a:prstGeom prst="rect">
-            <a:avLst/>
-          </a:prstGeom>
-        </p:spPr>
-        <p:txBody>
-          <a:bodyPr spcFirstLastPara="1" wrap="square" lIns="91425" tIns="91425" rIns="91425" bIns="91425" anchor="t" anchorCtr="0"/>
-          <a:lstStyle>
-            <a:lvl1pPr lvl="0" rtl="0">
-              <a:spcBef>
-                <a:spcPts val="0"/>
-              </a:spcBef>
-              <a:spcAft>
-                <a:spcPts val="0"/>
-              </a:spcAft>
-              <a:buSzPts val="3000"/>
-              <a:buNone/>
-              <a:defRPr/>
-            </a:lvl1pPr>
-            <a:lvl2pPr lvl="1" rtl="0">
-              <a:spcBef>
-                <a:spcPts val="0"/>
-              </a:spcBef>
-              <a:spcAft>
-                <a:spcPts val="0"/>
-              </a:spcAft>
-              <a:buSzPts val="3000"/>
-              <a:buNone/>
-              <a:defRPr/>
-            </a:lvl2pPr>
-            <a:lvl3pPr lvl="2" rtl="0">
-              <a:spcBef>
-                <a:spcPts val="0"/>
-              </a:spcBef>
-              <a:spcAft>
-                <a:spcPts val="0"/>
-              </a:spcAft>
-              <a:buSzPts val="3000"/>
-              <a:buNone/>
-              <a:defRPr/>
-            </a:lvl3pPr>
-            <a:lvl4pPr lvl="3" rtl="0">
-              <a:spcBef>
-                <a:spcPts val="0"/>
-              </a:spcBef>
-              <a:spcAft>
-                <a:spcPts val="0"/>
-              </a:spcAft>
-              <a:buSzPts val="3000"/>
-              <a:buNone/>
-              <a:defRPr/>
-            </a:lvl4pPr>
-            <a:lvl5pPr lvl="4" rtl="0">
-              <a:spcBef>
-                <a:spcPts val="0"/>
-              </a:spcBef>
-              <a:spcAft>
-                <a:spcPts val="0"/>
-              </a:spcAft>
-              <a:buSzPts val="3000"/>
-              <a:buNone/>
-              <a:defRPr/>
-            </a:lvl5pPr>
-            <a:lvl6pPr lvl="5" rtl="0">
-              <a:spcBef>
-                <a:spcPts val="0"/>
-              </a:spcBef>
-              <a:spcAft>
-                <a:spcPts val="0"/>
-              </a:spcAft>
-              <a:buSzPts val="3000"/>
-              <a:buNone/>
-              <a:defRPr/>
-            </a:lvl6pPr>
-            <a:lvl7pPr lvl="6" rtl="0">
-              <a:spcBef>
-                <a:spcPts val="0"/>
-              </a:spcBef>
-              <a:spcAft>
-                <a:spcPts val="0"/>
-              </a:spcAft>
-              <a:buSzPts val="3000"/>
-              <a:buNone/>
-              <a:defRPr/>
-            </a:lvl7pPr>
-            <a:lvl8pPr lvl="7" rtl="0">
-              <a:spcBef>
-                <a:spcPts val="0"/>
-              </a:spcBef>
-              <a:spcAft>
-                <a:spcPts val="0"/>
-              </a:spcAft>
-              <a:buSzPts val="3000"/>
-              <a:buNone/>
-              <a:defRPr/>
-            </a:lvl8pPr>
-            <a:lvl9pPr lvl="8" rtl="0">
-              <a:spcBef>
-                <a:spcPts val="0"/>
-              </a:spcBef>
-              <a:spcAft>
-                <a:spcPts val="0"/>
-              </a:spcAft>
-              <a:buSzPts val="3000"/>
-              <a:buNone/>
-              <a:defRPr/>
-            </a:lvl9pPr>
-          </a:lstStyle>
-          <a:p>
-            <a:endParaRPr/>
-          </a:p>
-        </p:txBody>
-      </p:sp>
-      <p:sp>
-        <p:nvSpPr>
-          <p:cNvPr id="71" name="Google Shape;71;p16"/>
-          <p:cNvSpPr txBox="1">
-            <a:spLocks noGrp="1"/>
-          </p:cNvSpPr>
-          <p:nvPr>
-            <p:ph type="body" idx="1"/>
-          </p:nvPr>
-        </p:nvSpPr>
-        <p:spPr>
-          <a:xfrm>
-            <a:off x="2410112" y="1595776"/>
-            <a:ext cx="6321600" cy="3002400"/>
-          </a:xfrm>
-          <a:prstGeom prst="rect">
-            <a:avLst/>
-          </a:prstGeom>
-        </p:spPr>
-        <p:txBody>
-          <a:bodyPr spcFirstLastPara="1" wrap="square" lIns="91425" tIns="91425" rIns="91425" bIns="91425" anchor="t" anchorCtr="0"/>
-          <a:lstStyle>
-            <a:lvl1pPr marL="457200" lvl="0" indent="-342900" rtl="0">
-              <a:spcBef>
-                <a:spcPts val="0"/>
-              </a:spcBef>
-              <a:spcAft>
-                <a:spcPts val="0"/>
-              </a:spcAft>
-              <a:buSzPts val="1800"/>
-              <a:buChar char="●"/>
-              <a:defRPr/>
-            </a:lvl1pPr>
-            <a:lvl2pPr marL="914400" lvl="1" indent="-317500" rtl="0">
-              <a:spcBef>
-                <a:spcPts val="1600"/>
-              </a:spcBef>
-              <a:spcAft>
-                <a:spcPts val="0"/>
-              </a:spcAft>
-              <a:buSzPts val="1400"/>
-              <a:buChar char="○"/>
-              <a:defRPr/>
-            </a:lvl2pPr>
-            <a:lvl3pPr marL="1371600" lvl="2" indent="-317500" rtl="0">
-              <a:spcBef>
-                <a:spcPts val="1600"/>
-              </a:spcBef>
-              <a:spcAft>
-                <a:spcPts val="0"/>
-              </a:spcAft>
-              <a:buSzPts val="1400"/>
-              <a:buChar char="■"/>
-              <a:defRPr/>
-            </a:lvl3pPr>
-            <a:lvl4pPr marL="1828800" lvl="3" indent="-317500" rtl="0">
-              <a:spcBef>
-                <a:spcPts val="1600"/>
-              </a:spcBef>
-              <a:spcAft>
-                <a:spcPts val="0"/>
-              </a:spcAft>
-              <a:buSzPts val="1400"/>
-              <a:buChar char="●"/>
-              <a:defRPr/>
-            </a:lvl4pPr>
-            <a:lvl5pPr marL="2286000" lvl="4" indent="-317500" rtl="0">
-              <a:spcBef>
-                <a:spcPts val="1600"/>
-              </a:spcBef>
-              <a:spcAft>
-                <a:spcPts val="0"/>
-              </a:spcAft>
-              <a:buSzPts val="1400"/>
-              <a:buChar char="○"/>
-              <a:defRPr/>
-            </a:lvl5pPr>
-            <a:lvl6pPr marL="2743200" lvl="5" indent="-317500" rtl="0">
-              <a:spcBef>
-                <a:spcPts val="1600"/>
-              </a:spcBef>
-              <a:spcAft>
-                <a:spcPts val="0"/>
-              </a:spcAft>
-              <a:buSzPts val="1400"/>
-              <a:buChar char="■"/>
-              <a:defRPr/>
-            </a:lvl6pPr>
-            <a:lvl7pPr marL="3200400" lvl="6" indent="-317500" rtl="0">
-              <a:spcBef>
-                <a:spcPts val="1600"/>
-              </a:spcBef>
-              <a:spcAft>
-                <a:spcPts val="0"/>
-              </a:spcAft>
-              <a:buSzPts val="1400"/>
-              <a:buChar char="●"/>
-              <a:defRPr/>
-            </a:lvl7pPr>
-            <a:lvl8pPr marL="3657600" lvl="7" indent="-317500" rtl="0">
-              <a:spcBef>
-                <a:spcPts val="1600"/>
-              </a:spcBef>
-              <a:spcAft>
-                <a:spcPts val="0"/>
-              </a:spcAft>
-              <a:buSzPts val="1400"/>
-              <a:buChar char="○"/>
-              <a:defRPr/>
-            </a:lvl8pPr>
-            <a:lvl9pPr marL="4114800" lvl="8" indent="-317500" rtl="0">
-              <a:spcBef>
-                <a:spcPts val="1600"/>
-              </a:spcBef>
-              <a:spcAft>
-                <a:spcPts val="1600"/>
-              </a:spcAft>
-              <a:buSzPts val="1400"/>
-              <a:buChar char="■"/>
-              <a:defRPr/>
-            </a:lvl9pPr>
-          </a:lstStyle>
-          <a:p>
-            <a:endParaRPr/>
-          </a:p>
-        </p:txBody>
-      </p:sp>
-      <p:sp>
-        <p:nvSpPr>
-          <p:cNvPr id="72" name="Google Shape;72;p16"/>
-          <p:cNvSpPr txBox="1">
-            <a:spLocks noGrp="1"/>
-          </p:cNvSpPr>
-          <p:nvPr>
-            <p:ph type="sldNum" idx="12"/>
-          </p:nvPr>
-        </p:nvSpPr>
-        <p:spPr>
-          <a:xfrm>
-            <a:off x="8497999" y="4688759"/>
-            <a:ext cx="548700" cy="393600"/>
-          </a:xfrm>
-          <a:prstGeom prst="rect">
-            <a:avLst/>
-          </a:prstGeom>
-        </p:spPr>
-        <p:txBody>
-          <a:bodyPr spcFirstLastPara="1" wrap="square" lIns="91425" tIns="91425" rIns="91425" bIns="91425" anchor="ctr" anchorCtr="0">
-            <a:noAutofit/>
-          </a:bodyPr>
-          <a:lstStyle>
-            <a:lvl1pPr lvl="0" rtl="0">
-              <a:buNone/>
-              <a:defRPr/>
-            </a:lvl1pPr>
-            <a:lvl2pPr lvl="1" rtl="0">
-              <a:buNone/>
-              <a:defRPr/>
-            </a:lvl2pPr>
-            <a:lvl3pPr lvl="2" rtl="0">
-              <a:buNone/>
-              <a:defRPr/>
-            </a:lvl3pPr>
-            <a:lvl4pPr lvl="3" rtl="0">
-              <a:buNone/>
-              <a:defRPr/>
-            </a:lvl4pPr>
-            <a:lvl5pPr lvl="4" rtl="0">
-              <a:buNone/>
-              <a:defRPr/>
-            </a:lvl5pPr>
-            <a:lvl6pPr lvl="5" rtl="0">
-              <a:buNone/>
-              <a:defRPr/>
-            </a:lvl6pPr>
-            <a:lvl7pPr lvl="6" rtl="0">
-              <a:buNone/>
-              <a:defRPr/>
-            </a:lvl7pPr>
-            <a:lvl8pPr lvl="7" rtl="0">
-              <a:buNone/>
-              <a:defRPr/>
-            </a:lvl8pPr>
-            <a:lvl9pPr lvl="8" rtl="0">
-              <a:buNone/>
-              <a:defRPr/>
-            </a:lvl9pPr>
-          </a:lstStyle>
-          <a:p>
-            <a:pPr marL="0" lvl="0" indent="0" algn="r" rtl="0">
-              <a:spcBef>
-                <a:spcPts val="0"/>
-              </a:spcBef>
-              <a:spcAft>
-                <a:spcPts val="0"/>
-              </a:spcAft>
-              <a:buNone/>
-            </a:pPr>
-            <a:fld id="{00000000-1234-1234-1234-123412341234}" type="slidenum">
-              <a:rPr lang="en"/>
-              <a:t>‹#›</a:t>
-            </a:fld>
-            <a:endParaRPr/>
-          </a:p>
-        </p:txBody>
-      </p:sp>
-    </p:spTree>
-    <p:extLst>
-      <p:ext uri="{BB962C8B-B14F-4D97-AF65-F5344CB8AC3E}">
-        <p14:creationId xmlns:p14="http://schemas.microsoft.com/office/powerpoint/2010/main" val="1756999755"/>
-      </p:ext>
-    </p:extLst>
-  </p:cSld>
-  <p:clrMapOvr>
-    <a:masterClrMapping/>
-  </p:clrMapOvr>
-</p:sldLayout>
-</file>
-
-<file path=ppt/slideLayouts/slideLayout3.xml><?xml version="1.0" encoding="utf-8"?>
-<p:sldLayout xmlns:a="http://schemas.openxmlformats.org/drawingml/2006/main" xmlns:r="http://schemas.openxmlformats.org/officeDocument/2006/relationships" xmlns:p="http://schemas.openxmlformats.org/presentationml/2006/main" matchingName="Title and body" type="tx">
-  <p:cSld name="TITLE_AND_BODY">
-    <p:spTree>
-      <p:nvGrpSpPr>
-        <p:cNvPr id="1" name="Shape 16"/>
-        <p:cNvGrpSpPr/>
-        <p:nvPr/>
-      </p:nvGrpSpPr>
-      <p:grpSpPr>
-        <a:xfrm>
-          <a:off x="0" y="0"/>
-          <a:ext cx="0" cy="0"/>
-          <a:chOff x="0" y="0"/>
-          <a:chExt cx="0" cy="0"/>
-        </a:xfrm>
-      </p:grpSpPr>
-      <p:sp>
-        <p:nvSpPr>
-          <p:cNvPr id="17" name="Google Shape;17;p4"/>
-          <p:cNvSpPr txBox="1">
-            <a:spLocks noGrp="1"/>
-          </p:cNvSpPr>
-          <p:nvPr>
-            <p:ph type="title"/>
-          </p:nvPr>
-        </p:nvSpPr>
-        <p:spPr>
-          <a:xfrm>
-            <a:off x="311700" y="445025"/>
-            <a:ext cx="8520600" cy="572700"/>
-          </a:xfrm>
-          <a:prstGeom prst="rect">
-            <a:avLst/>
-          </a:prstGeom>
-        </p:spPr>
-        <p:txBody>
-          <a:bodyPr spcFirstLastPara="1" wrap="square" lIns="91425" tIns="91425" rIns="91425" bIns="91425" anchor="t" anchorCtr="0"/>
-          <a:lstStyle>
-            <a:lvl1pPr lvl="0">
-              <a:spcBef>
-                <a:spcPts val="0"/>
-              </a:spcBef>
-              <a:spcAft>
-                <a:spcPts val="0"/>
-              </a:spcAft>
-              <a:buSzPts val="2800"/>
-              <a:buNone/>
-              <a:defRPr/>
-            </a:lvl1pPr>
-            <a:lvl2pPr lvl="1">
-              <a:spcBef>
-                <a:spcPts val="0"/>
-              </a:spcBef>
-              <a:spcAft>
-                <a:spcPts val="0"/>
-              </a:spcAft>
-              <a:buSzPts val="2800"/>
-              <a:buNone/>
-              <a:defRPr/>
-            </a:lvl2pPr>
-            <a:lvl3pPr lvl="2">
-              <a:spcBef>
-                <a:spcPts val="0"/>
-              </a:spcBef>
-              <a:spcAft>
-                <a:spcPts val="0"/>
-              </a:spcAft>
-              <a:buSzPts val="2800"/>
-              <a:buNone/>
-              <a:defRPr/>
-            </a:lvl3pPr>
-            <a:lvl4pPr lvl="3">
-              <a:spcBef>
-                <a:spcPts val="0"/>
-              </a:spcBef>
-              <a:spcAft>
-                <a:spcPts val="0"/>
-              </a:spcAft>
-              <a:buSzPts val="2800"/>
-              <a:buNone/>
-              <a:defRPr/>
-            </a:lvl4pPr>
-            <a:lvl5pPr lvl="4">
-              <a:spcBef>
-                <a:spcPts val="0"/>
-              </a:spcBef>
-              <a:spcAft>
-                <a:spcPts val="0"/>
-              </a:spcAft>
-              <a:buSzPts val="2800"/>
-              <a:buNone/>
-              <a:defRPr/>
-            </a:lvl5pPr>
-            <a:lvl6pPr lvl="5">
-              <a:spcBef>
-                <a:spcPts val="0"/>
-              </a:spcBef>
-              <a:spcAft>
-                <a:spcPts val="0"/>
-              </a:spcAft>
-              <a:buSzPts val="2800"/>
-              <a:buNone/>
-              <a:defRPr/>
-            </a:lvl6pPr>
-            <a:lvl7pPr lvl="6">
-              <a:spcBef>
-                <a:spcPts val="0"/>
-              </a:spcBef>
-              <a:spcAft>
-                <a:spcPts val="0"/>
-              </a:spcAft>
-              <a:buSzPts val="2800"/>
-              <a:buNone/>
-              <a:defRPr/>
-            </a:lvl7pPr>
-            <a:lvl8pPr lvl="7">
-              <a:spcBef>
-                <a:spcPts val="0"/>
-              </a:spcBef>
-              <a:spcAft>
-                <a:spcPts val="0"/>
-              </a:spcAft>
-              <a:buSzPts val="2800"/>
-              <a:buNone/>
-              <a:defRPr/>
-            </a:lvl8pPr>
-            <a:lvl9pPr lvl="8">
-              <a:spcBef>
-                <a:spcPts val="0"/>
-              </a:spcBef>
-              <a:spcAft>
-                <a:spcPts val="0"/>
-              </a:spcAft>
-              <a:buSzPts val="2800"/>
-              <a:buNone/>
-              <a:defRPr/>
-            </a:lvl9pPr>
-          </a:lstStyle>
-          <a:p>
-            <a:endParaRPr/>
-          </a:p>
-        </p:txBody>
-      </p:sp>
-      <p:sp>
-        <p:nvSpPr>
-          <p:cNvPr id="18" name="Google Shape;18;p4"/>
-          <p:cNvSpPr txBox="1">
-            <a:spLocks noGrp="1"/>
-          </p:cNvSpPr>
-          <p:nvPr>
-            <p:ph type="body" idx="1"/>
-          </p:nvPr>
-        </p:nvSpPr>
-        <p:spPr>
-          <a:xfrm>
-            <a:off x="311700" y="1152475"/>
-            <a:ext cx="8520600" cy="3416400"/>
-          </a:xfrm>
-          <a:prstGeom prst="rect">
-            <a:avLst/>
-          </a:prstGeom>
-        </p:spPr>
-        <p:txBody>
-          <a:bodyPr spcFirstLastPara="1" wrap="square" lIns="91425" tIns="91425" rIns="91425" bIns="91425" anchor="t" anchorCtr="0"/>
-          <a:lstStyle>
-            <a:lvl1pPr marL="457200" lvl="0" indent="-342900">
-              <a:spcBef>
-                <a:spcPts val="0"/>
-              </a:spcBef>
-              <a:spcAft>
-                <a:spcPts val="0"/>
-              </a:spcAft>
-              <a:buSzPts val="1800"/>
-              <a:buChar char="●"/>
-              <a:defRPr/>
-            </a:lvl1pPr>
-            <a:lvl2pPr marL="914400" lvl="1" indent="-317500">
-              <a:spcBef>
-                <a:spcPts val="1600"/>
-              </a:spcBef>
-              <a:spcAft>
-                <a:spcPts val="0"/>
-              </a:spcAft>
-              <a:buSzPts val="1400"/>
-              <a:buChar char="○"/>
-              <a:defRPr/>
-            </a:lvl2pPr>
-            <a:lvl3pPr marL="1371600" lvl="2" indent="-317500">
-              <a:spcBef>
-                <a:spcPts val="1600"/>
-              </a:spcBef>
-              <a:spcAft>
-                <a:spcPts val="0"/>
-              </a:spcAft>
-              <a:buSzPts val="1400"/>
-              <a:buChar char="■"/>
-              <a:defRPr/>
-            </a:lvl3pPr>
-            <a:lvl4pPr marL="1828800" lvl="3" indent="-317500">
-              <a:spcBef>
-                <a:spcPts val="1600"/>
-              </a:spcBef>
-              <a:spcAft>
-                <a:spcPts val="0"/>
-              </a:spcAft>
-              <a:buSzPts val="1400"/>
-              <a:buChar char="●"/>
-              <a:defRPr/>
-            </a:lvl4pPr>
-            <a:lvl5pPr marL="2286000" lvl="4" indent="-317500">
-              <a:spcBef>
-                <a:spcPts val="1600"/>
-              </a:spcBef>
-              <a:spcAft>
-                <a:spcPts val="0"/>
-              </a:spcAft>
-              <a:buSzPts val="1400"/>
-              <a:buChar char="○"/>
-              <a:defRPr/>
-            </a:lvl5pPr>
-            <a:lvl6pPr marL="2743200" lvl="5" indent="-317500">
-              <a:spcBef>
-                <a:spcPts val="1600"/>
-              </a:spcBef>
-              <a:spcAft>
-                <a:spcPts val="0"/>
-              </a:spcAft>
-              <a:buSzPts val="1400"/>
-              <a:buChar char="■"/>
-              <a:defRPr/>
-            </a:lvl6pPr>
-            <a:lvl7pPr marL="3200400" lvl="6" indent="-317500">
-              <a:spcBef>
-                <a:spcPts val="1600"/>
-              </a:spcBef>
-              <a:spcAft>
-                <a:spcPts val="0"/>
-              </a:spcAft>
-              <a:buSzPts val="1400"/>
-              <a:buChar char="●"/>
-              <a:defRPr/>
-            </a:lvl7pPr>
-            <a:lvl8pPr marL="3657600" lvl="7" indent="-317500">
-              <a:spcBef>
-                <a:spcPts val="1600"/>
-              </a:spcBef>
-              <a:spcAft>
-                <a:spcPts val="0"/>
-              </a:spcAft>
-              <a:buSzPts val="1400"/>
-              <a:buChar char="○"/>
-              <a:defRPr/>
-            </a:lvl8pPr>
-            <a:lvl9pPr marL="4114800" lvl="8" indent="-317500">
-              <a:spcBef>
-                <a:spcPts val="1600"/>
-              </a:spcBef>
-              <a:spcAft>
-                <a:spcPts val="1600"/>
-              </a:spcAft>
-              <a:buSzPts val="1400"/>
-              <a:buChar char="■"/>
-              <a:defRPr/>
-            </a:lvl9pPr>
-          </a:lstStyle>
-          <a:p>
-            <a:endParaRPr/>
-          </a:p>
-        </p:txBody>
-      </p:sp>
-      <p:sp>
-        <p:nvSpPr>
-          <p:cNvPr id="19" name="Google Shape;19;p4"/>
-          <p:cNvSpPr txBox="1">
-            <a:spLocks noGrp="1"/>
-          </p:cNvSpPr>
-          <p:nvPr>
-            <p:ph type="sldNum" idx="12"/>
-          </p:nvPr>
-        </p:nvSpPr>
-        <p:spPr>
-          <a:xfrm>
-            <a:off x="8472458" y="4663217"/>
-            <a:ext cx="548700" cy="393600"/>
-          </a:xfrm>
-          <a:prstGeom prst="rect">
-            <a:avLst/>
-          </a:prstGeom>
-        </p:spPr>
-        <p:txBody>
-          <a:bodyPr spcFirstLastPara="1" wrap="square" lIns="91425" tIns="91425" rIns="91425" bIns="91425" anchor="ctr" anchorCtr="0">
-            <a:noAutofit/>
-          </a:bodyPr>
-          <a:lstStyle>
-            <a:lvl1pPr lvl="0">
-              <a:buNone/>
-              <a:defRPr/>
-            </a:lvl1pPr>
-            <a:lvl2pPr lvl="1">
-              <a:buNone/>
-              <a:defRPr/>
-            </a:lvl2pPr>
-            <a:lvl3pPr lvl="2">
-              <a:buNone/>
-              <a:defRPr/>
-            </a:lvl3pPr>
-            <a:lvl4pPr lvl="3">
-              <a:buNone/>
-              <a:defRPr/>
-            </a:lvl4pPr>
-            <a:lvl5pPr lvl="4">
-              <a:buNone/>
-              <a:defRPr/>
-            </a:lvl5pPr>
-            <a:lvl6pPr lvl="5">
-              <a:buNone/>
-              <a:defRPr/>
-            </a:lvl6pPr>
-            <a:lvl7pPr lvl="6">
-              <a:buNone/>
-              <a:defRPr/>
-            </a:lvl7pPr>
-            <a:lvl8pPr lvl="7">
-              <a:buNone/>
-              <a:defRPr/>
-            </a:lvl8pPr>
-            <a:lvl9pPr lvl="8">
-              <a:buNone/>
-              <a:defRPr/>
-            </a:lvl9pPr>
-          </a:lstStyle>
-          <a:p>
-            <a:pPr marL="0" lvl="0" indent="0" algn="r" rtl="0">
-              <a:spcBef>
-                <a:spcPts val="0"/>
-              </a:spcBef>
-              <a:spcAft>
-                <a:spcPts val="0"/>
-              </a:spcAft>
-              <a:buNone/>
-            </a:pPr>
-            <a:fld id="{00000000-1234-1234-1234-123412341234}" type="slidenum">
-              <a:rPr lang="en"/>
-              <a:t>‹#›</a:t>
-            </a:fld>
-            <a:endParaRPr/>
-          </a:p>
-        </p:txBody>
-      </p:sp>
-    </p:spTree>
-  </p:cSld>
-  <p:clrMapOvr>
-    <a:masterClrMapping/>
-  </p:clrMapOvr>
-</p:sldLayout>
-</file>
-
-<file path=ppt/slideLayouts/slideLayout4.xml><?xml version="1.0" encoding="utf-8"?>
-<p:sldLayout xmlns:a="http://schemas.openxmlformats.org/drawingml/2006/main" xmlns:r="http://schemas.openxmlformats.org/officeDocument/2006/relationships" xmlns:p="http://schemas.openxmlformats.org/presentationml/2006/main" matchingName="Title and two columns" type="twoColTx">
-  <p:cSld name="TITLE_AND_TWO_COLUMNS">
-    <p:spTree>
-      <p:nvGrpSpPr>
-        <p:cNvPr id="1" name="Shape 20"/>
-        <p:cNvGrpSpPr/>
-        <p:nvPr/>
-      </p:nvGrpSpPr>
-      <p:grpSpPr>
-        <a:xfrm>
-          <a:off x="0" y="0"/>
-          <a:ext cx="0" cy="0"/>
-          <a:chOff x="0" y="0"/>
-          <a:chExt cx="0" cy="0"/>
-        </a:xfrm>
-      </p:grpSpPr>
-      <p:sp>
-        <p:nvSpPr>
-          <p:cNvPr id="21" name="Google Shape;21;p5"/>
-          <p:cNvSpPr txBox="1">
-            <a:spLocks noGrp="1"/>
-          </p:cNvSpPr>
-          <p:nvPr>
-            <p:ph type="title"/>
-          </p:nvPr>
-        </p:nvSpPr>
-        <p:spPr>
-          <a:xfrm>
-            <a:off x="311700" y="445025"/>
-            <a:ext cx="8520600" cy="572700"/>
-          </a:xfrm>
-          <a:prstGeom prst="rect">
-            <a:avLst/>
-          </a:prstGeom>
-        </p:spPr>
-        <p:txBody>
-          <a:bodyPr spcFirstLastPara="1" wrap="square" lIns="91425" tIns="91425" rIns="91425" bIns="91425" anchor="t" anchorCtr="0"/>
-          <a:lstStyle>
-            <a:lvl1pPr lvl="0">
-              <a:spcBef>
-                <a:spcPts val="0"/>
-              </a:spcBef>
-              <a:spcAft>
-                <a:spcPts val="0"/>
-              </a:spcAft>
-              <a:buSzPts val="2800"/>
-              <a:buNone/>
-              <a:defRPr/>
-            </a:lvl1pPr>
-            <a:lvl2pPr lvl="1">
-              <a:spcBef>
-                <a:spcPts val="0"/>
-              </a:spcBef>
-              <a:spcAft>
-                <a:spcPts val="0"/>
-              </a:spcAft>
-              <a:buSzPts val="2800"/>
-              <a:buNone/>
-              <a:defRPr/>
-            </a:lvl2pPr>
-            <a:lvl3pPr lvl="2">
-              <a:spcBef>
-                <a:spcPts val="0"/>
-              </a:spcBef>
-              <a:spcAft>
-                <a:spcPts val="0"/>
-              </a:spcAft>
-              <a:buSzPts val="2800"/>
-              <a:buNone/>
-              <a:defRPr/>
-            </a:lvl3pPr>
-            <a:lvl4pPr lvl="3">
-              <a:spcBef>
-                <a:spcPts val="0"/>
-              </a:spcBef>
-              <a:spcAft>
-                <a:spcPts val="0"/>
-              </a:spcAft>
-              <a:buSzPts val="2800"/>
-              <a:buNone/>
-              <a:defRPr/>
-            </a:lvl4pPr>
-            <a:lvl5pPr lvl="4">
-              <a:spcBef>
-                <a:spcPts val="0"/>
-              </a:spcBef>
-              <a:spcAft>
-                <a:spcPts val="0"/>
-              </a:spcAft>
-              <a:buSzPts val="2800"/>
-              <a:buNone/>
-              <a:defRPr/>
-            </a:lvl5pPr>
-            <a:lvl6pPr lvl="5">
-              <a:spcBef>
-                <a:spcPts val="0"/>
-              </a:spcBef>
-              <a:spcAft>
-                <a:spcPts val="0"/>
-              </a:spcAft>
-              <a:buSzPts val="2800"/>
-              <a:buNone/>
-              <a:defRPr/>
-            </a:lvl6pPr>
-            <a:lvl7pPr lvl="6">
-              <a:spcBef>
-                <a:spcPts val="0"/>
-              </a:spcBef>
-              <a:spcAft>
-                <a:spcPts val="0"/>
-              </a:spcAft>
-              <a:buSzPts val="2800"/>
-              <a:buNone/>
-              <a:defRPr/>
-            </a:lvl7pPr>
-            <a:lvl8pPr lvl="7">
-              <a:spcBef>
-                <a:spcPts val="0"/>
-              </a:spcBef>
-              <a:spcAft>
-                <a:spcPts val="0"/>
-              </a:spcAft>
-              <a:buSzPts val="2800"/>
-              <a:buNone/>
-              <a:defRPr/>
-            </a:lvl8pPr>
-            <a:lvl9pPr lvl="8">
-              <a:spcBef>
-                <a:spcPts val="0"/>
-              </a:spcBef>
-              <a:spcAft>
-                <a:spcPts val="0"/>
-              </a:spcAft>
-              <a:buSzPts val="2800"/>
-              <a:buNone/>
-              <a:defRPr/>
-            </a:lvl9pPr>
-          </a:lstStyle>
-          <a:p>
-            <a:endParaRPr/>
-          </a:p>
-        </p:txBody>
-      </p:sp>
-      <p:sp>
-        <p:nvSpPr>
-          <p:cNvPr id="22" name="Google Shape;22;p5"/>
-          <p:cNvSpPr txBox="1">
-            <a:spLocks noGrp="1"/>
-          </p:cNvSpPr>
-          <p:nvPr>
-            <p:ph type="body" idx="1"/>
-          </p:nvPr>
-        </p:nvSpPr>
-        <p:spPr>
-          <a:xfrm>
-            <a:off x="311700" y="1152475"/>
-            <a:ext cx="3999900" cy="3416400"/>
-          </a:xfrm>
-          <a:prstGeom prst="rect">
-            <a:avLst/>
-          </a:prstGeom>
-        </p:spPr>
-        <p:txBody>
-          <a:bodyPr spcFirstLastPara="1" wrap="square" lIns="91425" tIns="91425" rIns="91425" bIns="91425" anchor="t" anchorCtr="0"/>
-          <a:lstStyle>
-            <a:lvl1pPr marL="457200" lvl="0" indent="-317500">
-              <a:spcBef>
-                <a:spcPts val="0"/>
-              </a:spcBef>
-              <a:spcAft>
-                <a:spcPts val="0"/>
-              </a:spcAft>
-              <a:buSzPts val="1400"/>
-              <a:buChar char="●"/>
-              <a:defRPr sz="1400"/>
-            </a:lvl1pPr>
-            <a:lvl2pPr marL="914400" lvl="1" indent="-304800">
-              <a:spcBef>
-                <a:spcPts val="1600"/>
-              </a:spcBef>
-              <a:spcAft>
-                <a:spcPts val="0"/>
-              </a:spcAft>
-              <a:buSzPts val="1200"/>
-              <a:buChar char="○"/>
-              <a:defRPr sz="1200"/>
-            </a:lvl2pPr>
-            <a:lvl3pPr marL="1371600" lvl="2" indent="-304800">
-              <a:spcBef>
-                <a:spcPts val="1600"/>
-              </a:spcBef>
-              <a:spcAft>
-                <a:spcPts val="0"/>
-              </a:spcAft>
-              <a:buSzPts val="1200"/>
-              <a:buChar char="■"/>
-              <a:defRPr sz="1200"/>
-            </a:lvl3pPr>
-            <a:lvl4pPr marL="1828800" lvl="3" indent="-304800">
-              <a:spcBef>
-                <a:spcPts val="1600"/>
-              </a:spcBef>
-              <a:spcAft>
-                <a:spcPts val="0"/>
-              </a:spcAft>
-              <a:buSzPts val="1200"/>
-              <a:buChar char="●"/>
-              <a:defRPr sz="1200"/>
-            </a:lvl4pPr>
-            <a:lvl5pPr marL="2286000" lvl="4" indent="-304800">
-              <a:spcBef>
-                <a:spcPts val="1600"/>
-              </a:spcBef>
-              <a:spcAft>
-                <a:spcPts val="0"/>
-              </a:spcAft>
-              <a:buSzPts val="1200"/>
-              <a:buChar char="○"/>
-              <a:defRPr sz="1200"/>
-            </a:lvl5pPr>
-            <a:lvl6pPr marL="2743200" lvl="5" indent="-304800">
-              <a:spcBef>
-                <a:spcPts val="1600"/>
-              </a:spcBef>
-              <a:spcAft>
-                <a:spcPts val="0"/>
-              </a:spcAft>
-              <a:buSzPts val="1200"/>
-              <a:buChar char="■"/>
-              <a:defRPr sz="1200"/>
-            </a:lvl6pPr>
-            <a:lvl7pPr marL="3200400" lvl="6" indent="-304800">
-              <a:spcBef>
-                <a:spcPts val="1600"/>
-              </a:spcBef>
-              <a:spcAft>
-                <a:spcPts val="0"/>
-              </a:spcAft>
-              <a:buSzPts val="1200"/>
-              <a:buChar char="●"/>
-              <a:defRPr sz="1200"/>
-            </a:lvl7pPr>
-            <a:lvl8pPr marL="3657600" lvl="7" indent="-304800">
-              <a:spcBef>
-                <a:spcPts val="1600"/>
-              </a:spcBef>
-              <a:spcAft>
-                <a:spcPts val="0"/>
-              </a:spcAft>
-              <a:buSzPts val="1200"/>
-              <a:buChar char="○"/>
-              <a:defRPr sz="1200"/>
-            </a:lvl8pPr>
-            <a:lvl9pPr marL="4114800" lvl="8" indent="-304800">
-              <a:spcBef>
-                <a:spcPts val="1600"/>
-              </a:spcBef>
-              <a:spcAft>
-                <a:spcPts val="1600"/>
-              </a:spcAft>
-              <a:buSzPts val="1200"/>
-              <a:buChar char="■"/>
-              <a:defRPr sz="1200"/>
-            </a:lvl9pPr>
-          </a:lstStyle>
-          <a:p>
-            <a:endParaRPr/>
-          </a:p>
-        </p:txBody>
-      </p:sp>
-      <p:sp>
-        <p:nvSpPr>
-          <p:cNvPr id="23" name="Google Shape;23;p5"/>
-          <p:cNvSpPr txBox="1">
-            <a:spLocks noGrp="1"/>
-          </p:cNvSpPr>
-          <p:nvPr>
-            <p:ph type="body" idx="2"/>
-          </p:nvPr>
-        </p:nvSpPr>
-        <p:spPr>
-          <a:xfrm>
-            <a:off x="4832400" y="1152475"/>
-            <a:ext cx="3999900" cy="3416400"/>
-          </a:xfrm>
-          <a:prstGeom prst="rect">
-            <a:avLst/>
-          </a:prstGeom>
-        </p:spPr>
-        <p:txBody>
-          <a:bodyPr spcFirstLastPara="1" wrap="square" lIns="91425" tIns="91425" rIns="91425" bIns="91425" anchor="t" anchorCtr="0"/>
-          <a:lstStyle>
-            <a:lvl1pPr marL="457200" lvl="0" indent="-317500">
-              <a:spcBef>
-                <a:spcPts val="0"/>
-              </a:spcBef>
-              <a:spcAft>
-                <a:spcPts val="0"/>
-              </a:spcAft>
-              <a:buSzPts val="1400"/>
-              <a:buChar char="●"/>
-              <a:defRPr sz="1400"/>
-            </a:lvl1pPr>
-            <a:lvl2pPr marL="914400" lvl="1" indent="-304800">
-              <a:spcBef>
-                <a:spcPts val="1600"/>
-              </a:spcBef>
-              <a:spcAft>
-                <a:spcPts val="0"/>
-              </a:spcAft>
-              <a:buSzPts val="1200"/>
-              <a:buChar char="○"/>
-              <a:defRPr sz="1200"/>
-            </a:lvl2pPr>
-            <a:lvl3pPr marL="1371600" lvl="2" indent="-304800">
-              <a:spcBef>
-                <a:spcPts val="1600"/>
-              </a:spcBef>
-              <a:spcAft>
-                <a:spcPts val="0"/>
-              </a:spcAft>
-              <a:buSzPts val="1200"/>
-              <a:buChar char="■"/>
-              <a:defRPr sz="1200"/>
-            </a:lvl3pPr>
-            <a:lvl4pPr marL="1828800" lvl="3" indent="-304800">
-              <a:spcBef>
-                <a:spcPts val="1600"/>
-              </a:spcBef>
-              <a:spcAft>
-                <a:spcPts val="0"/>
-              </a:spcAft>
-              <a:buSzPts val="1200"/>
-              <a:buChar char="●"/>
-              <a:defRPr sz="1200"/>
-            </a:lvl4pPr>
-            <a:lvl5pPr marL="2286000" lvl="4" indent="-304800">
-              <a:spcBef>
-                <a:spcPts val="1600"/>
-              </a:spcBef>
-              <a:spcAft>
-                <a:spcPts val="0"/>
-              </a:spcAft>
-              <a:buSzPts val="1200"/>
-              <a:buChar char="○"/>
-              <a:defRPr sz="1200"/>
-            </a:lvl5pPr>
-            <a:lvl6pPr marL="2743200" lvl="5" indent="-304800">
-              <a:spcBef>
-                <a:spcPts val="1600"/>
-              </a:spcBef>
-              <a:spcAft>
-                <a:spcPts val="0"/>
-              </a:spcAft>
-              <a:buSzPts val="1200"/>
-              <a:buChar char="■"/>
-              <a:defRPr sz="1200"/>
-            </a:lvl6pPr>
-            <a:lvl7pPr marL="3200400" lvl="6" indent="-304800">
-              <a:spcBef>
-                <a:spcPts val="1600"/>
-              </a:spcBef>
-              <a:spcAft>
-                <a:spcPts val="0"/>
-              </a:spcAft>
-              <a:buSzPts val="1200"/>
-              <a:buChar char="●"/>
-              <a:defRPr sz="1200"/>
-            </a:lvl7pPr>
-            <a:lvl8pPr marL="3657600" lvl="7" indent="-304800">
-              <a:spcBef>
-                <a:spcPts val="1600"/>
-              </a:spcBef>
-              <a:spcAft>
-                <a:spcPts val="0"/>
-              </a:spcAft>
-              <a:buSzPts val="1200"/>
-              <a:buChar char="○"/>
-              <a:defRPr sz="1200"/>
-            </a:lvl8pPr>
-            <a:lvl9pPr marL="4114800" lvl="8" indent="-304800">
-              <a:spcBef>
-                <a:spcPts val="1600"/>
-              </a:spcBef>
-              <a:spcAft>
-                <a:spcPts val="1600"/>
-              </a:spcAft>
-              <a:buSzPts val="1200"/>
-              <a:buChar char="■"/>
-              <a:defRPr sz="1200"/>
-            </a:lvl9pPr>
-          </a:lstStyle>
-          <a:p>
-            <a:endParaRPr/>
-          </a:p>
-        </p:txBody>
-      </p:sp>
-      <p:sp>
-        <p:nvSpPr>
-          <p:cNvPr id="24" name="Google Shape;24;p5"/>
-          <p:cNvSpPr txBox="1">
-            <a:spLocks noGrp="1"/>
-          </p:cNvSpPr>
-          <p:nvPr>
-            <p:ph type="sldNum" idx="12"/>
-          </p:nvPr>
-        </p:nvSpPr>
-        <p:spPr>
-          <a:xfrm>
-            <a:off x="8472458" y="4663217"/>
-            <a:ext cx="548700" cy="393600"/>
-          </a:xfrm>
-          <a:prstGeom prst="rect">
-            <a:avLst/>
-          </a:prstGeom>
-        </p:spPr>
-        <p:txBody>
-          <a:bodyPr spcFirstLastPara="1" wrap="square" lIns="91425" tIns="91425" rIns="91425" bIns="91425" anchor="ctr" anchorCtr="0">
-            <a:noAutofit/>
-          </a:bodyPr>
-          <a:lstStyle>
-            <a:lvl1pPr lvl="0">
-              <a:buNone/>
-              <a:defRPr/>
-            </a:lvl1pPr>
-            <a:lvl2pPr lvl="1">
-              <a:buNone/>
-              <a:defRPr/>
-            </a:lvl2pPr>
-            <a:lvl3pPr lvl="2">
-              <a:buNone/>
-              <a:defRPr/>
-            </a:lvl3pPr>
-            <a:lvl4pPr lvl="3">
-              <a:buNone/>
-              <a:defRPr/>
-            </a:lvl4pPr>
-            <a:lvl5pPr lvl="4">
-              <a:buNone/>
-              <a:defRPr/>
-            </a:lvl5pPr>
-            <a:lvl6pPr lvl="5">
-              <a:buNone/>
-              <a:defRPr/>
-            </a:lvl6pPr>
-            <a:lvl7pPr lvl="6">
-              <a:buNone/>
-              <a:defRPr/>
-            </a:lvl7pPr>
-            <a:lvl8pPr lvl="7">
-              <a:buNone/>
-              <a:defRPr/>
-            </a:lvl8pPr>
-            <a:lvl9pPr lvl="8">
-              <a:buNone/>
-              <a:defRPr/>
-            </a:lvl9pPr>
-          </a:lstStyle>
-          <a:p>
-            <a:pPr marL="0" lvl="0" indent="0" algn="r" rtl="0">
-              <a:spcBef>
-                <a:spcPts val="0"/>
-              </a:spcBef>
-              <a:spcAft>
-                <a:spcPts val="0"/>
-              </a:spcAft>
-              <a:buNone/>
-            </a:pPr>
-            <a:fld id="{00000000-1234-1234-1234-123412341234}" type="slidenum">
-              <a:rPr lang="en"/>
-              <a:t>‹#›</a:t>
-            </a:fld>
-            <a:endParaRPr/>
-          </a:p>
-        </p:txBody>
-      </p:sp>
-    </p:spTree>
-  </p:cSld>
-  <p:clrMapOvr>
-    <a:masterClrMapping/>
-  </p:clrMapOvr>
-</p:sldLayout>
-</file>
-
-<file path=ppt/slideLayouts/slideLayout5.xml><?xml version="1.0" encoding="utf-8"?>
-<p:sldLayout xmlns:a="http://schemas.openxmlformats.org/drawingml/2006/main" xmlns:r="http://schemas.openxmlformats.org/officeDocument/2006/relationships" xmlns:p="http://schemas.openxmlformats.org/presentationml/2006/main" matchingName="Title only" type="titleOnly">
-  <p:cSld name="TITLE_ONLY">
-    <p:spTree>
-      <p:nvGrpSpPr>
-        <p:cNvPr id="1" name="Shape 25"/>
-        <p:cNvGrpSpPr/>
-        <p:nvPr/>
-      </p:nvGrpSpPr>
-      <p:grpSpPr>
-        <a:xfrm>
-          <a:off x="0" y="0"/>
-          <a:ext cx="0" cy="0"/>
-          <a:chOff x="0" y="0"/>
-          <a:chExt cx="0" cy="0"/>
-        </a:xfrm>
-      </p:grpSpPr>
-      <p:sp>
-        <p:nvSpPr>
-          <p:cNvPr id="26" name="Google Shape;26;p6"/>
-          <p:cNvSpPr txBox="1">
-            <a:spLocks noGrp="1"/>
-          </p:cNvSpPr>
-          <p:nvPr>
-            <p:ph type="title"/>
-          </p:nvPr>
-        </p:nvSpPr>
-        <p:spPr>
-          <a:xfrm>
-            <a:off x="311700" y="445025"/>
-            <a:ext cx="8520600" cy="572700"/>
-          </a:xfrm>
-          <a:prstGeom prst="rect">
-            <a:avLst/>
-          </a:prstGeom>
-        </p:spPr>
-        <p:txBody>
-          <a:bodyPr spcFirstLastPara="1" wrap="square" lIns="91425" tIns="91425" rIns="91425" bIns="91425" anchor="t" anchorCtr="0"/>
-          <a:lstStyle>
-            <a:lvl1pPr lvl="0">
-              <a:spcBef>
-                <a:spcPts val="0"/>
-              </a:spcBef>
-              <a:spcAft>
-                <a:spcPts val="0"/>
-              </a:spcAft>
-              <a:buSzPts val="2800"/>
-              <a:buNone/>
-              <a:defRPr/>
-            </a:lvl1pPr>
-            <a:lvl2pPr lvl="1">
-              <a:spcBef>
-                <a:spcPts val="0"/>
-              </a:spcBef>
-              <a:spcAft>
-                <a:spcPts val="0"/>
-              </a:spcAft>
-              <a:buSzPts val="2800"/>
-              <a:buNone/>
-              <a:defRPr/>
-            </a:lvl2pPr>
-            <a:lvl3pPr lvl="2">
-              <a:spcBef>
-                <a:spcPts val="0"/>
-              </a:spcBef>
-              <a:spcAft>
-                <a:spcPts val="0"/>
-              </a:spcAft>
-              <a:buSzPts val="2800"/>
-              <a:buNone/>
-              <a:defRPr/>
-            </a:lvl3pPr>
-            <a:lvl4pPr lvl="3">
-              <a:spcBef>
-                <a:spcPts val="0"/>
-              </a:spcBef>
-              <a:spcAft>
-                <a:spcPts val="0"/>
-              </a:spcAft>
-              <a:buSzPts val="2800"/>
-              <a:buNone/>
-              <a:defRPr/>
-            </a:lvl4pPr>
-            <a:lvl5pPr lvl="4">
-              <a:spcBef>
-                <a:spcPts val="0"/>
-              </a:spcBef>
-              <a:spcAft>
-                <a:spcPts val="0"/>
-              </a:spcAft>
-              <a:buSzPts val="2800"/>
-              <a:buNone/>
-              <a:defRPr/>
-            </a:lvl5pPr>
-            <a:lvl6pPr lvl="5">
-              <a:spcBef>
-                <a:spcPts val="0"/>
-              </a:spcBef>
-              <a:spcAft>
-                <a:spcPts val="0"/>
-              </a:spcAft>
-              <a:buSzPts val="2800"/>
-              <a:buNone/>
-              <a:defRPr/>
-            </a:lvl6pPr>
-            <a:lvl7pPr lvl="6">
-              <a:spcBef>
-                <a:spcPts val="0"/>
-              </a:spcBef>
-              <a:spcAft>
-                <a:spcPts val="0"/>
-              </a:spcAft>
-              <a:buSzPts val="2800"/>
-              <a:buNone/>
-              <a:defRPr/>
-            </a:lvl7pPr>
-            <a:lvl8pPr lvl="7">
-              <a:spcBef>
-                <a:spcPts val="0"/>
-              </a:spcBef>
-              <a:spcAft>
-                <a:spcPts val="0"/>
-              </a:spcAft>
-              <a:buSzPts val="2800"/>
-              <a:buNone/>
-              <a:defRPr/>
-            </a:lvl8pPr>
-            <a:lvl9pPr lvl="8">
-              <a:spcBef>
-                <a:spcPts val="0"/>
-              </a:spcBef>
-              <a:spcAft>
-                <a:spcPts val="0"/>
-              </a:spcAft>
-              <a:buSzPts val="2800"/>
-              <a:buNone/>
-              <a:defRPr/>
-            </a:lvl9pPr>
-          </a:lstStyle>
-          <a:p>
-            <a:endParaRPr/>
-          </a:p>
-        </p:txBody>
-      </p:sp>
-      <p:sp>
-        <p:nvSpPr>
-          <p:cNvPr id="27" name="Google Shape;27;p6"/>
-          <p:cNvSpPr txBox="1">
-            <a:spLocks noGrp="1"/>
-          </p:cNvSpPr>
-          <p:nvPr>
-            <p:ph type="sldNum" idx="12"/>
-          </p:nvPr>
-        </p:nvSpPr>
-        <p:spPr>
-          <a:xfrm>
-            <a:off x="8472458" y="4663217"/>
-            <a:ext cx="548700" cy="393600"/>
-          </a:xfrm>
-          <a:prstGeom prst="rect">
-            <a:avLst/>
-          </a:prstGeom>
-        </p:spPr>
-        <p:txBody>
-          <a:bodyPr spcFirstLastPara="1" wrap="square" lIns="91425" tIns="91425" rIns="91425" bIns="91425" anchor="ctr" anchorCtr="0">
-            <a:noAutofit/>
-          </a:bodyPr>
-          <a:lstStyle>
-            <a:lvl1pPr lvl="0">
-              <a:buNone/>
-              <a:defRPr/>
-            </a:lvl1pPr>
-            <a:lvl2pPr lvl="1">
-              <a:buNone/>
-              <a:defRPr/>
-            </a:lvl2pPr>
-            <a:lvl3pPr lvl="2">
-              <a:buNone/>
-              <a:defRPr/>
-            </a:lvl3pPr>
-            <a:lvl4pPr lvl="3">
-              <a:buNone/>
-              <a:defRPr/>
-            </a:lvl4pPr>
-            <a:lvl5pPr lvl="4">
-              <a:buNone/>
-              <a:defRPr/>
-            </a:lvl5pPr>
-            <a:lvl6pPr lvl="5">
-              <a:buNone/>
-              <a:defRPr/>
-            </a:lvl6pPr>
-            <a:lvl7pPr lvl="6">
-              <a:buNone/>
-              <a:defRPr/>
-            </a:lvl7pPr>
-            <a:lvl8pPr lvl="7">
-              <a:buNone/>
-              <a:defRPr/>
-            </a:lvl8pPr>
-            <a:lvl9pPr lvl="8">
-              <a:buNone/>
-              <a:defRPr/>
-            </a:lvl9pPr>
-          </a:lstStyle>
-          <a:p>
-            <a:pPr marL="0" lvl="0" indent="0" algn="r" rtl="0">
-              <a:spcBef>
-                <a:spcPts val="0"/>
-              </a:spcBef>
-              <a:spcAft>
-                <a:spcPts val="0"/>
-              </a:spcAft>
-              <a:buNone/>
-            </a:pPr>
-            <a:fld id="{00000000-1234-1234-1234-123412341234}" type="slidenum">
-              <a:rPr lang="en"/>
-              <a:t>‹#›</a:t>
-            </a:fld>
-            <a:endParaRPr/>
-          </a:p>
-        </p:txBody>
-      </p:sp>
-    </p:spTree>
-  </p:cSld>
-  <p:clrMapOvr>
-    <a:masterClrMapping/>
-  </p:clrMapOvr>
-</p:sldLayout>
-</file>
-
-<file path=ppt/slideLayouts/slideLayout6.xml><?xml version="1.0" encoding="utf-8"?>
-<p:sldLayout xmlns:a="http://schemas.openxmlformats.org/drawingml/2006/main" xmlns:r="http://schemas.openxmlformats.org/officeDocument/2006/relationships" xmlns:p="http://schemas.openxmlformats.org/presentationml/2006/main" matchingName="One column text">
-  <p:cSld name="ONE_COLUMN_TEXT">
-    <p:spTree>
-      <p:nvGrpSpPr>
-        <p:cNvPr id="1" name="Shape 28"/>
-        <p:cNvGrpSpPr/>
-        <p:nvPr/>
-      </p:nvGrpSpPr>
-      <p:grpSpPr>
-        <a:xfrm>
-          <a:off x="0" y="0"/>
-          <a:ext cx="0" cy="0"/>
-          <a:chOff x="0" y="0"/>
-          <a:chExt cx="0" cy="0"/>
-        </a:xfrm>
-      </p:grpSpPr>
-      <p:sp>
-        <p:nvSpPr>
-          <p:cNvPr id="29" name="Google Shape;29;p7"/>
-          <p:cNvSpPr txBox="1">
-            <a:spLocks noGrp="1"/>
-          </p:cNvSpPr>
-          <p:nvPr>
-            <p:ph type="title"/>
-          </p:nvPr>
-        </p:nvSpPr>
-        <p:spPr>
-          <a:xfrm>
-            <a:off x="311700" y="555600"/>
-            <a:ext cx="2808000" cy="755700"/>
-          </a:xfrm>
-          <a:prstGeom prst="rect">
-            <a:avLst/>
-          </a:prstGeom>
-        </p:spPr>
-        <p:txBody>
-          <a:bodyPr spcFirstLastPara="1" wrap="square" lIns="91425" tIns="91425" rIns="91425" bIns="91425" anchor="b" anchorCtr="0"/>
-          <a:lstStyle>
-            <a:lvl1pPr lvl="0">
-              <a:spcBef>
-                <a:spcPts val="0"/>
-              </a:spcBef>
-              <a:spcAft>
-                <a:spcPts val="0"/>
-              </a:spcAft>
-              <a:buSzPts val="2400"/>
-              <a:buNone/>
-              <a:defRPr sz="2400"/>
-            </a:lvl1pPr>
-            <a:lvl2pPr lvl="1">
-              <a:spcBef>
-                <a:spcPts val="0"/>
-              </a:spcBef>
-              <a:spcAft>
-                <a:spcPts val="0"/>
-              </a:spcAft>
-              <a:buSzPts val="2400"/>
-              <a:buNone/>
-              <a:defRPr sz="2400"/>
-            </a:lvl2pPr>
-            <a:lvl3pPr lvl="2">
-              <a:spcBef>
-                <a:spcPts val="0"/>
-              </a:spcBef>
-              <a:spcAft>
-                <a:spcPts val="0"/>
-              </a:spcAft>
-              <a:buSzPts val="2400"/>
-              <a:buNone/>
-              <a:defRPr sz="2400"/>
-            </a:lvl3pPr>
-            <a:lvl4pPr lvl="3">
-              <a:spcBef>
-                <a:spcPts val="0"/>
-              </a:spcBef>
-              <a:spcAft>
-                <a:spcPts val="0"/>
-              </a:spcAft>
-              <a:buSzPts val="2400"/>
-              <a:buNone/>
-              <a:defRPr sz="2400"/>
-            </a:lvl4pPr>
-            <a:lvl5pPr lvl="4">
-              <a:spcBef>
-                <a:spcPts val="0"/>
-              </a:spcBef>
-              <a:spcAft>
-                <a:spcPts val="0"/>
-              </a:spcAft>
-              <a:buSzPts val="2400"/>
-              <a:buNone/>
-              <a:defRPr sz="2400"/>
-            </a:lvl5pPr>
-            <a:lvl6pPr lvl="5">
-              <a:spcBef>
-                <a:spcPts val="0"/>
-              </a:spcBef>
-              <a:spcAft>
-                <a:spcPts val="0"/>
-              </a:spcAft>
-              <a:buSzPts val="2400"/>
-              <a:buNone/>
-              <a:defRPr sz="2400"/>
-            </a:lvl6pPr>
-            <a:lvl7pPr lvl="6">
-              <a:spcBef>
-                <a:spcPts val="0"/>
-              </a:spcBef>
-              <a:spcAft>
-                <a:spcPts val="0"/>
-              </a:spcAft>
-              <a:buSzPts val="2400"/>
-              <a:buNone/>
-              <a:defRPr sz="2400"/>
-            </a:lvl7pPr>
-            <a:lvl8pPr lvl="7">
-              <a:spcBef>
-                <a:spcPts val="0"/>
-              </a:spcBef>
-              <a:spcAft>
-                <a:spcPts val="0"/>
-              </a:spcAft>
-              <a:buSzPts val="2400"/>
-              <a:buNone/>
-              <a:defRPr sz="2400"/>
-            </a:lvl8pPr>
-            <a:lvl9pPr lvl="8">
-              <a:spcBef>
-                <a:spcPts val="0"/>
-              </a:spcBef>
-              <a:spcAft>
-                <a:spcPts val="0"/>
-              </a:spcAft>
-              <a:buSzPts val="2400"/>
-              <a:buNone/>
-              <a:defRPr sz="2400"/>
-            </a:lvl9pPr>
-          </a:lstStyle>
-          <a:p>
-            <a:endParaRPr/>
-          </a:p>
-        </p:txBody>
-      </p:sp>
-      <p:sp>
-        <p:nvSpPr>
-          <p:cNvPr id="30" name="Google Shape;30;p7"/>
-          <p:cNvSpPr txBox="1">
-            <a:spLocks noGrp="1"/>
-          </p:cNvSpPr>
-          <p:nvPr>
-            <p:ph type="body" idx="1"/>
-          </p:nvPr>
-        </p:nvSpPr>
-        <p:spPr>
-          <a:xfrm>
-            <a:off x="311700" y="1389600"/>
-            <a:ext cx="2808000" cy="3179400"/>
-          </a:xfrm>
-          <a:prstGeom prst="rect">
-            <a:avLst/>
-          </a:prstGeom>
-        </p:spPr>
-        <p:txBody>
-          <a:bodyPr spcFirstLastPara="1" wrap="square" lIns="91425" tIns="91425" rIns="91425" bIns="91425" anchor="t" anchorCtr="0"/>
-          <a:lstStyle>
-            <a:lvl1pPr marL="457200" lvl="0" indent="-304800">
-              <a:spcBef>
-                <a:spcPts val="0"/>
-              </a:spcBef>
-              <a:spcAft>
-                <a:spcPts val="0"/>
-              </a:spcAft>
-              <a:buSzPts val="1200"/>
-              <a:buChar char="●"/>
-              <a:defRPr sz="1200"/>
-            </a:lvl1pPr>
-            <a:lvl2pPr marL="914400" lvl="1" indent="-304800">
-              <a:spcBef>
-                <a:spcPts val="1600"/>
-              </a:spcBef>
-              <a:spcAft>
-                <a:spcPts val="0"/>
-              </a:spcAft>
-              <a:buSzPts val="1200"/>
-              <a:buChar char="○"/>
-              <a:defRPr sz="1200"/>
-            </a:lvl2pPr>
-            <a:lvl3pPr marL="1371600" lvl="2" indent="-304800">
-              <a:spcBef>
-                <a:spcPts val="1600"/>
-              </a:spcBef>
-              <a:spcAft>
-                <a:spcPts val="0"/>
-              </a:spcAft>
-              <a:buSzPts val="1200"/>
-              <a:buChar char="■"/>
-              <a:defRPr sz="1200"/>
-            </a:lvl3pPr>
-            <a:lvl4pPr marL="1828800" lvl="3" indent="-304800">
-              <a:spcBef>
-                <a:spcPts val="1600"/>
-              </a:spcBef>
-              <a:spcAft>
-                <a:spcPts val="0"/>
-              </a:spcAft>
-              <a:buSzPts val="1200"/>
-              <a:buChar char="●"/>
-              <a:defRPr sz="1200"/>
-            </a:lvl4pPr>
-            <a:lvl5pPr marL="2286000" lvl="4" indent="-304800">
-              <a:spcBef>
-                <a:spcPts val="1600"/>
-              </a:spcBef>
-              <a:spcAft>
-                <a:spcPts val="0"/>
-              </a:spcAft>
-              <a:buSzPts val="1200"/>
-              <a:buChar char="○"/>
-              <a:defRPr sz="1200"/>
-            </a:lvl5pPr>
-            <a:lvl6pPr marL="2743200" lvl="5" indent="-304800">
-              <a:spcBef>
-                <a:spcPts val="1600"/>
-              </a:spcBef>
-              <a:spcAft>
-                <a:spcPts val="0"/>
-              </a:spcAft>
-              <a:buSzPts val="1200"/>
-              <a:buChar char="■"/>
-              <a:defRPr sz="1200"/>
-            </a:lvl6pPr>
-            <a:lvl7pPr marL="3200400" lvl="6" indent="-304800">
-              <a:spcBef>
-                <a:spcPts val="1600"/>
-              </a:spcBef>
-              <a:spcAft>
-                <a:spcPts val="0"/>
-              </a:spcAft>
-              <a:buSzPts val="1200"/>
-              <a:buChar char="●"/>
-              <a:defRPr sz="1200"/>
-            </a:lvl7pPr>
-            <a:lvl8pPr marL="3657600" lvl="7" indent="-304800">
-              <a:spcBef>
-                <a:spcPts val="1600"/>
-              </a:spcBef>
-              <a:spcAft>
-                <a:spcPts val="0"/>
-              </a:spcAft>
-              <a:buSzPts val="1200"/>
-              <a:buChar char="○"/>
-              <a:defRPr sz="1200"/>
-            </a:lvl8pPr>
-            <a:lvl9pPr marL="4114800" lvl="8" indent="-304800">
-              <a:spcBef>
-                <a:spcPts val="1600"/>
-              </a:spcBef>
-              <a:spcAft>
-                <a:spcPts val="1600"/>
-              </a:spcAft>
-              <a:buSzPts val="1200"/>
-              <a:buChar char="■"/>
-              <a:defRPr sz="1200"/>
-            </a:lvl9pPr>
-          </a:lstStyle>
-          <a:p>
-            <a:endParaRPr/>
-          </a:p>
-        </p:txBody>
-      </p:sp>
-      <p:sp>
-        <p:nvSpPr>
-          <p:cNvPr id="31" name="Google Shape;31;p7"/>
-          <p:cNvSpPr txBox="1">
-            <a:spLocks noGrp="1"/>
-          </p:cNvSpPr>
-          <p:nvPr>
-            <p:ph type="sldNum" idx="12"/>
-          </p:nvPr>
-        </p:nvSpPr>
-        <p:spPr>
-          <a:xfrm>
-            <a:off x="8472458" y="4663217"/>
-            <a:ext cx="548700" cy="393600"/>
-          </a:xfrm>
-          <a:prstGeom prst="rect">
-            <a:avLst/>
-          </a:prstGeom>
-        </p:spPr>
-        <p:txBody>
-          <a:bodyPr spcFirstLastPara="1" wrap="square" lIns="91425" tIns="91425" rIns="91425" bIns="91425" anchor="ctr" anchorCtr="0">
-            <a:noAutofit/>
-          </a:bodyPr>
-          <a:lstStyle>
-            <a:lvl1pPr lvl="0">
-              <a:buNone/>
-              <a:defRPr/>
-            </a:lvl1pPr>
-            <a:lvl2pPr lvl="1">
-              <a:buNone/>
-              <a:defRPr/>
-            </a:lvl2pPr>
-            <a:lvl3pPr lvl="2">
-              <a:buNone/>
-              <a:defRPr/>
-            </a:lvl3pPr>
-            <a:lvl4pPr lvl="3">
-              <a:buNone/>
-              <a:defRPr/>
-            </a:lvl4pPr>
-            <a:lvl5pPr lvl="4">
-              <a:buNone/>
-              <a:defRPr/>
-            </a:lvl5pPr>
-            <a:lvl6pPr lvl="5">
-              <a:buNone/>
-              <a:defRPr/>
-            </a:lvl6pPr>
-            <a:lvl7pPr lvl="6">
-              <a:buNone/>
-              <a:defRPr/>
-            </a:lvl7pPr>
-            <a:lvl8pPr lvl="7">
-              <a:buNone/>
-              <a:defRPr/>
-            </a:lvl8pPr>
-            <a:lvl9pPr lvl="8">
-              <a:buNone/>
-              <a:defRPr/>
-            </a:lvl9pPr>
-          </a:lstStyle>
-          <a:p>
-            <a:pPr marL="0" lvl="0" indent="0" algn="r" rtl="0">
-              <a:spcBef>
-                <a:spcPts val="0"/>
-              </a:spcBef>
-              <a:spcAft>
-                <a:spcPts val="0"/>
-              </a:spcAft>
-              <a:buNone/>
-            </a:pPr>
-            <a:fld id="{00000000-1234-1234-1234-123412341234}" type="slidenum">
-              <a:rPr lang="en"/>
-              <a:t>‹#›</a:t>
-            </a:fld>
-            <a:endParaRPr/>
-          </a:p>
-        </p:txBody>
-      </p:sp>
-    </p:spTree>
-  </p:cSld>
-  <p:clrMapOvr>
-    <a:masterClrMapping/>
-  </p:clrMapOvr>
-</p:sldLayout>
-</file>
-
-<file path=ppt/slideLayouts/slideLayout7.xml><?xml version="1.0" encoding="utf-8"?>
-<p:sldLayout xmlns:a="http://schemas.openxmlformats.org/drawingml/2006/main" xmlns:r="http://schemas.openxmlformats.org/officeDocument/2006/relationships" xmlns:p="http://schemas.openxmlformats.org/presentationml/2006/main" matchingName="Main point">
-  <p:cSld name="MAIN_POINT">
-    <p:spTree>
-      <p:nvGrpSpPr>
-        <p:cNvPr id="1" name="Shape 32"/>
-        <p:cNvGrpSpPr/>
-        <p:nvPr/>
-      </p:nvGrpSpPr>
-      <p:grpSpPr>
-        <a:xfrm>
-          <a:off x="0" y="0"/>
-          <a:ext cx="0" cy="0"/>
-          <a:chOff x="0" y="0"/>
-          <a:chExt cx="0" cy="0"/>
-        </a:xfrm>
-      </p:grpSpPr>
-      <p:sp>
-        <p:nvSpPr>
-          <p:cNvPr id="33" name="Google Shape;33;p8"/>
-          <p:cNvSpPr txBox="1">
-            <a:spLocks noGrp="1"/>
-          </p:cNvSpPr>
-          <p:nvPr>
-            <p:ph type="title"/>
-          </p:nvPr>
-        </p:nvSpPr>
-        <p:spPr>
-          <a:xfrm>
-            <a:off x="490250" y="450150"/>
-            <a:ext cx="6367800" cy="4090800"/>
-          </a:xfrm>
-          <a:prstGeom prst="rect">
-            <a:avLst/>
-          </a:prstGeom>
-        </p:spPr>
-        <p:txBody>
-          <a:bodyPr spcFirstLastPara="1" wrap="square" lIns="91425" tIns="91425" rIns="91425" bIns="91425" anchor="ctr" anchorCtr="0"/>
-          <a:lstStyle>
-            <a:lvl1pPr lvl="0">
-              <a:spcBef>
-                <a:spcPts val="0"/>
-              </a:spcBef>
-              <a:spcAft>
-                <a:spcPts val="0"/>
-              </a:spcAft>
-              <a:buSzPts val="4800"/>
-              <a:buNone/>
-              <a:defRPr sz="4800"/>
-            </a:lvl1pPr>
-            <a:lvl2pPr lvl="1">
-              <a:spcBef>
-                <a:spcPts val="0"/>
-              </a:spcBef>
-              <a:spcAft>
-                <a:spcPts val="0"/>
-              </a:spcAft>
-              <a:buSzPts val="4800"/>
-              <a:buNone/>
-              <a:defRPr sz="4800"/>
-            </a:lvl2pPr>
-            <a:lvl3pPr lvl="2">
-              <a:spcBef>
-                <a:spcPts val="0"/>
-              </a:spcBef>
-              <a:spcAft>
-                <a:spcPts val="0"/>
-              </a:spcAft>
-              <a:buSzPts val="4800"/>
-              <a:buNone/>
-              <a:defRPr sz="4800"/>
-            </a:lvl3pPr>
-            <a:lvl4pPr lvl="3">
-              <a:spcBef>
-                <a:spcPts val="0"/>
-              </a:spcBef>
-              <a:spcAft>
-                <a:spcPts val="0"/>
-              </a:spcAft>
-              <a:buSzPts val="4800"/>
-              <a:buNone/>
-              <a:defRPr sz="4800"/>
-            </a:lvl4pPr>
-            <a:lvl5pPr lvl="4">
-              <a:spcBef>
-                <a:spcPts val="0"/>
-              </a:spcBef>
-              <a:spcAft>
-                <a:spcPts val="0"/>
-              </a:spcAft>
-              <a:buSzPts val="4800"/>
-              <a:buNone/>
-              <a:defRPr sz="4800"/>
-            </a:lvl5pPr>
-            <a:lvl6pPr lvl="5">
-              <a:spcBef>
-                <a:spcPts val="0"/>
-              </a:spcBef>
-              <a:spcAft>
-                <a:spcPts val="0"/>
-              </a:spcAft>
-              <a:buSzPts val="4800"/>
-              <a:buNone/>
-              <a:defRPr sz="4800"/>
-            </a:lvl6pPr>
-            <a:lvl7pPr lvl="6">
-              <a:spcBef>
-                <a:spcPts val="0"/>
-              </a:spcBef>
-              <a:spcAft>
-                <a:spcPts val="0"/>
-              </a:spcAft>
-              <a:buSzPts val="4800"/>
-              <a:buNone/>
-              <a:defRPr sz="4800"/>
-            </a:lvl7pPr>
-            <a:lvl8pPr lvl="7">
-              <a:spcBef>
-                <a:spcPts val="0"/>
-              </a:spcBef>
-              <a:spcAft>
-                <a:spcPts val="0"/>
-              </a:spcAft>
-              <a:buSzPts val="4800"/>
-              <a:buNone/>
-              <a:defRPr sz="4800"/>
-            </a:lvl8pPr>
-            <a:lvl9pPr lvl="8">
-              <a:spcBef>
-                <a:spcPts val="0"/>
-              </a:spcBef>
-              <a:spcAft>
-                <a:spcPts val="0"/>
-              </a:spcAft>
-              <a:buSzPts val="4800"/>
-              <a:buNone/>
-              <a:defRPr sz="4800"/>
-            </a:lvl9pPr>
-          </a:lstStyle>
-          <a:p>
-            <a:endParaRPr/>
-          </a:p>
-        </p:txBody>
-      </p:sp>
-      <p:sp>
-        <p:nvSpPr>
-          <p:cNvPr id="34" name="Google Shape;34;p8"/>
-          <p:cNvSpPr txBox="1">
-            <a:spLocks noGrp="1"/>
-          </p:cNvSpPr>
-          <p:nvPr>
-            <p:ph type="sldNum" idx="12"/>
-          </p:nvPr>
-        </p:nvSpPr>
-        <p:spPr>
-          <a:xfrm>
-            <a:off x="8472458" y="4663217"/>
-            <a:ext cx="548700" cy="393600"/>
-          </a:xfrm>
-          <a:prstGeom prst="rect">
-            <a:avLst/>
-          </a:prstGeom>
-        </p:spPr>
-        <p:txBody>
-          <a:bodyPr spcFirstLastPara="1" wrap="square" lIns="91425" tIns="91425" rIns="91425" bIns="91425" anchor="ctr" anchorCtr="0">
-            <a:noAutofit/>
-          </a:bodyPr>
-          <a:lstStyle>
-            <a:lvl1pPr lvl="0">
-              <a:buNone/>
-              <a:defRPr/>
-            </a:lvl1pPr>
-            <a:lvl2pPr lvl="1">
-              <a:buNone/>
-              <a:defRPr/>
-            </a:lvl2pPr>
-            <a:lvl3pPr lvl="2">
-              <a:buNone/>
-              <a:defRPr/>
-            </a:lvl3pPr>
-            <a:lvl4pPr lvl="3">
-              <a:buNone/>
-              <a:defRPr/>
-            </a:lvl4pPr>
-            <a:lvl5pPr lvl="4">
-              <a:buNone/>
-              <a:defRPr/>
-            </a:lvl5pPr>
-            <a:lvl6pPr lvl="5">
-              <a:buNone/>
-              <a:defRPr/>
-            </a:lvl6pPr>
-            <a:lvl7pPr lvl="6">
-              <a:buNone/>
-              <a:defRPr/>
-            </a:lvl7pPr>
-            <a:lvl8pPr lvl="7">
-              <a:buNone/>
-              <a:defRPr/>
-            </a:lvl8pPr>
-            <a:lvl9pPr lvl="8">
-              <a:buNone/>
-              <a:defRPr/>
-            </a:lvl9pPr>
-          </a:lstStyle>
-          <a:p>
-            <a:pPr marL="0" lvl="0" indent="0" algn="r" rtl="0">
-              <a:spcBef>
-                <a:spcPts val="0"/>
-              </a:spcBef>
-              <a:spcAft>
-                <a:spcPts val="0"/>
-              </a:spcAft>
-              <a:buNone/>
-            </a:pPr>
-            <a:fld id="{00000000-1234-1234-1234-123412341234}" type="slidenum">
-              <a:rPr lang="en"/>
-              <a:t>‹#›</a:t>
-            </a:fld>
-            <a:endParaRPr/>
-          </a:p>
-        </p:txBody>
-      </p:sp>
-    </p:spTree>
-  </p:cSld>
-  <p:clrMapOvr>
-    <a:masterClrMapping/>
-  </p:clrMapOvr>
-</p:sldLayout>
-</file>
-
-<file path=ppt/slideLayouts/slideLayout8.xml><?xml version="1.0" encoding="utf-8"?>
-<p:sldLayout xmlns:a="http://schemas.openxmlformats.org/drawingml/2006/main" xmlns:r="http://schemas.openxmlformats.org/officeDocument/2006/relationships" xmlns:p="http://schemas.openxmlformats.org/presentationml/2006/main" matchingName="Section title and description">
-  <p:cSld name="SECTION_TITLE_AND_DESCRIPTION">
-    <p:spTree>
-      <p:nvGrpSpPr>
-        <p:cNvPr id="1" name="Shape 35"/>
-        <p:cNvGrpSpPr/>
-        <p:nvPr/>
-      </p:nvGrpSpPr>
-      <p:grpSpPr>
-        <a:xfrm>
-          <a:off x="0" y="0"/>
-          <a:ext cx="0" cy="0"/>
-          <a:chOff x="0" y="0"/>
-          <a:chExt cx="0" cy="0"/>
-        </a:xfrm>
-      </p:grpSpPr>
-      <p:sp>
-        <p:nvSpPr>
-          <p:cNvPr id="36" name="Google Shape;36;p9"/>
-          <p:cNvSpPr/>
-          <p:nvPr/>
-        </p:nvSpPr>
-        <p:spPr>
-          <a:xfrm>
-            <a:off x="4572000" y="-125"/>
-            <a:ext cx="4572000" cy="5143500"/>
-          </a:xfrm>
-          <a:prstGeom prst="rect">
-            <a:avLst/>
-          </a:prstGeom>
-          <a:solidFill>
-            <a:schemeClr val="lt2"/>
-          </a:solidFill>
-          <a:ln>
-            <a:noFill/>
-          </a:ln>
-        </p:spPr>
-        <p:txBody>
-          <a:bodyPr spcFirstLastPara="1" wrap="square" lIns="91425" tIns="91425" rIns="91425" bIns="91425" anchor="ctr" anchorCtr="0">
-            <a:noAutofit/>
-          </a:bodyPr>
-          <a:lstStyle/>
-          <a:p>
-            <a:pPr marL="0" lvl="0" indent="0" algn="l" rtl="0">
-              <a:spcBef>
-                <a:spcPts val="0"/>
-              </a:spcBef>
-              <a:spcAft>
-                <a:spcPts val="0"/>
-              </a:spcAft>
-              <a:buNone/>
-            </a:pPr>
-            <a:endParaRPr/>
-          </a:p>
-        </p:txBody>
-      </p:sp>
-      <p:sp>
-        <p:nvSpPr>
-          <p:cNvPr id="37" name="Google Shape;37;p9"/>
-          <p:cNvSpPr txBox="1">
-            <a:spLocks noGrp="1"/>
-          </p:cNvSpPr>
-          <p:nvPr>
-            <p:ph type="title"/>
-          </p:nvPr>
-        </p:nvSpPr>
-        <p:spPr>
-          <a:xfrm>
-            <a:off x="265500" y="1233175"/>
-            <a:ext cx="4045200" cy="1482300"/>
-          </a:xfrm>
-          <a:prstGeom prst="rect">
-            <a:avLst/>
-          </a:prstGeom>
-        </p:spPr>
-        <p:txBody>
-          <a:bodyPr spcFirstLastPara="1" wrap="square" lIns="91425" tIns="91425" rIns="91425" bIns="91425" anchor="b" anchorCtr="0"/>
-          <a:lstStyle>
-            <a:lvl1pPr lvl="0" algn="ctr">
-              <a:spcBef>
-                <a:spcPts val="0"/>
-              </a:spcBef>
-              <a:spcAft>
-                <a:spcPts val="0"/>
-              </a:spcAft>
-              <a:buSzPts val="4200"/>
-              <a:buNone/>
-              <a:defRPr sz="4200"/>
-            </a:lvl1pPr>
-            <a:lvl2pPr lvl="1" algn="ctr">
-              <a:spcBef>
-                <a:spcPts val="0"/>
-              </a:spcBef>
-              <a:spcAft>
-                <a:spcPts val="0"/>
-              </a:spcAft>
-              <a:buSzPts val="4200"/>
-              <a:buNone/>
-              <a:defRPr sz="4200"/>
-            </a:lvl2pPr>
-            <a:lvl3pPr lvl="2" algn="ctr">
-              <a:spcBef>
-                <a:spcPts val="0"/>
-              </a:spcBef>
-              <a:spcAft>
-                <a:spcPts val="0"/>
-              </a:spcAft>
-              <a:buSzPts val="4200"/>
-              <a:buNone/>
-              <a:defRPr sz="4200"/>
-            </a:lvl3pPr>
-            <a:lvl4pPr lvl="3" algn="ctr">
-              <a:spcBef>
-                <a:spcPts val="0"/>
-              </a:spcBef>
-              <a:spcAft>
-                <a:spcPts val="0"/>
-              </a:spcAft>
-              <a:buSzPts val="4200"/>
-              <a:buNone/>
-              <a:defRPr sz="4200"/>
-            </a:lvl4pPr>
-            <a:lvl5pPr lvl="4" algn="ctr">
-              <a:spcBef>
-                <a:spcPts val="0"/>
-              </a:spcBef>
-              <a:spcAft>
-                <a:spcPts val="0"/>
-              </a:spcAft>
-              <a:buSzPts val="4200"/>
-              <a:buNone/>
-              <a:defRPr sz="4200"/>
-            </a:lvl5pPr>
-            <a:lvl6pPr lvl="5" algn="ctr">
-              <a:spcBef>
-                <a:spcPts val="0"/>
-              </a:spcBef>
-              <a:spcAft>
-                <a:spcPts val="0"/>
-              </a:spcAft>
-              <a:buSzPts val="4200"/>
-              <a:buNone/>
-              <a:defRPr sz="4200"/>
-            </a:lvl6pPr>
-            <a:lvl7pPr lvl="6" algn="ctr">
-              <a:spcBef>
-                <a:spcPts val="0"/>
-              </a:spcBef>
-              <a:spcAft>
-                <a:spcPts val="0"/>
-              </a:spcAft>
-              <a:buSzPts val="4200"/>
-              <a:buNone/>
-              <a:defRPr sz="4200"/>
-            </a:lvl7pPr>
-            <a:lvl8pPr lvl="7" algn="ctr">
-              <a:spcBef>
-                <a:spcPts val="0"/>
-              </a:spcBef>
-              <a:spcAft>
-                <a:spcPts val="0"/>
-              </a:spcAft>
-              <a:buSzPts val="4200"/>
-              <a:buNone/>
-              <a:defRPr sz="4200"/>
-            </a:lvl8pPr>
-            <a:lvl9pPr lvl="8" algn="ctr">
-              <a:spcBef>
-                <a:spcPts val="0"/>
-              </a:spcBef>
-              <a:spcAft>
-                <a:spcPts val="0"/>
-              </a:spcAft>
-              <a:buSzPts val="4200"/>
-              <a:buNone/>
-              <a:defRPr sz="4200"/>
-            </a:lvl9pPr>
-          </a:lstStyle>
-          <a:p>
-            <a:endParaRPr/>
-          </a:p>
-        </p:txBody>
-      </p:sp>
-      <p:sp>
-        <p:nvSpPr>
-          <p:cNvPr id="38" name="Google Shape;38;p9"/>
-          <p:cNvSpPr txBox="1">
-            <a:spLocks noGrp="1"/>
-          </p:cNvSpPr>
-          <p:nvPr>
-            <p:ph type="subTitle" idx="1"/>
-          </p:nvPr>
-        </p:nvSpPr>
-        <p:spPr>
-          <a:xfrm>
-            <a:off x="265500" y="2803075"/>
-            <a:ext cx="4045200" cy="1235100"/>
-          </a:xfrm>
-          <a:prstGeom prst="rect">
-            <a:avLst/>
-          </a:prstGeom>
-        </p:spPr>
-        <p:txBody>
-          <a:bodyPr spcFirstLastPara="1" wrap="square" lIns="91425" tIns="91425" rIns="91425" bIns="91425" anchor="t" anchorCtr="0"/>
-          <a:lstStyle>
-            <a:lvl1pPr lvl="0" algn="ctr">
-              <a:lnSpc>
-                <a:spcPct val="100000"/>
-              </a:lnSpc>
-              <a:spcBef>
-                <a:spcPts val="0"/>
-              </a:spcBef>
-              <a:spcAft>
-                <a:spcPts val="0"/>
-              </a:spcAft>
-              <a:buSzPts val="2100"/>
-              <a:buNone/>
-              <a:defRPr sz="2100"/>
-            </a:lvl1pPr>
-            <a:lvl2pPr lvl="1" algn="ctr">
-              <a:lnSpc>
-                <a:spcPct val="100000"/>
-              </a:lnSpc>
-              <a:spcBef>
-                <a:spcPts val="0"/>
-              </a:spcBef>
-              <a:spcAft>
-                <a:spcPts val="0"/>
-              </a:spcAft>
-              <a:buSzPts val="2100"/>
-              <a:buNone/>
-              <a:defRPr sz="2100"/>
-            </a:lvl2pPr>
-            <a:lvl3pPr lvl="2" algn="ctr">
-              <a:lnSpc>
-                <a:spcPct val="100000"/>
-              </a:lnSpc>
-              <a:spcBef>
-                <a:spcPts val="0"/>
-              </a:spcBef>
-              <a:spcAft>
-                <a:spcPts val="0"/>
-              </a:spcAft>
-              <a:buSzPts val="2100"/>
-              <a:buNone/>
-              <a:defRPr sz="2100"/>
-            </a:lvl3pPr>
-            <a:lvl4pPr lvl="3" algn="ctr">
-              <a:lnSpc>
-                <a:spcPct val="100000"/>
-              </a:lnSpc>
-              <a:spcBef>
-                <a:spcPts val="0"/>
-              </a:spcBef>
-              <a:spcAft>
-                <a:spcPts val="0"/>
-              </a:spcAft>
-              <a:buSzPts val="2100"/>
-              <a:buNone/>
-              <a:defRPr sz="2100"/>
-            </a:lvl4pPr>
-            <a:lvl5pPr lvl="4" algn="ctr">
-              <a:lnSpc>
-                <a:spcPct val="100000"/>
-              </a:lnSpc>
-              <a:spcBef>
-                <a:spcPts val="0"/>
-              </a:spcBef>
-              <a:spcAft>
-                <a:spcPts val="0"/>
-              </a:spcAft>
-              <a:buSzPts val="2100"/>
-              <a:buNone/>
-              <a:defRPr sz="2100"/>
-            </a:lvl5pPr>
-            <a:lvl6pPr lvl="5" algn="ctr">
-              <a:lnSpc>
-                <a:spcPct val="100000"/>
-              </a:lnSpc>
-              <a:spcBef>
-                <a:spcPts val="0"/>
-              </a:spcBef>
-              <a:spcAft>
-                <a:spcPts val="0"/>
-              </a:spcAft>
-              <a:buSzPts val="2100"/>
-              <a:buNone/>
-              <a:defRPr sz="2100"/>
-            </a:lvl6pPr>
-            <a:lvl7pPr lvl="6" algn="ctr">
-              <a:lnSpc>
-                <a:spcPct val="100000"/>
-              </a:lnSpc>
-              <a:spcBef>
-                <a:spcPts val="0"/>
-              </a:spcBef>
-              <a:spcAft>
-                <a:spcPts val="0"/>
-              </a:spcAft>
-              <a:buSzPts val="2100"/>
-              <a:buNone/>
-              <a:defRPr sz="2100"/>
-            </a:lvl7pPr>
-            <a:lvl8pPr lvl="7" algn="ctr">
-              <a:lnSpc>
-                <a:spcPct val="100000"/>
-              </a:lnSpc>
-              <a:spcBef>
-                <a:spcPts val="0"/>
-              </a:spcBef>
-              <a:spcAft>
-                <a:spcPts val="0"/>
-              </a:spcAft>
-              <a:buSzPts val="2100"/>
-              <a:buNone/>
-              <a:defRPr sz="2100"/>
-            </a:lvl8pPr>
-            <a:lvl9pPr lvl="8" algn="ctr">
-              <a:lnSpc>
-                <a:spcPct val="100000"/>
-              </a:lnSpc>
-              <a:spcBef>
-                <a:spcPts val="0"/>
-              </a:spcBef>
-              <a:spcAft>
-                <a:spcPts val="0"/>
-              </a:spcAft>
-              <a:buSzPts val="2100"/>
-              <a:buNone/>
-              <a:defRPr sz="2100"/>
-            </a:lvl9pPr>
-          </a:lstStyle>
-          <a:p>
-            <a:endParaRPr/>
-          </a:p>
-        </p:txBody>
-      </p:sp>
-      <p:sp>
-        <p:nvSpPr>
-          <p:cNvPr id="39" name="Google Shape;39;p9"/>
-          <p:cNvSpPr txBox="1">
-            <a:spLocks noGrp="1"/>
-          </p:cNvSpPr>
-          <p:nvPr>
-            <p:ph type="body" idx="2"/>
-          </p:nvPr>
-        </p:nvSpPr>
-        <p:spPr>
-          <a:xfrm>
-            <a:off x="4939500" y="724075"/>
-            <a:ext cx="3837000" cy="3695100"/>
-          </a:xfrm>
-          <a:prstGeom prst="rect">
-            <a:avLst/>
-          </a:prstGeom>
-        </p:spPr>
-        <p:txBody>
-          <a:bodyPr spcFirstLastPara="1" wrap="square" lIns="91425" tIns="91425" rIns="91425" bIns="91425" anchor="ctr" anchorCtr="0"/>
-          <a:lstStyle>
-            <a:lvl1pPr marL="457200" lvl="0" indent="-342900">
-              <a:spcBef>
-                <a:spcPts val="0"/>
-              </a:spcBef>
-              <a:spcAft>
-                <a:spcPts val="0"/>
-              </a:spcAft>
-              <a:buSzPts val="1800"/>
-              <a:buChar char="●"/>
-              <a:defRPr/>
-            </a:lvl1pPr>
-            <a:lvl2pPr marL="914400" lvl="1" indent="-317500">
-              <a:spcBef>
-                <a:spcPts val="1600"/>
-              </a:spcBef>
-              <a:spcAft>
-                <a:spcPts val="0"/>
-              </a:spcAft>
-              <a:buSzPts val="1400"/>
-              <a:buChar char="○"/>
-              <a:defRPr/>
-            </a:lvl2pPr>
-            <a:lvl3pPr marL="1371600" lvl="2" indent="-317500">
-              <a:spcBef>
-                <a:spcPts val="1600"/>
-              </a:spcBef>
-              <a:spcAft>
-                <a:spcPts val="0"/>
-              </a:spcAft>
-              <a:buSzPts val="1400"/>
-              <a:buChar char="■"/>
-              <a:defRPr/>
-            </a:lvl3pPr>
-            <a:lvl4pPr marL="1828800" lvl="3" indent="-317500">
-              <a:spcBef>
-                <a:spcPts val="1600"/>
-              </a:spcBef>
-              <a:spcAft>
-                <a:spcPts val="0"/>
-              </a:spcAft>
-              <a:buSzPts val="1400"/>
-              <a:buChar char="●"/>
-              <a:defRPr/>
-            </a:lvl4pPr>
-            <a:lvl5pPr marL="2286000" lvl="4" indent="-317500">
-              <a:spcBef>
-                <a:spcPts val="1600"/>
-              </a:spcBef>
-              <a:spcAft>
-                <a:spcPts val="0"/>
-              </a:spcAft>
-              <a:buSzPts val="1400"/>
-              <a:buChar char="○"/>
-              <a:defRPr/>
-            </a:lvl5pPr>
-            <a:lvl6pPr marL="2743200" lvl="5" indent="-317500">
-              <a:spcBef>
-                <a:spcPts val="1600"/>
-              </a:spcBef>
-              <a:spcAft>
-                <a:spcPts val="0"/>
-              </a:spcAft>
-              <a:buSzPts val="1400"/>
-              <a:buChar char="■"/>
-              <a:defRPr/>
-            </a:lvl6pPr>
-            <a:lvl7pPr marL="3200400" lvl="6" indent="-317500">
-              <a:spcBef>
-                <a:spcPts val="1600"/>
-              </a:spcBef>
-              <a:spcAft>
-                <a:spcPts val="0"/>
-              </a:spcAft>
-              <a:buSzPts val="1400"/>
-              <a:buChar char="●"/>
-              <a:defRPr/>
-            </a:lvl7pPr>
-            <a:lvl8pPr marL="3657600" lvl="7" indent="-317500">
-              <a:spcBef>
-                <a:spcPts val="1600"/>
-              </a:spcBef>
-              <a:spcAft>
-                <a:spcPts val="0"/>
-              </a:spcAft>
-              <a:buSzPts val="1400"/>
-              <a:buChar char="○"/>
-              <a:defRPr/>
-            </a:lvl8pPr>
-            <a:lvl9pPr marL="4114800" lvl="8" indent="-317500">
-              <a:spcBef>
-                <a:spcPts val="1600"/>
-              </a:spcBef>
-              <a:spcAft>
-                <a:spcPts val="1600"/>
-              </a:spcAft>
-              <a:buSzPts val="1400"/>
-              <a:buChar char="■"/>
-              <a:defRPr/>
-            </a:lvl9pPr>
-          </a:lstStyle>
-          <a:p>
-            <a:endParaRPr/>
-          </a:p>
-        </p:txBody>
-      </p:sp>
-      <p:sp>
-        <p:nvSpPr>
-          <p:cNvPr id="40" name="Google Shape;40;p9"/>
-          <p:cNvSpPr txBox="1">
-            <a:spLocks noGrp="1"/>
-          </p:cNvSpPr>
-          <p:nvPr>
-            <p:ph type="sldNum" idx="12"/>
-          </p:nvPr>
-        </p:nvSpPr>
-        <p:spPr>
-          <a:xfrm>
-            <a:off x="8472458" y="4663217"/>
-            <a:ext cx="548700" cy="393600"/>
-          </a:xfrm>
-          <a:prstGeom prst="rect">
-            <a:avLst/>
-          </a:prstGeom>
-        </p:spPr>
-        <p:txBody>
-          <a:bodyPr spcFirstLastPara="1" wrap="square" lIns="91425" tIns="91425" rIns="91425" bIns="91425" anchor="ctr" anchorCtr="0">
-            <a:noAutofit/>
-          </a:bodyPr>
-          <a:lstStyle>
-            <a:lvl1pPr lvl="0">
-              <a:buNone/>
-              <a:defRPr/>
-            </a:lvl1pPr>
-            <a:lvl2pPr lvl="1">
-              <a:buNone/>
-              <a:defRPr/>
-            </a:lvl2pPr>
-            <a:lvl3pPr lvl="2">
-              <a:buNone/>
-              <a:defRPr/>
-            </a:lvl3pPr>
-            <a:lvl4pPr lvl="3">
-              <a:buNone/>
-              <a:defRPr/>
-            </a:lvl4pPr>
-            <a:lvl5pPr lvl="4">
-              <a:buNone/>
-              <a:defRPr/>
-            </a:lvl5pPr>
-            <a:lvl6pPr lvl="5">
-              <a:buNone/>
-              <a:defRPr/>
-            </a:lvl6pPr>
-            <a:lvl7pPr lvl="6">
-              <a:buNone/>
-              <a:defRPr/>
-            </a:lvl7pPr>
-            <a:lvl8pPr lvl="7">
-              <a:buNone/>
-              <a:defRPr/>
-            </a:lvl8pPr>
-            <a:lvl9pPr lvl="8">
-              <a:buNone/>
-              <a:defRPr/>
-            </a:lvl9pPr>
-          </a:lstStyle>
-          <a:p>
-            <a:pPr marL="0" lvl="0" indent="0" algn="r" rtl="0">
-              <a:spcBef>
-                <a:spcPts val="0"/>
-              </a:spcBef>
-              <a:spcAft>
-                <a:spcPts val="0"/>
-              </a:spcAft>
-              <a:buNone/>
-            </a:pPr>
-            <a:fld id="{00000000-1234-1234-1234-123412341234}" type="slidenum">
-              <a:rPr lang="en"/>
-              <a:t>‹#›</a:t>
-            </a:fld>
-            <a:endParaRPr/>
-          </a:p>
-        </p:txBody>
-      </p:sp>
-    </p:spTree>
-  </p:cSld>
-  <p:clrMapOvr>
-    <a:masterClrMapping/>
-  </p:clrMapOvr>
-</p:sldLayout>
-</file>
-
-<file path=ppt/slideLayouts/slideLayout9.xml><?xml version="1.0" encoding="utf-8"?>
-<p:sldLayout xmlns:a="http://schemas.openxmlformats.org/drawingml/2006/main" xmlns:r="http://schemas.openxmlformats.org/officeDocument/2006/relationships" xmlns:p="http://schemas.openxmlformats.org/presentationml/2006/main" matchingName="Caption">
-  <p:cSld name="CAPTION_ONLY">
-    <p:spTree>
-      <p:nvGrpSpPr>
-        <p:cNvPr id="1" name="Shape 41"/>
-        <p:cNvGrpSpPr/>
-        <p:nvPr/>
-      </p:nvGrpSpPr>
-      <p:grpSpPr>
-        <a:xfrm>
-          <a:off x="0" y="0"/>
-          <a:ext cx="0" cy="0"/>
-          <a:chOff x="0" y="0"/>
-          <a:chExt cx="0" cy="0"/>
-        </a:xfrm>
-      </p:grpSpPr>
-      <p:sp>
-        <p:nvSpPr>
-          <p:cNvPr id="42" name="Google Shape;42;p10"/>
-          <p:cNvSpPr txBox="1">
-            <a:spLocks noGrp="1"/>
-          </p:cNvSpPr>
-          <p:nvPr>
-            <p:ph type="body" idx="1"/>
-          </p:nvPr>
-        </p:nvSpPr>
-        <p:spPr>
-          <a:xfrm>
-            <a:off x="311700" y="4230575"/>
-            <a:ext cx="5998800" cy="605100"/>
-          </a:xfrm>
-          <a:prstGeom prst="rect">
-            <a:avLst/>
-          </a:prstGeom>
-        </p:spPr>
-        <p:txBody>
-          <a:bodyPr spcFirstLastPara="1" wrap="square" lIns="91425" tIns="91425" rIns="91425" bIns="91425" anchor="ctr" anchorCtr="0"/>
-          <a:lstStyle>
-            <a:lvl1pPr marL="457200" lvl="0" indent="-228600">
-              <a:lnSpc>
-                <a:spcPct val="100000"/>
-              </a:lnSpc>
-              <a:spcBef>
-                <a:spcPts val="0"/>
-              </a:spcBef>
-              <a:spcAft>
-                <a:spcPts val="0"/>
-              </a:spcAft>
-              <a:buSzPts val="1800"/>
-              <a:buNone/>
-              <a:defRPr/>
-            </a:lvl1pPr>
-          </a:lstStyle>
-          <a:p>
-            <a:endParaRPr/>
-          </a:p>
-        </p:txBody>
-      </p:sp>
-      <p:sp>
-        <p:nvSpPr>
-          <p:cNvPr id="43" name="Google Shape;43;p10"/>
-          <p:cNvSpPr txBox="1">
-            <a:spLocks noGrp="1"/>
-          </p:cNvSpPr>
-          <p:nvPr>
-            <p:ph type="sldNum" idx="12"/>
-          </p:nvPr>
-        </p:nvSpPr>
-        <p:spPr>
-          <a:xfrm>
-            <a:off x="8472458" y="4663217"/>
-            <a:ext cx="548700" cy="393600"/>
-          </a:xfrm>
-          <a:prstGeom prst="rect">
-            <a:avLst/>
-          </a:prstGeom>
-        </p:spPr>
-        <p:txBody>
-          <a:bodyPr spcFirstLastPara="1" wrap="square" lIns="91425" tIns="91425" rIns="91425" bIns="91425" anchor="ctr" anchorCtr="0">
-            <a:noAutofit/>
-          </a:bodyPr>
-          <a:lstStyle>
-            <a:lvl1pPr lvl="0">
-              <a:buNone/>
-              <a:defRPr/>
-            </a:lvl1pPr>
-            <a:lvl2pPr lvl="1">
-              <a:buNone/>
-              <a:defRPr/>
-            </a:lvl2pPr>
-            <a:lvl3pPr lvl="2">
-              <a:buNone/>
-              <a:defRPr/>
-            </a:lvl3pPr>
-            <a:lvl4pPr lvl="3">
-              <a:buNone/>
-              <a:defRPr/>
-            </a:lvl4pPr>
-            <a:lvl5pPr lvl="4">
-              <a:buNone/>
-              <a:defRPr/>
-            </a:lvl5pPr>
-            <a:lvl6pPr lvl="5">
-              <a:buNone/>
-              <a:defRPr/>
-            </a:lvl6pPr>
-            <a:lvl7pPr lvl="6">
-              <a:buNone/>
-              <a:defRPr/>
-            </a:lvl7pPr>
-            <a:lvl8pPr lvl="7">
-              <a:buNone/>
-              <a:defRPr/>
-            </a:lvl8pPr>
-            <a:lvl9pPr lvl="8">
-              <a:buNone/>
-              <a:defRPr/>
-            </a:lvl9pPr>
-          </a:lstStyle>
-          <a:p>
-            <a:pPr marL="0" lvl="0" indent="0" algn="r" rtl="0">
-              <a:spcBef>
-                <a:spcPts val="0"/>
-              </a:spcBef>
-              <a:spcAft>
-                <a:spcPts val="0"/>
-              </a:spcAft>
-              <a:buNone/>
-            </a:pPr>
-            <a:fld id="{00000000-1234-1234-1234-123412341234}" type="slidenum">
-              <a:rPr lang="en"/>
-              <a:t>‹#›</a:t>
-            </a:fld>
-            <a:endParaRPr/>
-          </a:p>
-        </p:txBody>
-      </p:sp>
-    </p:spTree>
-  </p:cSld>
-  <p:clrMapOvr>
-    <a:masterClrMapping/>
-  </p:clrMapOvr>
-</p:sldLayout>
-</file>
-
 <file path=ppt/slideMasters/slideMaster1.xml><?xml version="1.0" encoding="utf-8"?>
-<p:sldMaster xmlns:a="http://schemas.openxmlformats.org/drawingml/2006/main" xmlns:r="http://schemas.openxmlformats.org/officeDocument/2006/relationships" xmlns:p="http://schemas.openxmlformats.org/presentationml/2006/main">
-  <p:cSld name="simple-light-2">
-    <p:bg>
-      <p:bgPr>
-        <a:solidFill>
-          <a:schemeClr val="lt1"/>
-        </a:solidFill>
-        <a:effectLst/>
-      </p:bgPr>
-    </p:bg>
-    <p:spTree>
-      <p:nvGrpSpPr>
-        <p:cNvPr id="1" name="Shape 5"/>
-        <p:cNvGrpSpPr/>
-        <p:nvPr/>
-      </p:nvGrpSpPr>
-      <p:grpSpPr>
-        <a:xfrm>
-          <a:off x="0" y="0"/>
-          <a:ext cx="0" cy="0"/>
-          <a:chOff x="0" y="0"/>
-          <a:chExt cx="0" cy="0"/>
-        </a:xfrm>
-      </p:grpSpPr>
-      <p:sp>
-        <p:nvSpPr>
-          <p:cNvPr id="6" name="Google Shape;6;p1"/>
-          <p:cNvSpPr txBox="1">
-            <a:spLocks noGrp="1"/>
-          </p:cNvSpPr>
-          <p:nvPr>
-            <p:ph type="title"/>
-          </p:nvPr>
-        </p:nvSpPr>
-        <p:spPr>
-          <a:xfrm>
-            <a:off x="311700" y="445025"/>
-            <a:ext cx="8520600" cy="572700"/>
-          </a:xfrm>
-          <a:prstGeom prst="rect">
-            <a:avLst/>
-          </a:prstGeom>
-          <a:noFill/>
-          <a:ln>
-            <a:noFill/>
-          </a:ln>
-        </p:spPr>
-        <p:txBody>
-          <a:bodyPr spcFirstLastPara="1" wrap="square" lIns="91425" tIns="91425" rIns="91425" bIns="91425" anchor="t" anchorCtr="0"/>
-          <a:lstStyle>
-            <a:lvl1pPr lvl="0">
-              <a:spcBef>
-                <a:spcPts val="0"/>
-              </a:spcBef>
-              <a:spcAft>
-                <a:spcPts val="0"/>
-              </a:spcAft>
-              <a:buClr>
-                <a:schemeClr val="dk1"/>
-              </a:buClr>
-              <a:buSzPts val="2800"/>
-              <a:buNone/>
-              <a:defRPr sz="2800">
-                <a:solidFill>
-                  <a:schemeClr val="dk1"/>
-                </a:solidFill>
-              </a:defRPr>
-            </a:lvl1pPr>
-            <a:lvl2pPr lvl="1">
-              <a:spcBef>
-                <a:spcPts val="0"/>
-              </a:spcBef>
-              <a:spcAft>
-                <a:spcPts val="0"/>
-              </a:spcAft>
-              <a:buClr>
-                <a:schemeClr val="dk1"/>
-              </a:buClr>
-              <a:buSzPts val="2800"/>
-              <a:buNone/>
-              <a:defRPr sz="2800">
-                <a:solidFill>
-                  <a:schemeClr val="dk1"/>
-                </a:solidFill>
-              </a:defRPr>
-            </a:lvl2pPr>
-            <a:lvl3pPr lvl="2">
-              <a:spcBef>
-                <a:spcPts val="0"/>
-              </a:spcBef>
-              <a:spcAft>
-                <a:spcPts val="0"/>
-              </a:spcAft>
-              <a:buClr>
-                <a:schemeClr val="dk1"/>
-              </a:buClr>
-              <a:buSzPts val="2800"/>
-              <a:buNone/>
-              <a:defRPr sz="2800">
-                <a:solidFill>
-                  <a:schemeClr val="dk1"/>
-                </a:solidFill>
-              </a:defRPr>
-            </a:lvl3pPr>
-            <a:lvl4pPr lvl="3">
-              <a:spcBef>
-                <a:spcPts val="0"/>
-              </a:spcBef>
-              <a:spcAft>
-                <a:spcPts val="0"/>
-              </a:spcAft>
-              <a:buClr>
-                <a:schemeClr val="dk1"/>
-              </a:buClr>
-              <a:buSzPts val="2800"/>
-              <a:buNone/>
-              <a:defRPr sz="2800">
-                <a:solidFill>
-                  <a:schemeClr val="dk1"/>
-                </a:solidFill>
-              </a:defRPr>
-            </a:lvl4pPr>
-            <a:lvl5pPr lvl="4">
-              <a:spcBef>
-                <a:spcPts val="0"/>
-              </a:spcBef>
-              <a:spcAft>
-                <a:spcPts val="0"/>
-              </a:spcAft>
-              <a:buClr>
-                <a:schemeClr val="dk1"/>
-              </a:buClr>
-              <a:buSzPts val="2800"/>
-              <a:buNone/>
-              <a:defRPr sz="2800">
-                <a:solidFill>
-                  <a:schemeClr val="dk1"/>
-                </a:solidFill>
-              </a:defRPr>
-            </a:lvl5pPr>
-            <a:lvl6pPr lvl="5">
-              <a:spcBef>
-                <a:spcPts val="0"/>
-              </a:spcBef>
-              <a:spcAft>
-                <a:spcPts val="0"/>
-              </a:spcAft>
-              <a:buClr>
-                <a:schemeClr val="dk1"/>
-              </a:buClr>
-              <a:buSzPts val="2800"/>
-              <a:buNone/>
-              <a:defRPr sz="2800">
-                <a:solidFill>
-                  <a:schemeClr val="dk1"/>
-                </a:solidFill>
-              </a:defRPr>
-            </a:lvl6pPr>
-            <a:lvl7pPr lvl="6">
-              <a:spcBef>
-                <a:spcPts val="0"/>
-              </a:spcBef>
-              <a:spcAft>
-                <a:spcPts val="0"/>
-              </a:spcAft>
-              <a:buClr>
-                <a:schemeClr val="dk1"/>
-              </a:buClr>
-              <a:buSzPts val="2800"/>
-              <a:buNone/>
-              <a:defRPr sz="2800">
-                <a:solidFill>
-                  <a:schemeClr val="dk1"/>
-                </a:solidFill>
-              </a:defRPr>
-            </a:lvl7pPr>
-            <a:lvl8pPr lvl="7">
-              <a:spcBef>
-                <a:spcPts val="0"/>
-              </a:spcBef>
-              <a:spcAft>
-                <a:spcPts val="0"/>
-              </a:spcAft>
-              <a:buClr>
-                <a:schemeClr val="dk1"/>
-              </a:buClr>
-              <a:buSzPts val="2800"/>
-              <a:buNone/>
-              <a:defRPr sz="2800">
-                <a:solidFill>
-                  <a:schemeClr val="dk1"/>
-                </a:solidFill>
-              </a:defRPr>
-            </a:lvl8pPr>
-            <a:lvl9pPr lvl="8">
-              <a:spcBef>
-                <a:spcPts val="0"/>
-              </a:spcBef>
-              <a:spcAft>
-                <a:spcPts val="0"/>
-              </a:spcAft>
-              <a:buClr>
-                <a:schemeClr val="dk1"/>
-              </a:buClr>
-              <a:buSzPts val="2800"/>
-              <a:buNone/>
-              <a:defRPr sz="2800">
-                <a:solidFill>
-                  <a:schemeClr val="dk1"/>
-                </a:solidFill>
-              </a:defRPr>
-            </a:lvl9pPr>
-          </a:lstStyle>
-          <a:p>
-            <a:endParaRPr/>
-          </a:p>
-        </p:txBody>
-      </p:sp>
-      <p:sp>
-        <p:nvSpPr>
-          <p:cNvPr id="7" name="Google Shape;7;p1"/>
-          <p:cNvSpPr txBox="1">
-            <a:spLocks noGrp="1"/>
-          </p:cNvSpPr>
-          <p:nvPr>
-            <p:ph type="body" idx="1"/>
-          </p:nvPr>
-        </p:nvSpPr>
-        <p:spPr>
-          <a:xfrm>
-            <a:off x="311700" y="1152475"/>
-            <a:ext cx="8520600" cy="3416400"/>
-          </a:xfrm>
-          <a:prstGeom prst="rect">
-            <a:avLst/>
-          </a:prstGeom>
-          <a:noFill/>
-          <a:ln>
-            <a:noFill/>
-          </a:ln>
-        </p:spPr>
-        <p:txBody>
-          <a:bodyPr spcFirstLastPara="1" wrap="square" lIns="91425" tIns="91425" rIns="91425" bIns="91425" anchor="t" anchorCtr="0"/>
-          <a:lstStyle>
-            <a:lvl1pPr marL="457200" lvl="0" indent="-342900">
-              <a:lnSpc>
-                <a:spcPct val="115000"/>
-              </a:lnSpc>
-              <a:spcBef>
-                <a:spcPts val="0"/>
-              </a:spcBef>
-              <a:spcAft>
-                <a:spcPts val="0"/>
-              </a:spcAft>
-              <a:buClr>
-                <a:schemeClr val="dk2"/>
-              </a:buClr>
-              <a:buSzPts val="1800"/>
-              <a:buChar char="●"/>
-              <a:defRPr sz="1800">
-                <a:solidFill>
-                  <a:schemeClr val="dk2"/>
-                </a:solidFill>
-              </a:defRPr>
-            </a:lvl1pPr>
-            <a:lvl2pPr marL="914400" lvl="1" indent="-317500">
-              <a:lnSpc>
-                <a:spcPct val="115000"/>
-              </a:lnSpc>
-              <a:spcBef>
-                <a:spcPts val="1600"/>
-              </a:spcBef>
-              <a:spcAft>
-                <a:spcPts val="0"/>
-              </a:spcAft>
-              <a:buClr>
-                <a:schemeClr val="dk2"/>
-              </a:buClr>
-              <a:buSzPts val="1400"/>
-              <a:buChar char="○"/>
-              <a:defRPr>
-                <a:solidFill>
-                  <a:schemeClr val="dk2"/>
-                </a:solidFill>
-              </a:defRPr>
-            </a:lvl2pPr>
-            <a:lvl3pPr marL="1371600" lvl="2" indent="-317500">
-              <a:lnSpc>
-                <a:spcPct val="115000"/>
-              </a:lnSpc>
-              <a:spcBef>
-                <a:spcPts val="1600"/>
-              </a:spcBef>
-              <a:spcAft>
-                <a:spcPts val="0"/>
-              </a:spcAft>
-              <a:buClr>
-                <a:schemeClr val="dk2"/>
-              </a:buClr>
-              <a:buSzPts val="1400"/>
-              <a:buChar char="■"/>
-              <a:defRPr>
-                <a:solidFill>
-                  <a:schemeClr val="dk2"/>
-                </a:solidFill>
-              </a:defRPr>
-            </a:lvl3pPr>
-            <a:lvl4pPr marL="1828800" lvl="3" indent="-317500">
-              <a:lnSpc>
-                <a:spcPct val="115000"/>
-              </a:lnSpc>
-              <a:spcBef>
-                <a:spcPts val="1600"/>
-              </a:spcBef>
-              <a:spcAft>
-                <a:spcPts val="0"/>
-              </a:spcAft>
-              <a:buClr>
-                <a:schemeClr val="dk2"/>
-              </a:buClr>
-              <a:buSzPts val="1400"/>
-              <a:buChar char="●"/>
-              <a:defRPr>
-                <a:solidFill>
-                  <a:schemeClr val="dk2"/>
-                </a:solidFill>
-              </a:defRPr>
-            </a:lvl4pPr>
-            <a:lvl5pPr marL="2286000" lvl="4" indent="-317500">
-              <a:lnSpc>
-                <a:spcPct val="115000"/>
-              </a:lnSpc>
-              <a:spcBef>
-                <a:spcPts val="1600"/>
-              </a:spcBef>
-              <a:spcAft>
-                <a:spcPts val="0"/>
-              </a:spcAft>
-              <a:buClr>
-                <a:schemeClr val="dk2"/>
-              </a:buClr>
-              <a:buSzPts val="1400"/>
-              <a:buChar char="○"/>
-              <a:defRPr>
-                <a:solidFill>
-                  <a:schemeClr val="dk2"/>
-                </a:solidFill>
-              </a:defRPr>
-            </a:lvl5pPr>
-            <a:lvl6pPr marL="2743200" lvl="5" indent="-317500">
-              <a:lnSpc>
-                <a:spcPct val="115000"/>
-              </a:lnSpc>
-              <a:spcBef>
-                <a:spcPts val="1600"/>
-              </a:spcBef>
-              <a:spcAft>
-                <a:spcPts val="0"/>
-              </a:spcAft>
-              <a:buClr>
-                <a:schemeClr val="dk2"/>
-              </a:buClr>
-              <a:buSzPts val="1400"/>
-              <a:buChar char="■"/>
-              <a:defRPr>
-                <a:solidFill>
-                  <a:schemeClr val="dk2"/>
-                </a:solidFill>
-              </a:defRPr>
-            </a:lvl6pPr>
-            <a:lvl7pPr marL="3200400" lvl="6" indent="-317500">
-              <a:lnSpc>
-                <a:spcPct val="115000"/>
-              </a:lnSpc>
-              <a:spcBef>
-                <a:spcPts val="1600"/>
-              </a:spcBef>
-              <a:spcAft>
-                <a:spcPts val="0"/>
-              </a:spcAft>
-              <a:buClr>
-                <a:schemeClr val="dk2"/>
-              </a:buClr>
-              <a:buSzPts val="1400"/>
-              <a:buChar char="●"/>
-              <a:defRPr>
-                <a:solidFill>
-                  <a:schemeClr val="dk2"/>
-                </a:solidFill>
-              </a:defRPr>
-            </a:lvl7pPr>
-            <a:lvl8pPr marL="3657600" lvl="7" indent="-317500">
-              <a:lnSpc>
-                <a:spcPct val="115000"/>
-              </a:lnSpc>
-              <a:spcBef>
-                <a:spcPts val="1600"/>
-              </a:spcBef>
-              <a:spcAft>
-                <a:spcPts val="0"/>
-              </a:spcAft>
-              <a:buClr>
-                <a:schemeClr val="dk2"/>
-              </a:buClr>
-              <a:buSzPts val="1400"/>
-              <a:buChar char="○"/>
-              <a:defRPr>
-                <a:solidFill>
-                  <a:schemeClr val="dk2"/>
-                </a:solidFill>
-              </a:defRPr>
-            </a:lvl8pPr>
-            <a:lvl9pPr marL="4114800" lvl="8" indent="-317500">
-              <a:lnSpc>
-                <a:spcPct val="115000"/>
-              </a:lnSpc>
-              <a:spcBef>
-                <a:spcPts val="1600"/>
-              </a:spcBef>
-              <a:spcAft>
-                <a:spcPts val="1600"/>
-              </a:spcAft>
-              <a:buClr>
-                <a:schemeClr val="dk2"/>
-              </a:buClr>
-              <a:buSzPts val="1400"/>
-              <a:buChar char="■"/>
-              <a:defRPr>
-                <a:solidFill>
-                  <a:schemeClr val="dk2"/>
-                </a:solidFill>
-              </a:defRPr>
-            </a:lvl9pPr>
-          </a:lstStyle>
-          <a:p>
-            <a:endParaRPr/>
-          </a:p>
-        </p:txBody>
-      </p:sp>
-      <p:sp>
-        <p:nvSpPr>
-          <p:cNvPr id="8" name="Google Shape;8;p1"/>
-          <p:cNvSpPr txBox="1">
-            <a:spLocks noGrp="1"/>
-          </p:cNvSpPr>
-          <p:nvPr>
-            <p:ph type="sldNum" idx="12"/>
-          </p:nvPr>
-        </p:nvSpPr>
-        <p:spPr>
-          <a:xfrm>
-            <a:off x="8472458" y="4663217"/>
-            <a:ext cx="548700" cy="393600"/>
-          </a:xfrm>
-          <a:prstGeom prst="rect">
-            <a:avLst/>
-          </a:prstGeom>
-          <a:noFill/>
-          <a:ln>
-            <a:noFill/>
-          </a:ln>
-        </p:spPr>
-        <p:txBody>
-          <a:bodyPr spcFirstLastPara="1" wrap="square" lIns="91425" tIns="91425" rIns="91425" bIns="91425" anchor="ctr" anchorCtr="0">
-            <a:noAutofit/>
-          </a:bodyPr>
-          <a:lstStyle>
-            <a:lvl1pPr lvl="0" algn="r">
-              <a:buNone/>
-              <a:defRPr sz="1000">
-                <a:solidFill>
-                  <a:schemeClr val="dk2"/>
-                </a:solidFill>
-              </a:defRPr>
-            </a:lvl1pPr>
-            <a:lvl2pPr lvl="1" algn="r">
-              <a:buNone/>
-              <a:defRPr sz="1000">
-                <a:solidFill>
-                  <a:schemeClr val="dk2"/>
-                </a:solidFill>
-              </a:defRPr>
-            </a:lvl2pPr>
-            <a:lvl3pPr lvl="2" algn="r">
-              <a:buNone/>
-              <a:defRPr sz="1000">
-                <a:solidFill>
-                  <a:schemeClr val="dk2"/>
-                </a:solidFill>
-              </a:defRPr>
-            </a:lvl3pPr>
-            <a:lvl4pPr lvl="3" algn="r">
-              <a:buNone/>
-              <a:defRPr sz="1000">
-                <a:solidFill>
-                  <a:schemeClr val="dk2"/>
-                </a:solidFill>
-              </a:defRPr>
-            </a:lvl4pPr>
-            <a:lvl5pPr lvl="4" algn="r">
-              <a:buNone/>
-              <a:defRPr sz="1000">
-                <a:solidFill>
-                  <a:schemeClr val="dk2"/>
-                </a:solidFill>
-              </a:defRPr>
-            </a:lvl5pPr>
-            <a:lvl6pPr lvl="5" algn="r">
-              <a:buNone/>
-              <a:defRPr sz="1000">
-                <a:solidFill>
-                  <a:schemeClr val="dk2"/>
-                </a:solidFill>
-              </a:defRPr>
-            </a:lvl6pPr>
-            <a:lvl7pPr lvl="6" algn="r">
-              <a:buNone/>
-              <a:defRPr sz="1000">
-                <a:solidFill>
-                  <a:schemeClr val="dk2"/>
-                </a:solidFill>
-              </a:defRPr>
-            </a:lvl7pPr>
-            <a:lvl8pPr lvl="7" algn="r">
-              <a:buNone/>
-              <a:defRPr sz="1000">
-                <a:solidFill>
-                  <a:schemeClr val="dk2"/>
-                </a:solidFill>
-              </a:defRPr>
-            </a:lvl8pPr>
-            <a:lvl9pPr lvl="8" algn="r">
-              <a:buNone/>
-              <a:defRPr sz="1000">
-                <a:solidFill>
-                  <a:schemeClr val="dk2"/>
-                </a:solidFill>
-              </a:defRPr>
-            </a:lvl9pPr>
-          </a:lstStyle>
-          <a:p>
-            <a:pPr marL="0" lvl="0" indent="0" algn="r" rtl="0">
-              <a:spcBef>
-                <a:spcPts val="0"/>
-              </a:spcBef>
-              <a:spcAft>
-                <a:spcPts val="0"/>
-              </a:spcAft>
-              <a:buNone/>
-            </a:pPr>
-            <a:fld id="{00000000-1234-1234-1234-123412341234}" type="slidenum">
-              <a:rPr lang="en"/>
-              <a:t>‹#›</a:t>
-            </a:fld>
-            <a:endParaRPr/>
-          </a:p>
-        </p:txBody>
-      </p:sp>
-    </p:spTree>
-  </p:cSld>
-  <p:clrMap bg1="lt1" tx1="dk1" bg2="dk2" tx2="lt2" accent1="accent1" accent2="accent2" accent3="accent3" accent4="accent4" accent5="accent5" accent6="accent6" hlink="hlink" folHlink="folHlink"/>
-  <p:sldLayoutIdLst>
-    <p:sldLayoutId id="2147483648" r:id="rId1"/>
-    <p:sldLayoutId id="2147483649" r:id="rId2"/>
-    <p:sldLayoutId id="2147483650" r:id="rId3"/>
-    <p:sldLayoutId id="2147483651" r:id="rId4"/>
-    <p:sldLayoutId id="2147483652" r:id="rId5"/>
-    <p:sldLayoutId id="2147483653" r:id="rId6"/>
-    <p:sldLayoutId id="2147483654" r:id="rId7"/>
-    <p:sldLayoutId id="2147483655" r:id="rId8"/>
-    <p:sldLayoutId id="2147483656" r:id="rId9"/>
-    <p:sldLayoutId id="2147483657" r:id="rId10"/>
-    <p:sldLayoutId id="2147483658" r:id="rId11"/>
-  </p:sldLayoutIdLst>
-  <p:hf sldNum="0" hdr="0" ftr="0" dt="0"/>
-  <p:txStyles>
-    <p:titleStyle>
-      <a:defPPr marR="0" lvl="0" algn="l" rtl="0">
-        <a:lnSpc>
-          <a:spcPct val="100000"/>
-        </a:lnSpc>
-        <a:spcBef>
-          <a:spcPts val="0"/>
-        </a:spcBef>
-        <a:spcAft>
-          <a:spcPts val="0"/>
-        </a:spcAft>
-      </a:defPPr>
-      <a:lvl1pPr marR="0" lvl="0" algn="l" rtl="0">
-        <a:lnSpc>
-          <a:spcPct val="100000"/>
-        </a:lnSpc>
-        <a:spcBef>
-          <a:spcPts val="0"/>
-        </a:spcBef>
-        <a:spcAft>
-          <a:spcPts val="0"/>
-        </a:spcAft>
-        <a:buClr>
-          <a:srgbClr val="000000"/>
-        </a:buClr>
-        <a:buFont typeface="Arial"/>
-        <a:defRPr sz="1400" b="0" i="0" u="none" strike="noStrike" cap="none">
-          <a:solidFill>
-            <a:srgbClr val="000000"/>
-          </a:solidFill>
-          <a:latin typeface="Arial"/>
-          <a:ea typeface="Arial"/>
-          <a:cs typeface="Arial"/>
-          <a:sym typeface="Arial"/>
-        </a:defRPr>
-      </a:lvl1pPr>
-      <a:lvl2pPr marR="0" lvl="1" algn="l" rtl="0">
-        <a:lnSpc>
-          <a:spcPct val="100000"/>
-        </a:lnSpc>
-        <a:spcBef>
-          <a:spcPts val="0"/>
-        </a:spcBef>
-        <a:spcAft>
-          <a:spcPts val="0"/>
-        </a:spcAft>
-        <a:buClr>
-          <a:srgbClr val="000000"/>
-        </a:buClr>
-        <a:buFont typeface="Arial"/>
-        <a:defRPr sz="1400" b="0" i="0" u="none" strike="noStrike" cap="none">
-          <a:solidFill>
-            <a:srgbClr val="000000"/>
-          </a:solidFill>
-          <a:latin typeface="Arial"/>
-          <a:ea typeface="Arial"/>
-          <a:cs typeface="Arial"/>
-          <a:sym typeface="Arial"/>
-        </a:defRPr>
-      </a:lvl2pPr>
-      <a:lvl3pPr marR="0" lvl="2" algn="l" rtl="0">
-        <a:lnSpc>
-          <a:spcPct val="100000"/>
-        </a:lnSpc>
-        <a:spcBef>
-          <a:spcPts val="0"/>
-        </a:spcBef>
-        <a:spcAft>
-          <a:spcPts val="0"/>
-        </a:spcAft>
-        <a:buClr>
-          <a:srgbClr val="000000"/>
-        </a:buClr>
-        <a:buFont typeface="Arial"/>
-        <a:defRPr sz="1400" b="0" i="0" u="none" strike="noStrike" cap="none">
-          <a:solidFill>
-            <a:srgbClr val="000000"/>
-          </a:solidFill>
-          <a:latin typeface="Arial"/>
-          <a:ea typeface="Arial"/>
-          <a:cs typeface="Arial"/>
-          <a:sym typeface="Arial"/>
-        </a:defRPr>
-      </a:lvl3pPr>
-      <a:lvl4pPr marR="0" lvl="3" algn="l" rtl="0">
-        <a:lnSpc>
-          <a:spcPct val="100000"/>
-        </a:lnSpc>
-        <a:spcBef>
-          <a:spcPts val="0"/>
-        </a:spcBef>
-        <a:spcAft>
-          <a:spcPts val="0"/>
-        </a:spcAft>
-        <a:buClr>
-          <a:srgbClr val="000000"/>
-        </a:buClr>
-        <a:buFont typeface="Arial"/>
-        <a:defRPr sz="1400" b="0" i="0" u="none" strike="noStrike" cap="none">
-          <a:solidFill>
-            <a:srgbClr val="000000"/>
-          </a:solidFill>
-          <a:latin typeface="Arial"/>
-          <a:ea typeface="Arial"/>
-          <a:cs typeface="Arial"/>
-          <a:sym typeface="Arial"/>
-        </a:defRPr>
-      </a:lvl4pPr>
-      <a:lvl5pPr marR="0" lvl="4" algn="l" rtl="0">
-        <a:lnSpc>
-          <a:spcPct val="100000"/>
-        </a:lnSpc>
-        <a:spcBef>
-          <a:spcPts val="0"/>
-        </a:spcBef>
-        <a:spcAft>
-          <a:spcPts val="0"/>
-        </a:spcAft>
-        <a:buClr>
-          <a:srgbClr val="000000"/>
-        </a:buClr>
-        <a:buFont typeface="Arial"/>
-        <a:defRPr sz="1400" b="0" i="0" u="none" strike="noStrike" cap="none">
-          <a:solidFill>
-            <a:srgbClr val="000000"/>
-          </a:solidFill>
-          <a:latin typeface="Arial"/>
-          <a:ea typeface="Arial"/>
-          <a:cs typeface="Arial"/>
-          <a:sym typeface="Arial"/>
-        </a:defRPr>
-      </a:lvl5pPr>
-      <a:lvl6pPr marR="0" lvl="5" algn="l" rtl="0">
-        <a:lnSpc>
-          <a:spcPct val="100000"/>
-        </a:lnSpc>
-        <a:spcBef>
-          <a:spcPts val="0"/>
-        </a:spcBef>
-        <a:spcAft>
-          <a:spcPts val="0"/>
-        </a:spcAft>
-        <a:buClr>
-          <a:srgbClr val="000000"/>
-        </a:buClr>
-        <a:buFont typeface="Arial"/>
-        <a:defRPr sz="1400" b="0" i="0" u="none" strike="noStrike" cap="none">
-          <a:solidFill>
-            <a:srgbClr val="000000"/>
-          </a:solidFill>
-          <a:latin typeface="Arial"/>
-          <a:ea typeface="Arial"/>
-          <a:cs typeface="Arial"/>
-          <a:sym typeface="Arial"/>
-        </a:defRPr>
-      </a:lvl6pPr>
-      <a:lvl7pPr marR="0" lvl="6" algn="l" rtl="0">
-        <a:lnSpc>
-          <a:spcPct val="100000"/>
-        </a:lnSpc>
-        <a:spcBef>
-          <a:spcPts val="0"/>
-        </a:spcBef>
-        <a:spcAft>
-          <a:spcPts val="0"/>
-        </a:spcAft>
-        <a:buClr>
-          <a:srgbClr val="000000"/>
-        </a:buClr>
-        <a:buFont typeface="Arial"/>
-        <a:defRPr sz="1400" b="0" i="0" u="none" strike="noStrike" cap="none">
-          <a:solidFill>
-            <a:srgbClr val="000000"/>
-          </a:solidFill>
-          <a:latin typeface="Arial"/>
-          <a:ea typeface="Arial"/>
-          <a:cs typeface="Arial"/>
-          <a:sym typeface="Arial"/>
-        </a:defRPr>
-      </a:lvl7pPr>
-      <a:lvl8pPr marR="0" lvl="7" algn="l" rtl="0">
-        <a:lnSpc>
-          <a:spcPct val="100000"/>
-        </a:lnSpc>
-        <a:spcBef>
-          <a:spcPts val="0"/>
-        </a:spcBef>
-        <a:spcAft>
-          <a:spcPts val="0"/>
-        </a:spcAft>
-        <a:buClr>
-          <a:srgbClr val="000000"/>
-        </a:buClr>
-        <a:buFont typeface="Arial"/>
-        <a:defRPr sz="1400" b="0" i="0" u="none" strike="noStrike" cap="none">
-          <a:solidFill>
-            <a:srgbClr val="000000"/>
-          </a:solidFill>
-          <a:latin typeface="Arial"/>
-          <a:ea typeface="Arial"/>
-          <a:cs typeface="Arial"/>
-          <a:sym typeface="Arial"/>
-        </a:defRPr>
-      </a:lvl8pPr>
-      <a:lvl9pPr marR="0" lvl="8" algn="l" rtl="0">
-        <a:lnSpc>
-          <a:spcPct val="100000"/>
-        </a:lnSpc>
-        <a:spcBef>
-          <a:spcPts val="0"/>
-        </a:spcBef>
-        <a:spcAft>
-          <a:spcPts val="0"/>
-        </a:spcAft>
-        <a:buClr>
-          <a:srgbClr val="000000"/>
-        </a:buClr>
-        <a:buFont typeface="Arial"/>
-        <a:defRPr sz="1400" b="0" i="0" u="none" strike="noStrike" cap="none">
-          <a:solidFill>
-            <a:srgbClr val="000000"/>
-          </a:solidFill>
-          <a:latin typeface="Arial"/>
-          <a:ea typeface="Arial"/>
-          <a:cs typeface="Arial"/>
-          <a:sym typeface="Arial"/>
-        </a:defRPr>
-      </a:lvl9pPr>
-    </p:titleStyle>
-    <p:bodyStyle>
-      <a:defPPr marR="0" lvl="0" algn="l" rtl="0">
-        <a:lnSpc>
-          <a:spcPct val="100000"/>
-        </a:lnSpc>
-        <a:spcBef>
-          <a:spcPts val="0"/>
-        </a:spcBef>
-        <a:spcAft>
-          <a:spcPts val="0"/>
-        </a:spcAft>
-      </a:defPPr>
-      <a:lvl1pPr marR="0" lvl="0" algn="l" rtl="0">
-        <a:lnSpc>
-          <a:spcPct val="100000"/>
-        </a:lnSpc>
-        <a:spcBef>
-          <a:spcPts val="0"/>
-        </a:spcBef>
-        <a:spcAft>
-          <a:spcPts val="0"/>
-        </a:spcAft>
-        <a:buClr>
-          <a:srgbClr val="000000"/>
-        </a:buClr>
-        <a:buFont typeface="Arial"/>
-        <a:defRPr sz="1400" b="0" i="0" u="none" strike="noStrike" cap="none">
-          <a:solidFill>
-            <a:srgbClr val="000000"/>
-          </a:solidFill>
-          <a:latin typeface="Arial"/>
-          <a:ea typeface="Arial"/>
-          <a:cs typeface="Arial"/>
-          <a:sym typeface="Arial"/>
-        </a:defRPr>
-      </a:lvl1pPr>
-      <a:lvl2pPr marR="0" lvl="1" algn="l" rtl="0">
-        <a:lnSpc>
-          <a:spcPct val="100000"/>
-        </a:lnSpc>
-        <a:spcBef>
-          <a:spcPts val="0"/>
-        </a:spcBef>
-        <a:spcAft>
-          <a:spcPts val="0"/>
-        </a:spcAft>
-        <a:buClr>
-          <a:srgbClr val="000000"/>
-        </a:buClr>
-        <a:buFont typeface="Arial"/>
-        <a:defRPr sz="1400" b="0" i="0" u="none" strike="noStrike" cap="none">
-          <a:solidFill>
-            <a:srgbClr val="000000"/>
-          </a:solidFill>
-          <a:latin typeface="Arial"/>
-          <a:ea typeface="Arial"/>
-          <a:cs typeface="Arial"/>
-          <a:sym typeface="Arial"/>
-        </a:defRPr>
-      </a:lvl2pPr>
-      <a:lvl3pPr marR="0" lvl="2" algn="l" rtl="0">
-        <a:lnSpc>
-          <a:spcPct val="100000"/>
-        </a:lnSpc>
-        <a:spcBef>
-          <a:spcPts val="0"/>
-        </a:spcBef>
-        <a:spcAft>
-          <a:spcPts val="0"/>
-        </a:spcAft>
-        <a:buClr>
-          <a:srgbClr val="000000"/>
-        </a:buClr>
-        <a:buFont typeface="Arial"/>
-        <a:defRPr sz="1400" b="0" i="0" u="none" strike="noStrike" cap="none">
-          <a:solidFill>
-            <a:srgbClr val="000000"/>
-          </a:solidFill>
-          <a:latin typeface="Arial"/>
-          <a:ea typeface="Arial"/>
-          <a:cs typeface="Arial"/>
-          <a:sym typeface="Arial"/>
-        </a:defRPr>
-      </a:lvl3pPr>
-      <a:lvl4pPr marR="0" lvl="3" algn="l" rtl="0">
-        <a:lnSpc>
-          <a:spcPct val="100000"/>
-        </a:lnSpc>
-        <a:spcBef>
-          <a:spcPts val="0"/>
-        </a:spcBef>
-        <a:spcAft>
-          <a:spcPts val="0"/>
-        </a:spcAft>
-        <a:buClr>
-          <a:srgbClr val="000000"/>
-        </a:buClr>
-        <a:buFont typeface="Arial"/>
-        <a:defRPr sz="1400" b="0" i="0" u="none" strike="noStrike" cap="none">
-          <a:solidFill>
-            <a:srgbClr val="000000"/>
-          </a:solidFill>
-          <a:latin typeface="Arial"/>
-          <a:ea typeface="Arial"/>
-          <a:cs typeface="Arial"/>
-          <a:sym typeface="Arial"/>
-        </a:defRPr>
-      </a:lvl4pPr>
-      <a:lvl5pPr marR="0" lvl="4" algn="l" rtl="0">
-        <a:lnSpc>
-          <a:spcPct val="100000"/>
-        </a:lnSpc>
-        <a:spcBef>
-          <a:spcPts val="0"/>
-        </a:spcBef>
-        <a:spcAft>
-          <a:spcPts val="0"/>
-        </a:spcAft>
-        <a:buClr>
-          <a:srgbClr val="000000"/>
-        </a:buClr>
-        <a:buFont typeface="Arial"/>
-        <a:defRPr sz="1400" b="0" i="0" u="none" strike="noStrike" cap="none">
-          <a:solidFill>
-            <a:srgbClr val="000000"/>
-          </a:solidFill>
-          <a:latin typeface="Arial"/>
-          <a:ea typeface="Arial"/>
-          <a:cs typeface="Arial"/>
-          <a:sym typeface="Arial"/>
-        </a:defRPr>
-      </a:lvl5pPr>
-      <a:lvl6pPr marR="0" lvl="5" algn="l" rtl="0">
-        <a:lnSpc>
-          <a:spcPct val="100000"/>
-        </a:lnSpc>
-        <a:spcBef>
-          <a:spcPts val="0"/>
-        </a:spcBef>
-        <a:spcAft>
-          <a:spcPts val="0"/>
-        </a:spcAft>
-        <a:buClr>
-          <a:srgbClr val="000000"/>
-        </a:buClr>
-        <a:buFont typeface="Arial"/>
-        <a:defRPr sz="1400" b="0" i="0" u="none" strike="noStrike" cap="none">
-          <a:solidFill>
-            <a:srgbClr val="000000"/>
-          </a:solidFill>
-          <a:latin typeface="Arial"/>
-          <a:ea typeface="Arial"/>
-          <a:cs typeface="Arial"/>
-          <a:sym typeface="Arial"/>
-        </a:defRPr>
-      </a:lvl6pPr>
-      <a:lvl7pPr marR="0" lvl="6" algn="l" rtl="0">
-        <a:lnSpc>
-          <a:spcPct val="100000"/>
-        </a:lnSpc>
-        <a:spcBef>
-          <a:spcPts val="0"/>
-        </a:spcBef>
-        <a:spcAft>
-          <a:spcPts val="0"/>
-        </a:spcAft>
-        <a:buClr>
-          <a:srgbClr val="000000"/>
-        </a:buClr>
-        <a:buFont typeface="Arial"/>
-        <a:defRPr sz="1400" b="0" i="0" u="none" strike="noStrike" cap="none">
-          <a:solidFill>
-            <a:srgbClr val="000000"/>
-          </a:solidFill>
-          <a:latin typeface="Arial"/>
-          <a:ea typeface="Arial"/>
-          <a:cs typeface="Arial"/>
-          <a:sym typeface="Arial"/>
-        </a:defRPr>
-      </a:lvl7pPr>
-      <a:lvl8pPr marR="0" lvl="7" algn="l" rtl="0">
-        <a:lnSpc>
-          <a:spcPct val="100000"/>
-        </a:lnSpc>
-        <a:spcBef>
-          <a:spcPts val="0"/>
-        </a:spcBef>
-        <a:spcAft>
-          <a:spcPts val="0"/>
-        </a:spcAft>
-        <a:buClr>
-          <a:srgbClr val="000000"/>
-        </a:buClr>
-        <a:buFont typeface="Arial"/>
-        <a:defRPr sz="1400" b="0" i="0" u="none" strike="noStrike" cap="none">
-          <a:solidFill>
-            <a:srgbClr val="000000"/>
-          </a:solidFill>
-          <a:latin typeface="Arial"/>
-          <a:ea typeface="Arial"/>
-          <a:cs typeface="Arial"/>
-          <a:sym typeface="Arial"/>
-        </a:defRPr>
-      </a:lvl8pPr>
-      <a:lvl9pPr marR="0" lvl="8" algn="l" rtl="0">
-        <a:lnSpc>
-          <a:spcPct val="100000"/>
-        </a:lnSpc>
-        <a:spcBef>
-          <a:spcPts val="0"/>
-        </a:spcBef>
-        <a:spcAft>
-          <a:spcPts val="0"/>
-        </a:spcAft>
-        <a:buClr>
-          <a:srgbClr val="000000"/>
-        </a:buClr>
-        <a:buFont typeface="Arial"/>
-        <a:defRPr sz="1400" b="0" i="0" u="none" strike="noStrike" cap="none">
-          <a:solidFill>
-            <a:srgbClr val="000000"/>
-          </a:solidFill>
-          <a:latin typeface="Arial"/>
-          <a:ea typeface="Arial"/>
-          <a:cs typeface="Arial"/>
-          <a:sym typeface="Arial"/>
-        </a:defRPr>
-      </a:lvl9pPr>
-    </p:bodyStyle>
-    <p:otherStyle>
-      <a:defPPr marR="0" lvl="0" algn="l" rtl="0">
-        <a:lnSpc>
-          <a:spcPct val="100000"/>
-        </a:lnSpc>
-        <a:spcBef>
-          <a:spcPts val="0"/>
-        </a:spcBef>
-        <a:spcAft>
-          <a:spcPts val="0"/>
-        </a:spcAft>
-      </a:defPPr>
-      <a:lvl1pPr marR="0" lvl="0" algn="l" rtl="0">
-        <a:lnSpc>
-          <a:spcPct val="100000"/>
-        </a:lnSpc>
-        <a:spcBef>
-          <a:spcPts val="0"/>
-        </a:spcBef>
-        <a:spcAft>
-          <a:spcPts val="0"/>
-        </a:spcAft>
-        <a:buClr>
-          <a:srgbClr val="000000"/>
-        </a:buClr>
-        <a:buFont typeface="Arial"/>
-        <a:defRPr sz="1400" b="0" i="0" u="none" strike="noStrike" cap="none">
-          <a:solidFill>
-            <a:srgbClr val="000000"/>
-          </a:solidFill>
-          <a:latin typeface="Arial"/>
-          <a:ea typeface="Arial"/>
-          <a:cs typeface="Arial"/>
-          <a:sym typeface="Arial"/>
-        </a:defRPr>
-      </a:lvl1pPr>
-      <a:lvl2pPr marR="0" lvl="1" algn="l" rtl="0">
-        <a:lnSpc>
-          <a:spcPct val="100000"/>
-        </a:lnSpc>
-        <a:spcBef>
-          <a:spcPts val="0"/>
-        </a:spcBef>
-        <a:spcAft>
-          <a:spcPts val="0"/>
-        </a:spcAft>
-        <a:buClr>
-          <a:srgbClr val="000000"/>
-        </a:buClr>
-        <a:buFont typeface="Arial"/>
-        <a:defRPr sz="1400" b="0" i="0" u="none" strike="noStrike" cap="none">
-          <a:solidFill>
-            <a:srgbClr val="000000"/>
-          </a:solidFill>
-          <a:latin typeface="Arial"/>
-          <a:ea typeface="Arial"/>
-          <a:cs typeface="Arial"/>
-          <a:sym typeface="Arial"/>
-        </a:defRPr>
-      </a:lvl2pPr>
-      <a:lvl3pPr marR="0" lvl="2" algn="l" rtl="0">
-        <a:lnSpc>
-          <a:spcPct val="100000"/>
-        </a:lnSpc>
-        <a:spcBef>
-          <a:spcPts val="0"/>
-        </a:spcBef>
-        <a:spcAft>
-          <a:spcPts val="0"/>
-        </a:spcAft>
-        <a:buClr>
-          <a:srgbClr val="000000"/>
-        </a:buClr>
-        <a:buFont typeface="Arial"/>
-        <a:defRPr sz="1400" b="0" i="0" u="none" strike="noStrike" cap="none">
-          <a:solidFill>
-            <a:srgbClr val="000000"/>
-          </a:solidFill>
-          <a:latin typeface="Arial"/>
-          <a:ea typeface="Arial"/>
-          <a:cs typeface="Arial"/>
-          <a:sym typeface="Arial"/>
-        </a:defRPr>
-      </a:lvl3pPr>
-      <a:lvl4pPr marR="0" lvl="3" algn="l" rtl="0">
-        <a:lnSpc>
-          <a:spcPct val="100000"/>
-        </a:lnSpc>
-        <a:spcBef>
-          <a:spcPts val="0"/>
-        </a:spcBef>
-        <a:spcAft>
-          <a:spcPts val="0"/>
-        </a:spcAft>
-        <a:buClr>
-          <a:srgbClr val="000000"/>
-        </a:buClr>
-        <a:buFont typeface="Arial"/>
-        <a:defRPr sz="1400" b="0" i="0" u="none" strike="noStrike" cap="none">
-          <a:solidFill>
-            <a:srgbClr val="000000"/>
-          </a:solidFill>
-          <a:latin typeface="Arial"/>
-          <a:ea typeface="Arial"/>
-          <a:cs typeface="Arial"/>
-          <a:sym typeface="Arial"/>
-        </a:defRPr>
-      </a:lvl4pPr>
-      <a:lvl5pPr marR="0" lvl="4" algn="l" rtl="0">
-        <a:lnSpc>
-          <a:spcPct val="100000"/>
-        </a:lnSpc>
-        <a:spcBef>
-          <a:spcPts val="0"/>
-        </a:spcBef>
-        <a:spcAft>
-          <a:spcPts val="0"/>
-        </a:spcAft>
-        <a:buClr>
-          <a:srgbClr val="000000"/>
-        </a:buClr>
-        <a:buFont typeface="Arial"/>
-        <a:defRPr sz="1400" b="0" i="0" u="none" strike="noStrike" cap="none">
-          <a:solidFill>
-            <a:srgbClr val="000000"/>
-          </a:solidFill>
-          <a:latin typeface="Arial"/>
-          <a:ea typeface="Arial"/>
-          <a:cs typeface="Arial"/>
-          <a:sym typeface="Arial"/>
-        </a:defRPr>
-      </a:lvl5pPr>
-      <a:lvl6pPr marR="0" lvl="5" algn="l" rtl="0">
-        <a:lnSpc>
-          <a:spcPct val="100000"/>
-        </a:lnSpc>
-        <a:spcBef>
-          <a:spcPts val="0"/>
-        </a:spcBef>
-        <a:spcAft>
-          <a:spcPts val="0"/>
-        </a:spcAft>
-        <a:buClr>
-          <a:srgbClr val="000000"/>
-        </a:buClr>
-        <a:buFont typeface="Arial"/>
-        <a:defRPr sz="1400" b="0" i="0" u="none" strike="noStrike" cap="none">
-          <a:solidFill>
-            <a:srgbClr val="000000"/>
-          </a:solidFill>
-          <a:latin typeface="Arial"/>
-          <a:ea typeface="Arial"/>
-          <a:cs typeface="Arial"/>
-          <a:sym typeface="Arial"/>
-        </a:defRPr>
-      </a:lvl6pPr>
-      <a:lvl7pPr marR="0" lvl="6" algn="l" rtl="0">
-        <a:lnSpc>
-          <a:spcPct val="100000"/>
-        </a:lnSpc>
-        <a:spcBef>
-          <a:spcPts val="0"/>
-        </a:spcBef>
-        <a:spcAft>
-          <a:spcPts val="0"/>
-        </a:spcAft>
-        <a:buClr>
-          <a:srgbClr val="000000"/>
-        </a:buClr>
-        <a:buFont typeface="Arial"/>
-        <a:defRPr sz="1400" b="0" i="0" u="none" strike="noStrike" cap="none">
-          <a:solidFill>
-            <a:srgbClr val="000000"/>
-          </a:solidFill>
-          <a:latin typeface="Arial"/>
-          <a:ea typeface="Arial"/>
-          <a:cs typeface="Arial"/>
-          <a:sym typeface="Arial"/>
-        </a:defRPr>
-      </a:lvl7pPr>
-      <a:lvl8pPr marR="0" lvl="7" algn="l" rtl="0">
-        <a:lnSpc>
-          <a:spcPct val="100000"/>
-        </a:lnSpc>
-        <a:spcBef>
-          <a:spcPts val="0"/>
-        </a:spcBef>
-        <a:spcAft>
-          <a:spcPts val="0"/>
-        </a:spcAft>
-        <a:buClr>
-          <a:srgbClr val="000000"/>
-        </a:buClr>
-        <a:buFont typeface="Arial"/>
-        <a:defRPr sz="1400" b="0" i="0" u="none" strike="noStrike" cap="none">
-          <a:solidFill>
-            <a:srgbClr val="000000"/>
-          </a:solidFill>
-          <a:latin typeface="Arial"/>
-          <a:ea typeface="Arial"/>
-          <a:cs typeface="Arial"/>
-          <a:sym typeface="Arial"/>
-        </a:defRPr>
-      </a:lvl8pPr>
-      <a:lvl9pPr marR="0" lvl="8" algn="l" rtl="0">
-        <a:lnSpc>
-          <a:spcPct val="100000"/>
-        </a:lnSpc>
-        <a:spcBef>
-          <a:spcPts val="0"/>
-        </a:spcBef>
-        <a:spcAft>
-          <a:spcPts val="0"/>
-        </a:spcAft>
-        <a:buClr>
-          <a:srgbClr val="000000"/>
-        </a:buClr>
-        <a:buFont typeface="Arial"/>
-        <a:defRPr sz="1400" b="0" i="0" u="none" strike="noStrike" cap="none">
-          <a:solidFill>
-            <a:srgbClr val="000000"/>
-          </a:solidFill>
-          <a:latin typeface="Arial"/>
-          <a:ea typeface="Arial"/>
-          <a:cs typeface="Arial"/>
-          <a:sym typeface="Arial"/>
-        </a:defRPr>
-      </a:lvl9pPr>
-    </p:otherStyle>
-  </p:txStyles>
-</p:sldMaster>
-</file>
-
-<file path=ppt/slideMasters/slideMaster2.xml><?xml version="1.0" encoding="utf-8"?>
 <p:sldMaster xmlns:a="http://schemas.openxmlformats.org/drawingml/2006/main" xmlns:r="http://schemas.openxmlformats.org/officeDocument/2006/relationships" xmlns:p="http://schemas.openxmlformats.org/presentationml/2006/main">
   <p:cSld>
     <p:bg>
@@ -10587,7 +5651,7 @@
           <p:cNvPr id="2" name="Title Placeholder 1">
             <a:extLst>
               <a:ext uri="{FF2B5EF4-FFF2-40B4-BE49-F238E27FC236}">
-                <a16:creationId xmlns:a16="http://schemas.microsoft.com/office/drawing/2014/main" id="{6486D765-E472-451B-878E-36B254EE2A4B}"/>
+                <a16:creationId xmlns:a16="http://schemas.microsoft.com/office/drawing/2014/main" id="{44A8A031-4505-4C36-9010-27388704F36A}"/>
               </a:ext>
             </a:extLst>
           </p:cNvPr>
@@ -10626,7 +5690,7 @@
           <p:cNvPr id="3" name="Text Placeholder 2">
             <a:extLst>
               <a:ext uri="{FF2B5EF4-FFF2-40B4-BE49-F238E27FC236}">
-                <a16:creationId xmlns:a16="http://schemas.microsoft.com/office/drawing/2014/main" id="{62784D73-014A-4BAC-A730-A9682DF20AFB}"/>
+                <a16:creationId xmlns:a16="http://schemas.microsoft.com/office/drawing/2014/main" id="{912168DC-422A-4F2B-AF00-F174B1E22EFC}"/>
               </a:ext>
             </a:extLst>
           </p:cNvPr>
@@ -10694,7 +5758,7 @@
           <p:cNvPr id="4" name="Date Placeholder 3">
             <a:extLst>
               <a:ext uri="{FF2B5EF4-FFF2-40B4-BE49-F238E27FC236}">
-                <a16:creationId xmlns:a16="http://schemas.microsoft.com/office/drawing/2014/main" id="{BAB6D915-99E2-4388-B970-F32FE4C8AC2E}"/>
+                <a16:creationId xmlns:a16="http://schemas.microsoft.com/office/drawing/2014/main" id="{E737E071-1485-4C9E-BC3A-9EE7BBF43C84}"/>
               </a:ext>
             </a:extLst>
           </p:cNvPr>
@@ -10728,7 +5792,7 @@
             </a:lvl1pPr>
           </a:lstStyle>
           <a:p>
-            <a:fld id="{62FF22B7-6C5D-4507-B5D1-8DF88DA3E764}" type="datetimeFigureOut">
+            <a:fld id="{251C048F-6732-4589-ABCC-CEE3ED188087}" type="datetimeFigureOut">
               <a:rPr lang="nl-NL" smtClean="0"/>
               <a:t>28-5-2019</a:t>
             </a:fld>
@@ -10741,7 +5805,7 @@
           <p:cNvPr id="5" name="Footer Placeholder 4">
             <a:extLst>
               <a:ext uri="{FF2B5EF4-FFF2-40B4-BE49-F238E27FC236}">
-                <a16:creationId xmlns:a16="http://schemas.microsoft.com/office/drawing/2014/main" id="{2EAE3E54-0BF2-4747-B6A4-B367FF8C17AF}"/>
+                <a16:creationId xmlns:a16="http://schemas.microsoft.com/office/drawing/2014/main" id="{412F9AF9-8879-4EF0-9A44-EE3A89B89525}"/>
               </a:ext>
             </a:extLst>
           </p:cNvPr>
@@ -10784,7 +5848,7 @@
           <p:cNvPr id="6" name="Slide Number Placeholder 5">
             <a:extLst>
               <a:ext uri="{FF2B5EF4-FFF2-40B4-BE49-F238E27FC236}">
-                <a16:creationId xmlns:a16="http://schemas.microsoft.com/office/drawing/2014/main" id="{051211A5-403F-4AD3-934C-721DAEF867AB}"/>
+                <a16:creationId xmlns:a16="http://schemas.microsoft.com/office/drawing/2014/main" id="{48C904ED-F231-41D6-BA1D-A78512EDD14C}"/>
               </a:ext>
             </a:extLst>
           </p:cNvPr>
@@ -10838,24 +5902,24 @@
     </p:spTree>
     <p:extLst>
       <p:ext uri="{BB962C8B-B14F-4D97-AF65-F5344CB8AC3E}">
-        <p14:creationId xmlns:p14="http://schemas.microsoft.com/office/powerpoint/2010/main" val="4184106213"/>
+        <p14:creationId xmlns:p14="http://schemas.microsoft.com/office/powerpoint/2010/main" val="764685738"/>
       </p:ext>
     </p:extLst>
   </p:cSld>
   <p:clrMap bg1="lt1" tx1="dk1" bg2="lt2" tx2="dk2" accent1="accent1" accent2="accent2" accent3="accent3" accent4="accent4" accent5="accent5" accent6="accent6" hlink="hlink" folHlink="folHlink"/>
   <p:sldLayoutIdLst>
-    <p:sldLayoutId id="2147483673" r:id="rId1"/>
-    <p:sldLayoutId id="2147483674" r:id="rId2"/>
-    <p:sldLayoutId id="2147483675" r:id="rId3"/>
-    <p:sldLayoutId id="2147483676" r:id="rId4"/>
-    <p:sldLayoutId id="2147483677" r:id="rId5"/>
-    <p:sldLayoutId id="2147483678" r:id="rId6"/>
-    <p:sldLayoutId id="2147483679" r:id="rId7"/>
-    <p:sldLayoutId id="2147483680" r:id="rId8"/>
-    <p:sldLayoutId id="2147483681" r:id="rId9"/>
-    <p:sldLayoutId id="2147483682" r:id="rId10"/>
-    <p:sldLayoutId id="2147483683" r:id="rId11"/>
-    <p:sldLayoutId id="2147483684" r:id="rId12"/>
+    <p:sldLayoutId id="2147483917" r:id="rId1"/>
+    <p:sldLayoutId id="2147483918" r:id="rId2"/>
+    <p:sldLayoutId id="2147483919" r:id="rId3"/>
+    <p:sldLayoutId id="2147483920" r:id="rId4"/>
+    <p:sldLayoutId id="2147483921" r:id="rId5"/>
+    <p:sldLayoutId id="2147483922" r:id="rId6"/>
+    <p:sldLayoutId id="2147483923" r:id="rId7"/>
+    <p:sldLayoutId id="2147483924" r:id="rId8"/>
+    <p:sldLayoutId id="2147483925" r:id="rId9"/>
+    <p:sldLayoutId id="2147483926" r:id="rId10"/>
+    <p:sldLayoutId id="2147483927" r:id="rId11"/>
+    <p:sldLayoutId id="2147483928" r:id="rId12"/>
   </p:sldLayoutIdLst>
   <p:hf sldNum="0" hdr="0" ftr="0" dt="0"/>
   <p:txStyles>
@@ -11144,6 +6208,16 @@
 <file path=ppt/slides/slide1.xml><?xml version="1.0" encoding="utf-8"?>
 <p:sld xmlns:a="http://schemas.openxmlformats.org/drawingml/2006/main" xmlns:r="http://schemas.openxmlformats.org/officeDocument/2006/relationships" xmlns:p="http://schemas.openxmlformats.org/presentationml/2006/main">
   <p:cSld>
+    <p:bg>
+      <p:bgPr>
+        <a:solidFill>
+          <a:srgbClr val="FFFF99">
+            <a:alpha val="32000"/>
+          </a:srgbClr>
+        </a:solidFill>
+        <a:effectLst/>
+      </p:bgPr>
+    </p:bg>
     <p:spTree>
       <p:nvGrpSpPr>
         <p:cNvPr id="1" name="Shape 116"/>
@@ -11197,12 +6271,24 @@
                 <a:solidFill>
                   <a:schemeClr val="tx1"/>
                 </a:solidFill>
+                <a:latin typeface="Verdana" panose="020B0604030504040204" pitchFamily="34" charset="0"/>
+                <a:ea typeface="Verdana" panose="020B0604030504040204" pitchFamily="34" charset="0"/>
+                <a:cs typeface="Raleway"/>
+                <a:sym typeface="Raleway"/>
+              </a:rPr>
+              <a:t>Sunny</a:t>
+            </a:r>
+            <a:r>
+              <a:rPr lang="en" sz="4800" b="1" dirty="0">
+                <a:solidFill>
+                  <a:schemeClr val="tx1"/>
+                </a:solidFill>
                 <a:latin typeface="Raleway"/>
                 <a:ea typeface="Raleway"/>
                 <a:cs typeface="Raleway"/>
                 <a:sym typeface="Raleway"/>
               </a:rPr>
-              <a:t>Sunny Storage</a:t>
+              <a:t> Storage</a:t>
             </a:r>
             <a:endParaRPr sz="4800" b="1" dirty="0">
               <a:solidFill>
@@ -11224,7 +6310,7 @@
         </p:nvSpPr>
         <p:spPr>
           <a:xfrm>
-            <a:off x="2542667" y="3390850"/>
+            <a:off x="755158" y="3411366"/>
             <a:ext cx="6331500" cy="1241700"/>
           </a:xfrm>
           <a:prstGeom prst="rect">
@@ -11290,7 +6376,7 @@
         </p:blipFill>
         <p:spPr>
           <a:xfrm>
-            <a:off x="6098950" y="1729650"/>
+            <a:off x="6026350" y="2126505"/>
             <a:ext cx="2855800" cy="2699325"/>
           </a:xfrm>
           <a:prstGeom prst="rect">
@@ -15271,6 +10357,236 @@
 <file path=ppt/slides/slide2.xml><?xml version="1.0" encoding="utf-8"?>
 <p:sld xmlns:a="http://schemas.openxmlformats.org/drawingml/2006/main" xmlns:r="http://schemas.openxmlformats.org/officeDocument/2006/relationships" xmlns:p="http://schemas.openxmlformats.org/presentationml/2006/main">
   <p:cSld>
+    <p:bg>
+      <p:bgPr>
+        <a:solidFill>
+          <a:schemeClr val="accent1">
+            <a:lumMod val="20000"/>
+            <a:lumOff val="80000"/>
+            <a:alpha val="68000"/>
+          </a:schemeClr>
+        </a:solidFill>
+        <a:effectLst/>
+      </p:bgPr>
+    </p:bg>
+    <p:spTree>
+      <p:nvGrpSpPr>
+        <p:cNvPr id="1" name=""/>
+        <p:cNvGrpSpPr/>
+        <p:nvPr/>
+      </p:nvGrpSpPr>
+      <p:grpSpPr>
+        <a:xfrm>
+          <a:off x="0" y="0"/>
+          <a:ext cx="0" cy="0"/>
+          <a:chOff x="0" y="0"/>
+          <a:chExt cx="0" cy="0"/>
+        </a:xfrm>
+      </p:grpSpPr>
+      <p:sp>
+        <p:nvSpPr>
+          <p:cNvPr id="2" name="Title 1">
+            <a:extLst>
+              <a:ext uri="{FF2B5EF4-FFF2-40B4-BE49-F238E27FC236}">
+                <a16:creationId xmlns:a16="http://schemas.microsoft.com/office/drawing/2014/main" id="{15715417-9BD5-415D-B97E-0581E6F7FC47}"/>
+              </a:ext>
+            </a:extLst>
+          </p:cNvPr>
+          <p:cNvSpPr>
+            <a:spLocks noGrp="1"/>
+          </p:cNvSpPr>
+          <p:nvPr>
+            <p:ph type="title"/>
+          </p:nvPr>
+        </p:nvSpPr>
+        <p:spPr>
+          <a:xfrm>
+            <a:off x="2146850" y="445025"/>
+            <a:ext cx="6685449" cy="779476"/>
+          </a:xfrm>
+        </p:spPr>
+        <p:txBody>
+          <a:bodyPr>
+            <a:noAutofit/>
+          </a:bodyPr>
+          <a:lstStyle/>
+          <a:p>
+            <a:r>
+              <a:rPr lang="nl-NL" sz="3600" dirty="0">
+                <a:latin typeface="Lato" panose="020B0604020202020204" charset="0"/>
+              </a:rPr>
+              <a:t>Standaard style - Lato</a:t>
+            </a:r>
+          </a:p>
+        </p:txBody>
+      </p:sp>
+      <p:sp>
+        <p:nvSpPr>
+          <p:cNvPr id="3" name="Text Placeholder 2">
+            <a:extLst>
+              <a:ext uri="{FF2B5EF4-FFF2-40B4-BE49-F238E27FC236}">
+                <a16:creationId xmlns:a16="http://schemas.microsoft.com/office/drawing/2014/main" id="{D7B78023-0745-4C15-BFA7-0D2DADEE7DB3}"/>
+              </a:ext>
+            </a:extLst>
+          </p:cNvPr>
+          <p:cNvSpPr>
+            <a:spLocks noGrp="1"/>
+          </p:cNvSpPr>
+          <p:nvPr>
+            <p:ph type="body" idx="1"/>
+          </p:nvPr>
+        </p:nvSpPr>
+        <p:spPr>
+          <a:xfrm>
+            <a:off x="2146851" y="1438722"/>
+            <a:ext cx="6685448" cy="3416400"/>
+          </a:xfrm>
+        </p:spPr>
+        <p:txBody>
+          <a:bodyPr/>
+          <a:lstStyle/>
+          <a:p>
+            <a:r>
+              <a:rPr lang="nl-NL" dirty="0">
+                <a:latin typeface="Verdana" panose="020B0604030504040204" pitchFamily="34" charset="0"/>
+                <a:ea typeface="Verdana" panose="020B0604030504040204" pitchFamily="34" charset="0"/>
+              </a:rPr>
+              <a:t>Mooie dingen </a:t>
+            </a:r>
+          </a:p>
+          <a:p>
+            <a:r>
+              <a:rPr lang="nl-NL" dirty="0">
+                <a:latin typeface="Verdana" panose="020B0604030504040204" pitchFamily="34" charset="0"/>
+                <a:ea typeface="Verdana" panose="020B0604030504040204" pitchFamily="34" charset="0"/>
+              </a:rPr>
+              <a:t>Verdana</a:t>
+            </a:r>
+          </a:p>
+          <a:p>
+            <a:endParaRPr lang="nl-NL" dirty="0">
+              <a:latin typeface="Verdana" panose="020B0604030504040204" pitchFamily="34" charset="0"/>
+              <a:ea typeface="Verdana" panose="020B0604030504040204" pitchFamily="34" charset="0"/>
+            </a:endParaRPr>
+          </a:p>
+        </p:txBody>
+      </p:sp>
+      <p:sp>
+        <p:nvSpPr>
+          <p:cNvPr id="5" name="Rectangle 4">
+            <a:extLst>
+              <a:ext uri="{FF2B5EF4-FFF2-40B4-BE49-F238E27FC236}">
+                <a16:creationId xmlns:a16="http://schemas.microsoft.com/office/drawing/2014/main" id="{29386DDC-09BB-4D01-ABF3-0B8493906858}"/>
+              </a:ext>
+            </a:extLst>
+          </p:cNvPr>
+          <p:cNvSpPr/>
+          <p:nvPr/>
+        </p:nvSpPr>
+        <p:spPr>
+          <a:xfrm>
+            <a:off x="0" y="0"/>
+            <a:ext cx="1828800" cy="5143500"/>
+          </a:xfrm>
+          <a:prstGeom prst="rect">
+            <a:avLst/>
+          </a:prstGeom>
+          <a:gradFill>
+            <a:gsLst>
+              <a:gs pos="0">
+                <a:srgbClr val="114258"/>
+              </a:gs>
+              <a:gs pos="37000">
+                <a:srgbClr val="103F55"/>
+              </a:gs>
+              <a:gs pos="64000">
+                <a:srgbClr val="165570"/>
+              </a:gs>
+              <a:gs pos="100000">
+                <a:srgbClr val="2280A8"/>
+              </a:gs>
+            </a:gsLst>
+            <a:lin ang="5400000" scaled="1"/>
+          </a:gradFill>
+          <a:ln>
+            <a:noFill/>
+          </a:ln>
+        </p:spPr>
+        <p:style>
+          <a:lnRef idx="2">
+            <a:schemeClr val="accent1">
+              <a:shade val="50000"/>
+            </a:schemeClr>
+          </a:lnRef>
+          <a:fillRef idx="1">
+            <a:schemeClr val="accent1"/>
+          </a:fillRef>
+          <a:effectRef idx="0">
+            <a:schemeClr val="accent1"/>
+          </a:effectRef>
+          <a:fontRef idx="minor">
+            <a:schemeClr val="lt1"/>
+          </a:fontRef>
+        </p:style>
+        <p:txBody>
+          <a:bodyPr rtlCol="0" anchor="ctr"/>
+          <a:lstStyle/>
+          <a:p>
+            <a:pPr algn="ctr"/>
+            <a:endParaRPr lang="nl-NL" dirty="0"/>
+          </a:p>
+        </p:txBody>
+      </p:sp>
+      <p:pic>
+        <p:nvPicPr>
+          <p:cNvPr id="6" name="Google Shape;137;p27">
+            <a:extLst>
+              <a:ext uri="{FF2B5EF4-FFF2-40B4-BE49-F238E27FC236}">
+                <a16:creationId xmlns:a16="http://schemas.microsoft.com/office/drawing/2014/main" id="{B3B1690F-6AC5-4DD7-A168-494286F66DA5}"/>
+              </a:ext>
+            </a:extLst>
+          </p:cNvPr>
+          <p:cNvPicPr preferRelativeResize="0"/>
+          <p:nvPr/>
+        </p:nvPicPr>
+        <p:blipFill>
+          <a:blip r:embed="rId2">
+            <a:alphaModFix/>
+          </a:blip>
+          <a:stretch>
+            <a:fillRect/>
+          </a:stretch>
+        </p:blipFill>
+        <p:spPr>
+          <a:xfrm>
+            <a:off x="88070" y="79510"/>
+            <a:ext cx="1128480" cy="1072965"/>
+          </a:xfrm>
+          <a:prstGeom prst="rect">
+            <a:avLst/>
+          </a:prstGeom>
+          <a:noFill/>
+          <a:ln>
+            <a:noFill/>
+          </a:ln>
+        </p:spPr>
+      </p:pic>
+    </p:spTree>
+    <p:extLst>
+      <p:ext uri="{BB962C8B-B14F-4D97-AF65-F5344CB8AC3E}">
+        <p14:creationId xmlns:p14="http://schemas.microsoft.com/office/powerpoint/2010/main" val="4086211854"/>
+      </p:ext>
+    </p:extLst>
+  </p:cSld>
+  <p:clrMapOvr>
+    <a:masterClrMapping/>
+  </p:clrMapOvr>
+</p:sld>
+</file>
+
+<file path=ppt/slides/slide3.xml><?xml version="1.0" encoding="utf-8"?>
+<p:sld xmlns:a="http://schemas.openxmlformats.org/drawingml/2006/main" xmlns:r="http://schemas.openxmlformats.org/officeDocument/2006/relationships" xmlns:p="http://schemas.openxmlformats.org/presentationml/2006/main">
+  <p:cSld>
     <p:spTree>
       <p:nvGrpSpPr>
         <p:cNvPr id="1" name="Shape 125"/>
@@ -15296,6 +10612,10 @@
           </p:nvPr>
         </p:nvSpPr>
         <p:spPr>
+          <a:xfrm>
+            <a:off x="1650474" y="497250"/>
+            <a:ext cx="8520600" cy="572700"/>
+          </a:xfrm>
           <a:prstGeom prst="rect">
             <a:avLst/>
           </a:prstGeom>
@@ -15316,10 +10636,10 @@
               <a:buNone/>
             </a:pPr>
             <a:r>
-              <a:rPr lang="en"/>
+              <a:rPr lang="en" dirty="0"/>
               <a:t>Smartgrid</a:t>
             </a:r>
-            <a:endParaRPr/>
+            <a:endParaRPr dirty="0"/>
           </a:p>
         </p:txBody>
       </p:sp>
@@ -15361,10 +10681,10 @@
               <a:buNone/>
             </a:pPr>
             <a:r>
-              <a:rPr lang="en"/>
+              <a:rPr lang="en" dirty="0"/>
               <a:t>Groene energie is de energie van de toekomst!</a:t>
             </a:r>
-            <a:endParaRPr/>
+            <a:endParaRPr dirty="0"/>
           </a:p>
           <a:p>
             <a:pPr marL="0" lvl="0" indent="0" algn="l" rtl="0">
@@ -15377,10 +10697,10 @@
               <a:buNone/>
             </a:pPr>
             <a:r>
-              <a:rPr lang="en"/>
+              <a:rPr lang="en" dirty="0"/>
               <a:t>Maar hoe zorgen voor een slimme grid met zo laag mogelijke kosten?</a:t>
             </a:r>
-            <a:endParaRPr/>
+            <a:endParaRPr dirty="0"/>
           </a:p>
         </p:txBody>
       </p:sp>
@@ -15400,7 +10720,7 @@
         </p:blipFill>
         <p:spPr>
           <a:xfrm>
-            <a:off x="0" y="0"/>
+            <a:off x="0" y="15902"/>
             <a:ext cx="1052149" cy="994500"/>
           </a:xfrm>
           <a:prstGeom prst="rect">
@@ -15412,266 +10732,12 @@
           </a:ln>
         </p:spPr>
       </p:pic>
-      <p:pic>
-        <p:nvPicPr>
-          <p:cNvPr id="129" name="Google Shape;129;p26"/>
-          <p:cNvPicPr preferRelativeResize="0"/>
-          <p:nvPr/>
-        </p:nvPicPr>
-        <p:blipFill>
-          <a:blip r:embed="rId4">
-            <a:alphaModFix/>
-          </a:blip>
-          <a:stretch>
-            <a:fillRect/>
-          </a:stretch>
-        </p:blipFill>
-        <p:spPr>
-          <a:xfrm>
-            <a:off x="4042554" y="2571750"/>
-            <a:ext cx="4562170" cy="2113350"/>
-          </a:xfrm>
-          <a:prstGeom prst="rect">
-            <a:avLst/>
-          </a:prstGeom>
-          <a:noFill/>
-          <a:ln>
-            <a:noFill/>
-          </a:ln>
-        </p:spPr>
-      </p:pic>
-      <p:sp>
-        <p:nvSpPr>
-          <p:cNvPr id="130" name="Google Shape;130;p26"/>
-          <p:cNvSpPr txBox="1"/>
-          <p:nvPr/>
-        </p:nvSpPr>
-        <p:spPr>
-          <a:xfrm>
-            <a:off x="765475" y="4788675"/>
-            <a:ext cx="8527800" cy="354900"/>
-          </a:xfrm>
-          <a:prstGeom prst="rect">
-            <a:avLst/>
-          </a:prstGeom>
-          <a:noFill/>
-          <a:ln>
-            <a:noFill/>
-          </a:ln>
-        </p:spPr>
-        <p:txBody>
-          <a:bodyPr spcFirstLastPara="1" wrap="square" lIns="91425" tIns="91425" rIns="91425" bIns="91425" anchor="t" anchorCtr="0">
-            <a:noAutofit/>
-          </a:bodyPr>
-          <a:lstStyle/>
-          <a:p>
-            <a:pPr marL="0" lvl="0" indent="0" algn="l" rtl="0">
-              <a:spcBef>
-                <a:spcPts val="0"/>
-              </a:spcBef>
-              <a:spcAft>
-                <a:spcPts val="0"/>
-              </a:spcAft>
-              <a:buNone/>
-            </a:pPr>
-            <a:r>
-              <a:rPr lang="en">
-                <a:latin typeface="Lato"/>
-                <a:ea typeface="Lato"/>
-                <a:cs typeface="Lato"/>
-                <a:sym typeface="Lato"/>
-              </a:rPr>
-              <a:t>https://www.zonnepanelen.net/wp-content/uploads/2015/08/zonnepanelen-tuinopstelling-544x252.jpg</a:t>
-            </a:r>
-            <a:endParaRPr>
-              <a:latin typeface="Lato"/>
-              <a:ea typeface="Lato"/>
-              <a:cs typeface="Lato"/>
-              <a:sym typeface="Lato"/>
-            </a:endParaRPr>
-          </a:p>
-        </p:txBody>
-      </p:sp>
     </p:spTree>
-  </p:cSld>
-  <p:clrMapOvr>
-    <a:masterClrMapping/>
-  </p:clrMapOvr>
-</p:sld>
-</file>
-
-<file path=ppt/slides/slide3.xml><?xml version="1.0" encoding="utf-8"?>
-<p:sld xmlns:a="http://schemas.openxmlformats.org/drawingml/2006/main" xmlns:r="http://schemas.openxmlformats.org/officeDocument/2006/relationships" xmlns:p="http://schemas.openxmlformats.org/presentationml/2006/main">
-  <p:cSld>
-    <p:spTree>
-      <p:nvGrpSpPr>
-        <p:cNvPr id="1" name="Shape 134"/>
-        <p:cNvGrpSpPr/>
-        <p:nvPr/>
-      </p:nvGrpSpPr>
-      <p:grpSpPr>
-        <a:xfrm>
-          <a:off x="0" y="0"/>
-          <a:ext cx="0" cy="0"/>
-          <a:chOff x="0" y="0"/>
-          <a:chExt cx="0" cy="0"/>
-        </a:xfrm>
-      </p:grpSpPr>
-      <p:sp>
-        <p:nvSpPr>
-          <p:cNvPr id="135" name="Google Shape;135;p27"/>
-          <p:cNvSpPr txBox="1">
-            <a:spLocks noGrp="1"/>
-          </p:cNvSpPr>
-          <p:nvPr>
-            <p:ph type="title"/>
-          </p:nvPr>
-        </p:nvSpPr>
-        <p:spPr>
-          <a:prstGeom prst="rect">
-            <a:avLst/>
-          </a:prstGeom>
-        </p:spPr>
-        <p:txBody>
-          <a:bodyPr spcFirstLastPara="1" wrap="square" lIns="91425" tIns="91425" rIns="91425" bIns="91425" anchor="t" anchorCtr="0">
-            <a:noAutofit/>
-          </a:bodyPr>
-          <a:lstStyle/>
-          <a:p>
-            <a:pPr marL="0" lvl="0" indent="0" algn="l" rtl="0">
-              <a:spcBef>
-                <a:spcPts val="0"/>
-              </a:spcBef>
-              <a:spcAft>
-                <a:spcPts val="0"/>
-              </a:spcAft>
-              <a:buNone/>
-            </a:pPr>
-            <a:r>
-              <a:rPr lang="en"/>
-              <a:t>Smartgrid</a:t>
-            </a:r>
-            <a:endParaRPr/>
-          </a:p>
-        </p:txBody>
-      </p:sp>
-      <p:sp>
-        <p:nvSpPr>
-          <p:cNvPr id="136" name="Google Shape;136;p27"/>
-          <p:cNvSpPr txBox="1">
-            <a:spLocks noGrp="1"/>
-          </p:cNvSpPr>
-          <p:nvPr>
-            <p:ph type="body" idx="1"/>
-          </p:nvPr>
-        </p:nvSpPr>
-        <p:spPr>
-          <a:xfrm>
-            <a:off x="2410100" y="1595775"/>
-            <a:ext cx="6321600" cy="1876800"/>
-          </a:xfrm>
-          <a:prstGeom prst="rect">
-            <a:avLst/>
-          </a:prstGeom>
-        </p:spPr>
-        <p:txBody>
-          <a:bodyPr spcFirstLastPara="1" wrap="square" lIns="91425" tIns="91425" rIns="91425" bIns="91425" anchor="t" anchorCtr="0">
-            <a:noAutofit/>
-          </a:bodyPr>
-          <a:lstStyle/>
-          <a:p>
-            <a:pPr marL="457200" lvl="0" indent="-342900" algn="l" rtl="0">
-              <a:spcBef>
-                <a:spcPts val="0"/>
-              </a:spcBef>
-              <a:spcAft>
-                <a:spcPts val="0"/>
-              </a:spcAft>
-              <a:buSzPts val="1800"/>
-              <a:buChar char="●"/>
-            </a:pPr>
-            <a:r>
-              <a:rPr lang="en"/>
-              <a:t>Drie wijken met huizen die maximale output genereren</a:t>
-            </a:r>
-            <a:endParaRPr/>
-          </a:p>
-          <a:p>
-            <a:pPr marL="457200" lvl="0" indent="-342900" algn="l" rtl="0">
-              <a:spcBef>
-                <a:spcPts val="0"/>
-              </a:spcBef>
-              <a:spcAft>
-                <a:spcPts val="0"/>
-              </a:spcAft>
-              <a:buSzPts val="1800"/>
-              <a:buChar char="●"/>
-            </a:pPr>
-            <a:r>
-              <a:rPr lang="en"/>
-              <a:t>Deze moeten worden gekoppeld aan batterijen met een vaste capaciteit</a:t>
-            </a:r>
-            <a:endParaRPr/>
-          </a:p>
-          <a:p>
-            <a:pPr marL="0" lvl="0" indent="0" algn="l" rtl="0">
-              <a:spcBef>
-                <a:spcPts val="1600"/>
-              </a:spcBef>
-              <a:spcAft>
-                <a:spcPts val="0"/>
-              </a:spcAft>
-              <a:buNone/>
-            </a:pPr>
-            <a:endParaRPr/>
-          </a:p>
-          <a:p>
-            <a:pPr marL="0" lvl="0" indent="0" algn="l" rtl="0">
-              <a:spcBef>
-                <a:spcPts val="1600"/>
-              </a:spcBef>
-              <a:spcAft>
-                <a:spcPts val="1600"/>
-              </a:spcAft>
-              <a:buNone/>
-            </a:pPr>
-            <a:r>
-              <a:rPr lang="en"/>
-              <a:t>Zo goedkoop mogelijk!</a:t>
-            </a:r>
-            <a:endParaRPr/>
-          </a:p>
-        </p:txBody>
-      </p:sp>
-      <p:pic>
-        <p:nvPicPr>
-          <p:cNvPr id="137" name="Google Shape;137;p27"/>
-          <p:cNvPicPr preferRelativeResize="0"/>
-          <p:nvPr/>
-        </p:nvPicPr>
-        <p:blipFill>
-          <a:blip r:embed="rId3">
-            <a:alphaModFix/>
-          </a:blip>
-          <a:stretch>
-            <a:fillRect/>
-          </a:stretch>
-        </p:blipFill>
-        <p:spPr>
-          <a:xfrm>
-            <a:off x="0" y="0"/>
-            <a:ext cx="1052149" cy="994500"/>
-          </a:xfrm>
-          <a:prstGeom prst="rect">
-            <a:avLst/>
-          </a:prstGeom>
-          <a:noFill/>
-          <a:ln>
-            <a:noFill/>
-          </a:ln>
-        </p:spPr>
-      </p:pic>
-    </p:spTree>
+    <p:extLst>
+      <p:ext uri="{BB962C8B-B14F-4D97-AF65-F5344CB8AC3E}">
+        <p14:creationId xmlns:p14="http://schemas.microsoft.com/office/powerpoint/2010/main" val="472040809"/>
+      </p:ext>
+    </p:extLst>
   </p:cSld>
   <p:clrMapOvr>
     <a:masterClrMapping/>
@@ -16398,10 +11464,10 @@
               <a:buNone/>
             </a:pPr>
             <a:r>
-              <a:rPr lang="en"/>
+              <a:rPr lang="en" dirty="0"/>
               <a:t>Smartgrid - Problemen</a:t>
             </a:r>
-            <a:endParaRPr/>
+            <a:endParaRPr dirty="0"/>
           </a:p>
         </p:txBody>
       </p:sp>
@@ -16441,10 +11507,10 @@
               <a:buAutoNum type="arabicPeriod"/>
             </a:pPr>
             <a:r>
-              <a:rPr lang="en"/>
+              <a:rPr lang="en" dirty="0"/>
               <a:t>Connect alle huizen met de batterijen</a:t>
             </a:r>
-            <a:endParaRPr/>
+            <a:endParaRPr dirty="0"/>
           </a:p>
           <a:p>
             <a:pPr marL="457200" lvl="0" indent="-342900" algn="l" rtl="0">
@@ -16458,10 +11524,10 @@
               <a:buAutoNum type="arabicPeriod"/>
             </a:pPr>
             <a:r>
-              <a:rPr lang="en"/>
+              <a:rPr lang="en" dirty="0"/>
               <a:t>Bereken de totale kosten en optimaliseer</a:t>
             </a:r>
-            <a:endParaRPr/>
+            <a:endParaRPr dirty="0"/>
           </a:p>
           <a:p>
             <a:pPr marL="914400" lvl="1" indent="-317500" algn="l" rtl="0">
@@ -16475,10 +11541,10 @@
               <a:buAutoNum type="alphaLcPeriod"/>
             </a:pPr>
             <a:r>
-              <a:rPr lang="en"/>
+              <a:rPr lang="en" dirty="0"/>
               <a:t>Kabels en batterijen</a:t>
             </a:r>
-            <a:endParaRPr/>
+            <a:endParaRPr dirty="0"/>
           </a:p>
           <a:p>
             <a:pPr marL="457200" lvl="0" indent="-342900" algn="l" rtl="0">
@@ -16492,10 +11558,10 @@
               <a:buAutoNum type="arabicPeriod"/>
             </a:pPr>
             <a:r>
-              <a:rPr lang="en"/>
+              <a:rPr lang="en" dirty="0"/>
               <a:t>Optimaliseer door batterijen te verplaatsen</a:t>
             </a:r>
-            <a:endParaRPr/>
+            <a:endParaRPr dirty="0"/>
           </a:p>
           <a:p>
             <a:pPr marL="457200" lvl="0" indent="-342900" algn="l" rtl="0">
@@ -16509,10 +11575,10 @@
               <a:buAutoNum type="arabicPeriod"/>
             </a:pPr>
             <a:r>
-              <a:rPr lang="en"/>
+              <a:rPr lang="en" dirty="0"/>
               <a:t>Optimaliseer de kosten door nieuwe batterijen te gebruiken</a:t>
             </a:r>
-            <a:endParaRPr/>
+            <a:endParaRPr dirty="0"/>
           </a:p>
         </p:txBody>
       </p:sp>
@@ -17405,10 +12471,10 @@
               <a:buChar char="●"/>
             </a:pPr>
             <a:r>
-              <a:rPr lang="en"/>
+              <a:rPr lang="en" dirty="0"/>
               <a:t>Random</a:t>
             </a:r>
-            <a:endParaRPr/>
+            <a:endParaRPr dirty="0"/>
           </a:p>
           <a:p>
             <a:pPr marL="457200" lvl="0" indent="-342900" algn="l" rtl="0">
@@ -17422,10 +12488,10 @@
               <a:buChar char="●"/>
             </a:pPr>
             <a:r>
-              <a:rPr lang="en"/>
+              <a:rPr lang="en" dirty="0"/>
               <a:t>Greedy</a:t>
             </a:r>
-            <a:endParaRPr/>
+            <a:endParaRPr dirty="0"/>
           </a:p>
           <a:p>
             <a:pPr marL="457200" lvl="0" indent="-342900" algn="l" rtl="0">
@@ -17439,10 +12505,10 @@
               <a:buChar char="●"/>
             </a:pPr>
             <a:r>
-              <a:rPr lang="en"/>
+              <a:rPr lang="en" dirty="0"/>
               <a:t>Hillclimber (random en greedy base)</a:t>
             </a:r>
-            <a:endParaRPr/>
+            <a:endParaRPr dirty="0"/>
           </a:p>
           <a:p>
             <a:pPr marL="457200" lvl="0" indent="-342900" algn="l" rtl="0">
@@ -17456,10 +12522,10 @@
               <a:buChar char="●"/>
             </a:pPr>
             <a:r>
-              <a:rPr lang="en"/>
+              <a:rPr lang="en" dirty="0"/>
               <a:t>Randclimber (random en greedy base)</a:t>
             </a:r>
-            <a:endParaRPr/>
+            <a:endParaRPr dirty="0"/>
           </a:p>
           <a:p>
             <a:pPr marL="457200" lvl="0" indent="-342900" algn="l" rtl="0">
@@ -17473,10 +12539,10 @@
               <a:buChar char="●"/>
             </a:pPr>
             <a:r>
-              <a:rPr lang="en"/>
+              <a:rPr lang="en" dirty="0"/>
               <a:t>Branch ‘n bound (wijk 5)</a:t>
             </a:r>
-            <a:endParaRPr/>
+            <a:endParaRPr dirty="0"/>
           </a:p>
           <a:p>
             <a:pPr marL="457200" lvl="0" indent="-342900" algn="l" rtl="0">
@@ -17490,10 +12556,10 @@
               <a:buChar char="●"/>
             </a:pPr>
             <a:r>
-              <a:rPr lang="en"/>
+              <a:rPr lang="en" dirty="0"/>
               <a:t>Depth first search (wijk 5)</a:t>
             </a:r>
-            <a:endParaRPr/>
+            <a:endParaRPr dirty="0"/>
           </a:p>
         </p:txBody>
       </p:sp>
@@ -17977,10 +13043,10 @@
               <a:buNone/>
             </a:pPr>
             <a:r>
-              <a:rPr lang="en"/>
+              <a:rPr lang="en" dirty="0"/>
               <a:t>Bereken kosten en optimaliseer</a:t>
             </a:r>
-            <a:endParaRPr/>
+            <a:endParaRPr dirty="0"/>
           </a:p>
         </p:txBody>
       </p:sp>
@@ -18211,287 +13277,6 @@
 </file>
 
 <file path=ppt/theme/theme1.xml><?xml version="1.0" encoding="utf-8"?>
-<a:theme xmlns:a="http://schemas.openxmlformats.org/drawingml/2006/main" name="Simple Light">
-  <a:themeElements>
-    <a:clrScheme name="Simple Light">
-      <a:dk1>
-        <a:srgbClr val="000000"/>
-      </a:dk1>
-      <a:lt1>
-        <a:srgbClr val="FFFFFF"/>
-      </a:lt1>
-      <a:dk2>
-        <a:srgbClr val="595959"/>
-      </a:dk2>
-      <a:lt2>
-        <a:srgbClr val="EEEEEE"/>
-      </a:lt2>
-      <a:accent1>
-        <a:srgbClr val="FFAB40"/>
-      </a:accent1>
-      <a:accent2>
-        <a:srgbClr val="212121"/>
-      </a:accent2>
-      <a:accent3>
-        <a:srgbClr val="78909C"/>
-      </a:accent3>
-      <a:accent4>
-        <a:srgbClr val="FFAB40"/>
-      </a:accent4>
-      <a:accent5>
-        <a:srgbClr val="0097A7"/>
-      </a:accent5>
-      <a:accent6>
-        <a:srgbClr val="EEFF41"/>
-      </a:accent6>
-      <a:hlink>
-        <a:srgbClr val="0097A7"/>
-      </a:hlink>
-      <a:folHlink>
-        <a:srgbClr val="0097A7"/>
-      </a:folHlink>
-    </a:clrScheme>
-    <a:fontScheme name="Office">
-      <a:majorFont>
-        <a:latin typeface="Arial"/>
-        <a:ea typeface=""/>
-        <a:cs typeface=""/>
-        <a:font script="Jpan" typeface="ＭＳ Ｐゴシック"/>
-        <a:font script="Hang" typeface="맑은 고딕"/>
-        <a:font script="Hans" typeface="宋体"/>
-        <a:font script="Hant" typeface="新細明體"/>
-        <a:font script="Arab" typeface="Times New Roman"/>
-        <a:font script="Hebr" typeface="Times New Roman"/>
-        <a:font script="Thai" typeface="Angsana New"/>
-        <a:font script="Ethi" typeface="Nyala"/>
-        <a:font script="Beng" typeface="Vrinda"/>
-        <a:font script="Gujr" typeface="Shruti"/>
-        <a:font script="Khmr" typeface="MoolBoran"/>
-        <a:font script="Knda" typeface="Tunga"/>
-        <a:font script="Guru" typeface="Raavi"/>
-        <a:font script="Cans" typeface="Euphemia"/>
-        <a:font script="Cher" typeface="Plantagenet Cherokee"/>
-        <a:font script="Yiii" typeface="Microsoft Yi Baiti"/>
-        <a:font script="Tibt" typeface="Microsoft Himalaya"/>
-        <a:font script="Thaa" typeface="MV Boli"/>
-        <a:font script="Deva" typeface="Mangal"/>
-        <a:font script="Telu" typeface="Gautami"/>
-        <a:font script="Taml" typeface="Latha"/>
-        <a:font script="Syrc" typeface="Estrangelo Edessa"/>
-        <a:font script="Orya" typeface="Kalinga"/>
-        <a:font script="Mlym" typeface="Kartika"/>
-        <a:font script="Laoo" typeface="DokChampa"/>
-        <a:font script="Sinh" typeface="Iskoola Pota"/>
-        <a:font script="Mong" typeface="Mongolian Baiti"/>
-        <a:font script="Viet" typeface="Times New Roman"/>
-        <a:font script="Uigh" typeface="Microsoft Uighur"/>
-        <a:font script="Geor" typeface="Sylfaen"/>
-      </a:majorFont>
-      <a:minorFont>
-        <a:latin typeface="Arial"/>
-        <a:ea typeface=""/>
-        <a:cs typeface=""/>
-        <a:font script="Jpan" typeface="ＭＳ Ｐゴシック"/>
-        <a:font script="Hang" typeface="맑은 고딕"/>
-        <a:font script="Hans" typeface="宋体"/>
-        <a:font script="Hant" typeface="新細明體"/>
-        <a:font script="Arab" typeface="Arial"/>
-        <a:font script="Hebr" typeface="Arial"/>
-        <a:font script="Thai" typeface="Cordia New"/>
-        <a:font script="Ethi" typeface="Nyala"/>
-        <a:font script="Beng" typeface="Vrinda"/>
-        <a:font script="Gujr" typeface="Shruti"/>
-        <a:font script="Khmr" typeface="DaunPenh"/>
-        <a:font script="Knda" typeface="Tunga"/>
-        <a:font script="Guru" typeface="Raavi"/>
-        <a:font script="Cans" typeface="Euphemia"/>
-        <a:font script="Cher" typeface="Plantagenet Cherokee"/>
-        <a:font script="Yiii" typeface="Microsoft Yi Baiti"/>
-        <a:font script="Tibt" typeface="Microsoft Himalaya"/>
-        <a:font script="Thaa" typeface="MV Boli"/>
-        <a:font script="Deva" typeface="Mangal"/>
-        <a:font script="Telu" typeface="Gautami"/>
-        <a:font script="Taml" typeface="Latha"/>
-        <a:font script="Syrc" typeface="Estrangelo Edessa"/>
-        <a:font script="Orya" typeface="Kalinga"/>
-        <a:font script="Mlym" typeface="Kartika"/>
-        <a:font script="Laoo" typeface="DokChampa"/>
-        <a:font script="Sinh" typeface="Iskoola Pota"/>
-        <a:font script="Mong" typeface="Mongolian Baiti"/>
-        <a:font script="Viet" typeface="Arial"/>
-        <a:font script="Uigh" typeface="Microsoft Uighur"/>
-        <a:font script="Geor" typeface="Sylfaen"/>
-      </a:minorFont>
-    </a:fontScheme>
-    <a:fmtScheme name="Office">
-      <a:fillStyleLst>
-        <a:solidFill>
-          <a:schemeClr val="phClr"/>
-        </a:solidFill>
-        <a:gradFill rotWithShape="1">
-          <a:gsLst>
-            <a:gs pos="0">
-              <a:schemeClr val="phClr">
-                <a:tint val="50000"/>
-                <a:satMod val="300000"/>
-              </a:schemeClr>
-            </a:gs>
-            <a:gs pos="35000">
-              <a:schemeClr val="phClr">
-                <a:tint val="37000"/>
-                <a:satMod val="300000"/>
-              </a:schemeClr>
-            </a:gs>
-            <a:gs pos="100000">
-              <a:schemeClr val="phClr">
-                <a:tint val="15000"/>
-                <a:satMod val="350000"/>
-              </a:schemeClr>
-            </a:gs>
-          </a:gsLst>
-          <a:lin ang="16200000" scaled="1"/>
-        </a:gradFill>
-        <a:gradFill rotWithShape="1">
-          <a:gsLst>
-            <a:gs pos="0">
-              <a:schemeClr val="phClr">
-                <a:tint val="100000"/>
-                <a:shade val="100000"/>
-                <a:satMod val="130000"/>
-              </a:schemeClr>
-            </a:gs>
-            <a:gs pos="100000">
-              <a:schemeClr val="phClr">
-                <a:tint val="50000"/>
-                <a:shade val="100000"/>
-                <a:satMod val="350000"/>
-              </a:schemeClr>
-            </a:gs>
-          </a:gsLst>
-          <a:lin ang="16200000" scaled="0"/>
-        </a:gradFill>
-      </a:fillStyleLst>
-      <a:lnStyleLst>
-        <a:ln w="9525" cap="flat" cmpd="sng" algn="ctr">
-          <a:solidFill>
-            <a:schemeClr val="phClr">
-              <a:shade val="95000"/>
-              <a:satMod val="105000"/>
-            </a:schemeClr>
-          </a:solidFill>
-          <a:prstDash val="solid"/>
-        </a:ln>
-        <a:ln w="25400" cap="flat" cmpd="sng" algn="ctr">
-          <a:solidFill>
-            <a:schemeClr val="phClr"/>
-          </a:solidFill>
-          <a:prstDash val="solid"/>
-        </a:ln>
-        <a:ln w="38100" cap="flat" cmpd="sng" algn="ctr">
-          <a:solidFill>
-            <a:schemeClr val="phClr"/>
-          </a:solidFill>
-          <a:prstDash val="solid"/>
-        </a:ln>
-      </a:lnStyleLst>
-      <a:effectStyleLst>
-        <a:effectStyle>
-          <a:effectLst>
-            <a:outerShdw blurRad="40000" dist="20000" dir="5400000" rotWithShape="0">
-              <a:srgbClr val="000000">
-                <a:alpha val="38000"/>
-              </a:srgbClr>
-            </a:outerShdw>
-          </a:effectLst>
-        </a:effectStyle>
-        <a:effectStyle>
-          <a:effectLst>
-            <a:outerShdw blurRad="40000" dist="23000" dir="5400000" rotWithShape="0">
-              <a:srgbClr val="000000">
-                <a:alpha val="35000"/>
-              </a:srgbClr>
-            </a:outerShdw>
-          </a:effectLst>
-        </a:effectStyle>
-        <a:effectStyle>
-          <a:effectLst>
-            <a:outerShdw blurRad="40000" dist="23000" dir="5400000" rotWithShape="0">
-              <a:srgbClr val="000000">
-                <a:alpha val="35000"/>
-              </a:srgbClr>
-            </a:outerShdw>
-          </a:effectLst>
-          <a:scene3d>
-            <a:camera prst="orthographicFront">
-              <a:rot lat="0" lon="0" rev="0"/>
-            </a:camera>
-            <a:lightRig rig="threePt" dir="t">
-              <a:rot lat="0" lon="0" rev="1200000"/>
-            </a:lightRig>
-          </a:scene3d>
-          <a:sp3d>
-            <a:bevelT w="63500" h="25400"/>
-          </a:sp3d>
-        </a:effectStyle>
-      </a:effectStyleLst>
-      <a:bgFillStyleLst>
-        <a:solidFill>
-          <a:schemeClr val="phClr"/>
-        </a:solidFill>
-        <a:gradFill rotWithShape="1">
-          <a:gsLst>
-            <a:gs pos="0">
-              <a:schemeClr val="phClr">
-                <a:tint val="40000"/>
-                <a:satMod val="350000"/>
-              </a:schemeClr>
-            </a:gs>
-            <a:gs pos="40000">
-              <a:schemeClr val="phClr">
-                <a:tint val="45000"/>
-                <a:shade val="99000"/>
-                <a:satMod val="350000"/>
-              </a:schemeClr>
-            </a:gs>
-            <a:gs pos="100000">
-              <a:schemeClr val="phClr">
-                <a:shade val="20000"/>
-                <a:satMod val="255000"/>
-              </a:schemeClr>
-            </a:gs>
-          </a:gsLst>
-          <a:path path="circle">
-            <a:fillToRect l="50000" t="-80000" r="50000" b="180000"/>
-          </a:path>
-        </a:gradFill>
-        <a:gradFill rotWithShape="1">
-          <a:gsLst>
-            <a:gs pos="0">
-              <a:schemeClr val="phClr">
-                <a:tint val="80000"/>
-                <a:satMod val="300000"/>
-              </a:schemeClr>
-            </a:gs>
-            <a:gs pos="100000">
-              <a:schemeClr val="phClr">
-                <a:shade val="30000"/>
-                <a:satMod val="200000"/>
-              </a:schemeClr>
-            </a:gs>
-          </a:gsLst>
-          <a:path path="circle">
-            <a:fillToRect l="50000" t="50000" r="50000" b="50000"/>
-          </a:path>
-        </a:gradFill>
-      </a:bgFillStyleLst>
-    </a:fmtScheme>
-  </a:themeElements>
-  <a:objectDefaults/>
-  <a:extraClrSchemeLst/>
-</a:theme>
-</file>
-
-<file path=ppt/theme/theme2.xml><?xml version="1.0" encoding="utf-8"?>
 <a:theme xmlns:a="http://schemas.openxmlformats.org/drawingml/2006/main" name="Office Theme">
   <a:themeElements>
     <a:clrScheme name="Office">
@@ -18786,7 +13571,7 @@
 </a:theme>
 </file>
 
-<file path=ppt/theme/theme3.xml><?xml version="1.0" encoding="utf-8"?>
+<file path=ppt/theme/theme2.xml><?xml version="1.0" encoding="utf-8"?>
 <a:theme xmlns:a="http://schemas.openxmlformats.org/drawingml/2006/main">
   <a:themeElements>
     <a:clrScheme name="Default">
